--- a/Aero_Flights_Deliverable_0.pptx
+++ b/Aero_Flights_Deliverable_0.pptx
@@ -5,10 +5,10 @@
     <p:sldMasterId id="2147483840" r:id="rId1"/>
   </p:sldMasterIdLst>
   <p:notesMasterIdLst>
-    <p:notesMasterId r:id="rId10"/>
+    <p:notesMasterId r:id="rId11"/>
   </p:notesMasterIdLst>
   <p:handoutMasterIdLst>
-    <p:handoutMasterId r:id="rId11"/>
+    <p:handoutMasterId r:id="rId12"/>
   </p:handoutMasterIdLst>
   <p:sldIdLst>
     <p:sldId id="256" r:id="rId2"/>
@@ -19,6 +19,7 @@
     <p:sldId id="262" r:id="rId7"/>
     <p:sldId id="263" r:id="rId8"/>
     <p:sldId id="264" r:id="rId9"/>
+    <p:sldId id="265" r:id="rId10"/>
   </p:sldIdLst>
   <p:sldSz cx="12192000" cy="6858000"/>
   <p:notesSz cx="6858000" cy="9144000"/>
@@ -120,6 +121,9 @@
   <p:extLst>
     <p:ext uri="{EFAFB233-063F-42B5-8137-9DF3F51BA10A}">
       <p15:sldGuideLst xmlns:p15="http://schemas.microsoft.com/office/powerpoint/2012/main"/>
+    </p:ext>
+    <p:ext uri="{2D200454-40CA-4A62-9FC3-DE9A4176ACB9}">
+      <p15:notesGuideLst xmlns:p15="http://schemas.microsoft.com/office/powerpoint/2012/main"/>
     </p:ext>
   </p:extLst>
 </p:presentation>
@@ -3902,7 +3906,7 @@
           <p:cNvPr id="2" name="Title 1">
             <a:extLst>
               <a:ext uri="{FF2B5EF4-FFF2-40B4-BE49-F238E27FC236}">
-                <a16:creationId xmlns:a16="http://schemas.microsoft.com/office/drawing/2014/main" xmlns="" id="{E98571B8-7802-434B-B149-E13573C42967}"/>
+                <a16:creationId xmlns="" xmlns:a16="http://schemas.microsoft.com/office/drawing/2014/main" id="{E98571B8-7802-434B-B149-E13573C42967}"/>
               </a:ext>
             </a:extLst>
           </p:cNvPr>
@@ -3932,7 +3936,7 @@
           <p:cNvPr id="3" name="Subtitle 2">
             <a:extLst>
               <a:ext uri="{FF2B5EF4-FFF2-40B4-BE49-F238E27FC236}">
-                <a16:creationId xmlns:a16="http://schemas.microsoft.com/office/drawing/2014/main" xmlns="" id="{5EA7E3DB-1D57-4E68-A809-4D1AC4124CCD}"/>
+                <a16:creationId xmlns="" xmlns:a16="http://schemas.microsoft.com/office/drawing/2014/main" id="{5EA7E3DB-1D57-4E68-A809-4D1AC4124CCD}"/>
               </a:ext>
             </a:extLst>
           </p:cNvPr>
@@ -3997,7 +4001,7 @@
           <p:cNvPr id="2" name="Title 1">
             <a:extLst>
               <a:ext uri="{FF2B5EF4-FFF2-40B4-BE49-F238E27FC236}">
-                <a16:creationId xmlns:a16="http://schemas.microsoft.com/office/drawing/2014/main" xmlns="" id="{C05A01AF-B615-45C0-94A3-E756C3674A53}"/>
+                <a16:creationId xmlns="" xmlns:a16="http://schemas.microsoft.com/office/drawing/2014/main" id="{C05A01AF-B615-45C0-94A3-E756C3674A53}"/>
               </a:ext>
             </a:extLst>
           </p:cNvPr>
@@ -4025,7 +4029,7 @@
           <p:cNvPr id="3" name="Content Placeholder 2">
             <a:extLst>
               <a:ext uri="{FF2B5EF4-FFF2-40B4-BE49-F238E27FC236}">
-                <a16:creationId xmlns:a16="http://schemas.microsoft.com/office/drawing/2014/main" xmlns="" id="{2D710FC4-CFF3-45C7-B5A8-A478831D0001}"/>
+                <a16:creationId xmlns="" xmlns:a16="http://schemas.microsoft.com/office/drawing/2014/main" id="{2D710FC4-CFF3-45C7-B5A8-A478831D0001}"/>
               </a:ext>
             </a:extLst>
           </p:cNvPr>
@@ -4156,7 +4160,7 @@
           <p:cNvPr id="2" name="Rectangle 1">
             <a:extLst>
               <a:ext uri="{FF2B5EF4-FFF2-40B4-BE49-F238E27FC236}">
-                <a16:creationId xmlns:a16="http://schemas.microsoft.com/office/drawing/2014/main" xmlns="" id="{A626BE00-405A-4B10-AE3D-72CC571AE9B0}"/>
+                <a16:creationId xmlns="" xmlns:a16="http://schemas.microsoft.com/office/drawing/2014/main" id="{A626BE00-405A-4B10-AE3D-72CC571AE9B0}"/>
               </a:ext>
             </a:extLst>
           </p:cNvPr>
@@ -4658,7 +4662,7 @@
           <p:cNvPr id="2" name="Rectangle 1">
             <a:extLst>
               <a:ext uri="{FF2B5EF4-FFF2-40B4-BE49-F238E27FC236}">
-                <a16:creationId xmlns:a16="http://schemas.microsoft.com/office/drawing/2014/main" xmlns="" id="{A626BE00-405A-4B10-AE3D-72CC571AE9B0}"/>
+                <a16:creationId xmlns="" xmlns:a16="http://schemas.microsoft.com/office/drawing/2014/main" id="{A626BE00-405A-4B10-AE3D-72CC571AE9B0}"/>
               </a:ext>
             </a:extLst>
           </p:cNvPr>
@@ -5205,7 +5209,7 @@
           <p:cNvPr id="2" name="Rectangle 1">
             <a:extLst>
               <a:ext uri="{FF2B5EF4-FFF2-40B4-BE49-F238E27FC236}">
-                <a16:creationId xmlns:a16="http://schemas.microsoft.com/office/drawing/2014/main" xmlns="" id="{A626BE00-405A-4B10-AE3D-72CC571AE9B0}"/>
+                <a16:creationId xmlns="" xmlns:a16="http://schemas.microsoft.com/office/drawing/2014/main" id="{A626BE00-405A-4B10-AE3D-72CC571AE9B0}"/>
               </a:ext>
             </a:extLst>
           </p:cNvPr>
@@ -5728,7 +5732,7 @@
           <p:cNvPr id="2" name="Rectangle 1">
             <a:extLst>
               <a:ext uri="{FF2B5EF4-FFF2-40B4-BE49-F238E27FC236}">
-                <a16:creationId xmlns:a16="http://schemas.microsoft.com/office/drawing/2014/main" xmlns="" id="{A626BE00-405A-4B10-AE3D-72CC571AE9B0}"/>
+                <a16:creationId xmlns="" xmlns:a16="http://schemas.microsoft.com/office/drawing/2014/main" id="{A626BE00-405A-4B10-AE3D-72CC571AE9B0}"/>
               </a:ext>
             </a:extLst>
           </p:cNvPr>
@@ -6188,7 +6192,7 @@
           <p:cNvPr id="2" name="Rectangle 1">
             <a:extLst>
               <a:ext uri="{FF2B5EF4-FFF2-40B4-BE49-F238E27FC236}">
-                <a16:creationId xmlns:a16="http://schemas.microsoft.com/office/drawing/2014/main" xmlns="" id="{A626BE00-405A-4B10-AE3D-72CC571AE9B0}"/>
+                <a16:creationId xmlns="" xmlns:a16="http://schemas.microsoft.com/office/drawing/2014/main" id="{A626BE00-405A-4B10-AE3D-72CC571AE9B0}"/>
               </a:ext>
             </a:extLst>
           </p:cNvPr>
@@ -6685,7 +6689,7 @@
           <p:cNvPr id="2" name="Rectangle 1">
             <a:extLst>
               <a:ext uri="{FF2B5EF4-FFF2-40B4-BE49-F238E27FC236}">
-                <a16:creationId xmlns:a16="http://schemas.microsoft.com/office/drawing/2014/main" xmlns="" id="{A626BE00-405A-4B10-AE3D-72CC571AE9B0}"/>
+                <a16:creationId xmlns="" xmlns:a16="http://schemas.microsoft.com/office/drawing/2014/main" id="{A626BE00-405A-4B10-AE3D-72CC571AE9B0}"/>
               </a:ext>
             </a:extLst>
           </p:cNvPr>
@@ -7096,6 +7100,111 @@
     <p:extLst>
       <p:ext uri="{BB962C8B-B14F-4D97-AF65-F5344CB8AC3E}">
         <p14:creationId xmlns:p14="http://schemas.microsoft.com/office/powerpoint/2010/main" val="3202117995"/>
+      </p:ext>
+    </p:extLst>
+  </p:cSld>
+  <p:clrMapOvr>
+    <a:masterClrMapping/>
+  </p:clrMapOvr>
+  <p:timing>
+    <p:tnLst>
+      <p:par>
+        <p:cTn id="1" dur="indefinite" restart="never" nodeType="tmRoot"/>
+      </p:par>
+    </p:tnLst>
+  </p:timing>
+</p:sld>
+</file>
+
+<file path=ppt/slides/slide9.xml><?xml version="1.0" encoding="utf-8"?>
+<p:sld xmlns:a="http://schemas.openxmlformats.org/drawingml/2006/main" xmlns:r="http://schemas.openxmlformats.org/officeDocument/2006/relationships" xmlns:p="http://schemas.openxmlformats.org/presentationml/2006/main">
+  <p:cSld>
+    <p:spTree>
+      <p:nvGrpSpPr>
+        <p:cNvPr id="1" name=""/>
+        <p:cNvGrpSpPr/>
+        <p:nvPr/>
+      </p:nvGrpSpPr>
+      <p:grpSpPr>
+        <a:xfrm>
+          <a:off x="0" y="0"/>
+          <a:ext cx="0" cy="0"/>
+          <a:chOff x="0" y="0"/>
+          <a:chExt cx="0" cy="0"/>
+        </a:xfrm>
+      </p:grpSpPr>
+      <p:sp>
+        <p:nvSpPr>
+          <p:cNvPr id="2" name="Title 1"/>
+          <p:cNvSpPr>
+            <a:spLocks noGrp="1"/>
+          </p:cNvSpPr>
+          <p:nvPr>
+            <p:ph type="title"/>
+          </p:nvPr>
+        </p:nvSpPr>
+        <p:spPr/>
+        <p:txBody>
+          <a:bodyPr/>
+          <a:lstStyle/>
+          <a:p>
+            <a:r>
+              <a:rPr lang="en-US" dirty="0" smtClean="0"/>
+              <a:t>Additional Information</a:t>
+            </a:r>
+            <a:endParaRPr lang="en-US" dirty="0"/>
+          </a:p>
+        </p:txBody>
+      </p:sp>
+      <p:sp>
+        <p:nvSpPr>
+          <p:cNvPr id="3" name="Content Placeholder 2"/>
+          <p:cNvSpPr>
+            <a:spLocks noGrp="1"/>
+          </p:cNvSpPr>
+          <p:nvPr>
+            <p:ph idx="1"/>
+          </p:nvPr>
+        </p:nvSpPr>
+        <p:spPr/>
+        <p:txBody>
+          <a:bodyPr/>
+          <a:lstStyle/>
+          <a:p>
+            <a:r>
+              <a:rPr lang="en-US" dirty="0" smtClean="0"/>
+              <a:t>Number of Screen Flows: 8</a:t>
+            </a:r>
+          </a:p>
+          <a:p>
+            <a:r>
+              <a:rPr lang="en-US" dirty="0" smtClean="0"/>
+              <a:t>Chosen Database: Firebase</a:t>
+            </a:r>
+          </a:p>
+          <a:p>
+            <a:r>
+              <a:rPr lang="en-US" dirty="0" err="1" smtClean="0"/>
+              <a:t>GitHub</a:t>
+            </a:r>
+            <a:r>
+              <a:rPr lang="en-US" dirty="0" smtClean="0"/>
+              <a:t> Link: </a:t>
+            </a:r>
+            <a:r>
+              <a:rPr lang="en-US" dirty="0" smtClean="0">
+                <a:hlinkClick r:id="rId2"/>
+              </a:rPr>
+              <a:t>Project Aero Flights</a:t>
+            </a:r>
+            <a:endParaRPr lang="en-US" dirty="0"/>
+          </a:p>
+        </p:txBody>
+      </p:sp>
+    </p:spTree>
+    <p:extLst>
+      <p:ext uri="{BB962C8B-B14F-4D97-AF65-F5344CB8AC3E}">
+        <p14:creationId xmlns:p14="http://schemas.microsoft.com/office/powerpoint/2010/main" val="3539673659"/>
       </p:ext>
     </p:extLst>
   </p:cSld>

--- a/Aero_Flights_Deliverable_0.pptx
+++ b/Aero_Flights_Deliverable_0.pptx
@@ -5,10 +5,10 @@
     <p:sldMasterId id="2147483840" r:id="rId1"/>
   </p:sldMasterIdLst>
   <p:notesMasterIdLst>
-    <p:notesMasterId r:id="rId11"/>
+    <p:notesMasterId r:id="rId13"/>
   </p:notesMasterIdLst>
   <p:handoutMasterIdLst>
-    <p:handoutMasterId r:id="rId12"/>
+    <p:handoutMasterId r:id="rId14"/>
   </p:handoutMasterIdLst>
   <p:sldIdLst>
     <p:sldId id="256" r:id="rId2"/>
@@ -18,8 +18,10 @@
     <p:sldId id="261" r:id="rId6"/>
     <p:sldId id="262" r:id="rId7"/>
     <p:sldId id="263" r:id="rId8"/>
-    <p:sldId id="264" r:id="rId9"/>
-    <p:sldId id="265" r:id="rId10"/>
+    <p:sldId id="266" r:id="rId9"/>
+    <p:sldId id="264" r:id="rId10"/>
+    <p:sldId id="267" r:id="rId11"/>
+    <p:sldId id="265" r:id="rId12"/>
   </p:sldIdLst>
   <p:sldSz cx="12192000" cy="6858000"/>
   <p:notesSz cx="6858000" cy="9144000"/>
@@ -440,38 +442,37 @@
           <a:p>
             <a:pPr lvl="0"/>
             <a:r>
-              <a:rPr lang="en-US" smtClean="0"/>
+              <a:rPr lang="en-US"/>
               <a:t>Click to edit Master text styles</a:t>
             </a:r>
           </a:p>
           <a:p>
             <a:pPr lvl="1"/>
             <a:r>
-              <a:rPr lang="en-US" smtClean="0"/>
+              <a:rPr lang="en-US"/>
               <a:t>Second level</a:t>
             </a:r>
           </a:p>
           <a:p>
             <a:pPr lvl="2"/>
             <a:r>
-              <a:rPr lang="en-US" smtClean="0"/>
+              <a:rPr lang="en-US"/>
               <a:t>Third level</a:t>
             </a:r>
           </a:p>
           <a:p>
             <a:pPr lvl="3"/>
             <a:r>
-              <a:rPr lang="en-US" smtClean="0"/>
+              <a:rPr lang="en-US"/>
               <a:t>Fourth level</a:t>
             </a:r>
           </a:p>
           <a:p>
             <a:pPr lvl="4"/>
             <a:r>
-              <a:rPr lang="en-US" smtClean="0"/>
+              <a:rPr lang="en-US"/>
               <a:t>Fifth level</a:t>
             </a:r>
-            <a:endParaRPr lang="en-US"/>
           </a:p>
         </p:txBody>
       </p:sp>
@@ -2905,13 +2906,6 @@
   <p:clrMapOvr>
     <a:masterClrMapping/>
   </p:clrMapOvr>
-  <p:timing>
-    <p:tnLst>
-      <p:par>
-        <p:cTn id="1" dur="indefinite" restart="never" nodeType="tmRoot"/>
-      </p:par>
-    </p:tnLst>
-  </p:timing>
 </p:sldLayout>
 </file>
 
@@ -3906,7 +3900,7 @@
           <p:cNvPr id="2" name="Title 1">
             <a:extLst>
               <a:ext uri="{FF2B5EF4-FFF2-40B4-BE49-F238E27FC236}">
-                <a16:creationId xmlns="" xmlns:a16="http://schemas.microsoft.com/office/drawing/2014/main" id="{E98571B8-7802-434B-B149-E13573C42967}"/>
+                <a16:creationId xmlns:a16="http://schemas.microsoft.com/office/drawing/2014/main" id="{E98571B8-7802-434B-B149-E13573C42967}"/>
               </a:ext>
             </a:extLst>
           </p:cNvPr>
@@ -3936,7 +3930,7 @@
           <p:cNvPr id="3" name="Subtitle 2">
             <a:extLst>
               <a:ext uri="{FF2B5EF4-FFF2-40B4-BE49-F238E27FC236}">
-                <a16:creationId xmlns="" xmlns:a16="http://schemas.microsoft.com/office/drawing/2014/main" id="{5EA7E3DB-1D57-4E68-A809-4D1AC4124CCD}"/>
+                <a16:creationId xmlns:a16="http://schemas.microsoft.com/office/drawing/2014/main" id="{5EA7E3DB-1D57-4E68-A809-4D1AC4124CCD}"/>
               </a:ext>
             </a:extLst>
           </p:cNvPr>
@@ -3969,13 +3963,325 @@
   <p:clrMapOvr>
     <a:masterClrMapping/>
   </p:clrMapOvr>
-  <p:timing>
-    <p:tnLst>
-      <p:par>
-        <p:cTn id="1" dur="indefinite" restart="never" nodeType="tmRoot"/>
-      </p:par>
-    </p:tnLst>
-  </p:timing>
+</p:sld>
+</file>
+
+<file path=ppt/slides/slide10.xml><?xml version="1.0" encoding="utf-8"?>
+<p:sld xmlns:a="http://schemas.openxmlformats.org/drawingml/2006/main" xmlns:r="http://schemas.openxmlformats.org/officeDocument/2006/relationships" xmlns:p="http://schemas.openxmlformats.org/presentationml/2006/main">
+  <p:cSld>
+    <p:spTree>
+      <p:nvGrpSpPr>
+        <p:cNvPr id="1" name=""/>
+        <p:cNvGrpSpPr/>
+        <p:nvPr/>
+      </p:nvGrpSpPr>
+      <p:grpSpPr>
+        <a:xfrm>
+          <a:off x="0" y="0"/>
+          <a:ext cx="0" cy="0"/>
+          <a:chOff x="0" y="0"/>
+          <a:chExt cx="0" cy="0"/>
+        </a:xfrm>
+      </p:grpSpPr>
+      <p:pic>
+        <p:nvPicPr>
+          <p:cNvPr id="3" name="Picture 2">
+            <a:extLst>
+              <a:ext uri="{FF2B5EF4-FFF2-40B4-BE49-F238E27FC236}">
+                <a16:creationId xmlns:a16="http://schemas.microsoft.com/office/drawing/2014/main" id="{E52EF390-DD06-03DD-0BD8-6F44A70D5463}"/>
+              </a:ext>
+            </a:extLst>
+          </p:cNvPr>
+          <p:cNvPicPr>
+            <a:picLocks noChangeAspect="1"/>
+          </p:cNvPicPr>
+          <p:nvPr/>
+        </p:nvPicPr>
+        <p:blipFill>
+          <a:blip r:embed="rId2"/>
+          <a:stretch>
+            <a:fillRect/>
+          </a:stretch>
+        </p:blipFill>
+        <p:spPr>
+          <a:xfrm>
+            <a:off x="293148" y="1530220"/>
+            <a:ext cx="2719016" cy="4991878"/>
+          </a:xfrm>
+          <a:prstGeom prst="rect">
+            <a:avLst/>
+          </a:prstGeom>
+        </p:spPr>
+      </p:pic>
+      <p:sp>
+        <p:nvSpPr>
+          <p:cNvPr id="4" name="Rectangle 3">
+            <a:extLst>
+              <a:ext uri="{FF2B5EF4-FFF2-40B4-BE49-F238E27FC236}">
+                <a16:creationId xmlns:a16="http://schemas.microsoft.com/office/drawing/2014/main" id="{4FE56A71-558A-14A2-D451-5F04130FB961}"/>
+              </a:ext>
+            </a:extLst>
+          </p:cNvPr>
+          <p:cNvSpPr/>
+          <p:nvPr/>
+        </p:nvSpPr>
+        <p:spPr>
+          <a:xfrm>
+            <a:off x="0" y="109057"/>
+            <a:ext cx="4093827" cy="1073791"/>
+          </a:xfrm>
+          <a:prstGeom prst="rect">
+            <a:avLst/>
+          </a:prstGeom>
+          <a:ln>
+            <a:solidFill>
+              <a:schemeClr val="bg1"/>
+            </a:solidFill>
+          </a:ln>
+        </p:spPr>
+        <p:style>
+          <a:lnRef idx="2">
+            <a:schemeClr val="accent1">
+              <a:shade val="50000"/>
+            </a:schemeClr>
+          </a:lnRef>
+          <a:fillRef idx="1">
+            <a:schemeClr val="accent1"/>
+          </a:fillRef>
+          <a:effectRef idx="0">
+            <a:schemeClr val="accent1"/>
+          </a:effectRef>
+          <a:fontRef idx="minor">
+            <a:schemeClr val="lt1"/>
+          </a:fontRef>
+        </p:style>
+        <p:txBody>
+          <a:bodyPr rtlCol="0" anchor="ctr"/>
+          <a:lstStyle/>
+          <a:p>
+            <a:pPr algn="ctr"/>
+            <a:r>
+              <a:rPr lang="en-US" sz="3600" spc="-60" dirty="0">
+                <a:solidFill>
+                  <a:srgbClr val="FFFFFF"/>
+                </a:solidFill>
+                <a:latin typeface="+mj-lt"/>
+                <a:ea typeface="+mj-ea"/>
+                <a:cs typeface="+mj-cs"/>
+              </a:rPr>
+              <a:t>Search Bar</a:t>
+            </a:r>
+          </a:p>
+        </p:txBody>
+      </p:sp>
+      <p:sp>
+        <p:nvSpPr>
+          <p:cNvPr id="6" name="TextBox 5">
+            <a:extLst>
+              <a:ext uri="{FF2B5EF4-FFF2-40B4-BE49-F238E27FC236}">
+                <a16:creationId xmlns:a16="http://schemas.microsoft.com/office/drawing/2014/main" id="{7DC632F1-DAC9-3762-B0D5-5EB1F45A30D9}"/>
+              </a:ext>
+            </a:extLst>
+          </p:cNvPr>
+          <p:cNvSpPr txBox="1"/>
+          <p:nvPr/>
+        </p:nvSpPr>
+        <p:spPr>
+          <a:xfrm>
+            <a:off x="4356285" y="2413597"/>
+            <a:ext cx="6097554" cy="880369"/>
+          </a:xfrm>
+          <a:prstGeom prst="rect">
+            <a:avLst/>
+          </a:prstGeom>
+          <a:noFill/>
+        </p:spPr>
+        <p:txBody>
+          <a:bodyPr wrap="square">
+            <a:spAutoFit/>
+          </a:bodyPr>
+          <a:lstStyle/>
+          <a:p>
+            <a:pPr>
+              <a:lnSpc>
+                <a:spcPct val="150000"/>
+              </a:lnSpc>
+              <a:buFont typeface="Wingdings" panose="05000000000000000000" pitchFamily="2" charset="2"/>
+              <a:buChar char="Ø"/>
+            </a:pPr>
+            <a:r>
+              <a:rPr lang="en-US" dirty="0"/>
+              <a:t> In the search page, you will be able to search for a specific flight based on the destination, arrival, price, etc.</a:t>
+            </a:r>
+          </a:p>
+        </p:txBody>
+      </p:sp>
+      <p:pic>
+        <p:nvPicPr>
+          <p:cNvPr id="10" name="Picture 9" descr="Background pattern&#10;&#10;Description automatically generated">
+            <a:extLst>
+              <a:ext uri="{FF2B5EF4-FFF2-40B4-BE49-F238E27FC236}">
+                <a16:creationId xmlns:a16="http://schemas.microsoft.com/office/drawing/2014/main" id="{E8820601-D60A-B3F6-2650-791F12E3A475}"/>
+              </a:ext>
+            </a:extLst>
+          </p:cNvPr>
+          <p:cNvPicPr>
+            <a:picLocks noChangeAspect="1"/>
+          </p:cNvPicPr>
+          <p:nvPr/>
+        </p:nvPicPr>
+        <p:blipFill rotWithShape="1">
+          <a:blip r:embed="rId3"/>
+          <a:srcRect l="8405" t="36506" r="8607" b="35591"/>
+          <a:stretch/>
+        </p:blipFill>
+        <p:spPr>
+          <a:xfrm>
+            <a:off x="481762" y="2461682"/>
+            <a:ext cx="2382736" cy="464871"/>
+          </a:xfrm>
+          <a:prstGeom prst="rect">
+            <a:avLst/>
+          </a:prstGeom>
+        </p:spPr>
+      </p:pic>
+      <p:pic>
+        <p:nvPicPr>
+          <p:cNvPr id="12" name="Picture 11">
+            <a:extLst>
+              <a:ext uri="{FF2B5EF4-FFF2-40B4-BE49-F238E27FC236}">
+                <a16:creationId xmlns:a16="http://schemas.microsoft.com/office/drawing/2014/main" id="{CBD1B3C5-7D2D-08E0-B846-02C176112B31}"/>
+              </a:ext>
+            </a:extLst>
+          </p:cNvPr>
+          <p:cNvPicPr>
+            <a:picLocks noChangeAspect="1"/>
+          </p:cNvPicPr>
+          <p:nvPr/>
+        </p:nvPicPr>
+        <p:blipFill>
+          <a:blip r:embed="rId4"/>
+          <a:stretch>
+            <a:fillRect/>
+          </a:stretch>
+        </p:blipFill>
+        <p:spPr>
+          <a:xfrm>
+            <a:off x="481762" y="3041490"/>
+            <a:ext cx="2286319" cy="2753109"/>
+          </a:xfrm>
+          <a:prstGeom prst="rect">
+            <a:avLst/>
+          </a:prstGeom>
+        </p:spPr>
+      </p:pic>
+    </p:spTree>
+    <p:extLst>
+      <p:ext uri="{BB962C8B-B14F-4D97-AF65-F5344CB8AC3E}">
+        <p14:creationId xmlns:p14="http://schemas.microsoft.com/office/powerpoint/2010/main" val="3867775663"/>
+      </p:ext>
+    </p:extLst>
+  </p:cSld>
+  <p:clrMapOvr>
+    <a:masterClrMapping/>
+  </p:clrMapOvr>
+</p:sld>
+</file>
+
+<file path=ppt/slides/slide11.xml><?xml version="1.0" encoding="utf-8"?>
+<p:sld xmlns:a="http://schemas.openxmlformats.org/drawingml/2006/main" xmlns:r="http://schemas.openxmlformats.org/officeDocument/2006/relationships" xmlns:p="http://schemas.openxmlformats.org/presentationml/2006/main">
+  <p:cSld>
+    <p:spTree>
+      <p:nvGrpSpPr>
+        <p:cNvPr id="1" name=""/>
+        <p:cNvGrpSpPr/>
+        <p:nvPr/>
+      </p:nvGrpSpPr>
+      <p:grpSpPr>
+        <a:xfrm>
+          <a:off x="0" y="0"/>
+          <a:ext cx="0" cy="0"/>
+          <a:chOff x="0" y="0"/>
+          <a:chExt cx="0" cy="0"/>
+        </a:xfrm>
+      </p:grpSpPr>
+      <p:sp>
+        <p:nvSpPr>
+          <p:cNvPr id="2" name="Title 1"/>
+          <p:cNvSpPr>
+            <a:spLocks noGrp="1"/>
+          </p:cNvSpPr>
+          <p:nvPr>
+            <p:ph type="title"/>
+          </p:nvPr>
+        </p:nvSpPr>
+        <p:spPr/>
+        <p:txBody>
+          <a:bodyPr/>
+          <a:lstStyle/>
+          <a:p>
+            <a:r>
+              <a:rPr lang="en-US" dirty="0"/>
+              <a:t>Additional Information</a:t>
+            </a:r>
+          </a:p>
+        </p:txBody>
+      </p:sp>
+      <p:sp>
+        <p:nvSpPr>
+          <p:cNvPr id="3" name="Content Placeholder 2"/>
+          <p:cNvSpPr>
+            <a:spLocks noGrp="1"/>
+          </p:cNvSpPr>
+          <p:nvPr>
+            <p:ph idx="1"/>
+          </p:nvPr>
+        </p:nvSpPr>
+        <p:spPr/>
+        <p:txBody>
+          <a:bodyPr/>
+          <a:lstStyle/>
+          <a:p>
+            <a:r>
+              <a:rPr lang="en-US" dirty="0"/>
+              <a:t>Number of Screen Flows: 8</a:t>
+            </a:r>
+          </a:p>
+          <a:p>
+            <a:r>
+              <a:rPr lang="en-US" dirty="0"/>
+              <a:t>Chosen Database: Firebase</a:t>
+            </a:r>
+          </a:p>
+          <a:p>
+            <a:r>
+              <a:rPr lang="en-US" dirty="0" err="1"/>
+              <a:t>GitHub</a:t>
+            </a:r>
+            <a:r>
+              <a:rPr lang="en-US" dirty="0"/>
+              <a:t> Link: </a:t>
+            </a:r>
+            <a:r>
+              <a:rPr lang="en-US" dirty="0">
+                <a:hlinkClick r:id="rId2"/>
+              </a:rPr>
+              <a:t>Project Aero Flights</a:t>
+            </a:r>
+            <a:endParaRPr lang="en-US" dirty="0"/>
+          </a:p>
+        </p:txBody>
+      </p:sp>
+    </p:spTree>
+    <p:extLst>
+      <p:ext uri="{BB962C8B-B14F-4D97-AF65-F5344CB8AC3E}">
+        <p14:creationId xmlns:p14="http://schemas.microsoft.com/office/powerpoint/2010/main" val="3539673659"/>
+      </p:ext>
+    </p:extLst>
+  </p:cSld>
+  <p:clrMapOvr>
+    <a:masterClrMapping/>
+  </p:clrMapOvr>
 </p:sld>
 </file>
 
@@ -4001,7 +4307,7 @@
           <p:cNvPr id="2" name="Title 1">
             <a:extLst>
               <a:ext uri="{FF2B5EF4-FFF2-40B4-BE49-F238E27FC236}">
-                <a16:creationId xmlns="" xmlns:a16="http://schemas.microsoft.com/office/drawing/2014/main" id="{C05A01AF-B615-45C0-94A3-E756C3674A53}"/>
+                <a16:creationId xmlns:a16="http://schemas.microsoft.com/office/drawing/2014/main" id="{C05A01AF-B615-45C0-94A3-E756C3674A53}"/>
               </a:ext>
             </a:extLst>
           </p:cNvPr>
@@ -4029,7 +4335,7 @@
           <p:cNvPr id="3" name="Content Placeholder 2">
             <a:extLst>
               <a:ext uri="{FF2B5EF4-FFF2-40B4-BE49-F238E27FC236}">
-                <a16:creationId xmlns="" xmlns:a16="http://schemas.microsoft.com/office/drawing/2014/main" id="{2D710FC4-CFF3-45C7-B5A8-A478831D0001}"/>
+                <a16:creationId xmlns:a16="http://schemas.microsoft.com/office/drawing/2014/main" id="{2D710FC4-CFF3-45C7-B5A8-A478831D0001}"/>
               </a:ext>
             </a:extLst>
           </p:cNvPr>
@@ -4128,13 +4434,6 @@
   <p:clrMapOvr>
     <a:masterClrMapping/>
   </p:clrMapOvr>
-  <p:timing>
-    <p:tnLst>
-      <p:par>
-        <p:cTn id="1" dur="indefinite" restart="never" nodeType="tmRoot"/>
-      </p:par>
-    </p:tnLst>
-  </p:timing>
 </p:sld>
 </file>
 
@@ -4160,7 +4459,7 @@
           <p:cNvPr id="2" name="Rectangle 1">
             <a:extLst>
               <a:ext uri="{FF2B5EF4-FFF2-40B4-BE49-F238E27FC236}">
-                <a16:creationId xmlns="" xmlns:a16="http://schemas.microsoft.com/office/drawing/2014/main" id="{A626BE00-405A-4B10-AE3D-72CC571AE9B0}"/>
+                <a16:creationId xmlns:a16="http://schemas.microsoft.com/office/drawing/2014/main" id="{A626BE00-405A-4B10-AE3D-72CC571AE9B0}"/>
               </a:ext>
             </a:extLst>
           </p:cNvPr>
@@ -4203,7 +4502,7 @@
           <a:p>
             <a:pPr algn="ctr"/>
             <a:r>
-              <a:rPr lang="en-US" sz="3600" spc="-60" dirty="0" smtClean="0">
+              <a:rPr lang="en-US" sz="3600" spc="-60" dirty="0">
                 <a:solidFill>
                   <a:srgbClr val="FFFFFF"/>
                 </a:solidFill>
@@ -4213,14 +4512,6 @@
               </a:rPr>
               <a:t>Mock-up</a:t>
             </a:r>
-            <a:endParaRPr lang="en-US" sz="3600" spc="-60" dirty="0">
-              <a:solidFill>
-                <a:srgbClr val="FFFFFF"/>
-              </a:solidFill>
-              <a:latin typeface="+mj-lt"/>
-              <a:ea typeface="+mj-ea"/>
-              <a:cs typeface="+mj-cs"/>
-            </a:endParaRPr>
           </a:p>
         </p:txBody>
       </p:sp>
@@ -4448,7 +4739,7 @@
           <a:p>
             <a:pPr algn="ctr"/>
             <a:r>
-              <a:rPr lang="en-US" sz="1100" dirty="0" smtClean="0">
+              <a:rPr lang="en-US" sz="1100" dirty="0">
                 <a:solidFill>
                   <a:schemeClr val="bg1"/>
                 </a:solidFill>
@@ -4525,10 +4816,9 @@
           <a:p>
             <a:pPr algn="ctr"/>
             <a:r>
-              <a:rPr lang="en-US" dirty="0" smtClean="0"/>
+              <a:rPr lang="en-US" dirty="0"/>
               <a:t>Map</a:t>
             </a:r>
-            <a:endParaRPr lang="en-US" dirty="0"/>
           </a:p>
         </p:txBody>
       </p:sp>
@@ -4569,10 +4859,9 @@
           <a:p>
             <a:pPr algn="ctr"/>
             <a:r>
-              <a:rPr lang="en-US" dirty="0" smtClean="0"/>
+              <a:rPr lang="en-US" dirty="0"/>
               <a:t>Search</a:t>
             </a:r>
-            <a:endParaRPr lang="en-US" dirty="0"/>
           </a:p>
         </p:txBody>
       </p:sp>
@@ -4613,10 +4902,9 @@
           <a:p>
             <a:pPr algn="ctr"/>
             <a:r>
-              <a:rPr lang="en-US" dirty="0" smtClean="0"/>
+              <a:rPr lang="en-US" dirty="0"/>
               <a:t>Flight</a:t>
             </a:r>
-            <a:endParaRPr lang="en-US" dirty="0"/>
           </a:p>
         </p:txBody>
       </p:sp>
@@ -4630,13 +4918,6 @@
   <p:clrMapOvr>
     <a:masterClrMapping/>
   </p:clrMapOvr>
-  <p:timing>
-    <p:tnLst>
-      <p:par>
-        <p:cTn id="1" dur="indefinite" restart="never" nodeType="tmRoot"/>
-      </p:par>
-    </p:tnLst>
-  </p:timing>
 </p:sld>
 </file>
 
@@ -4662,7 +4943,7 @@
           <p:cNvPr id="2" name="Rectangle 1">
             <a:extLst>
               <a:ext uri="{FF2B5EF4-FFF2-40B4-BE49-F238E27FC236}">
-                <a16:creationId xmlns="" xmlns:a16="http://schemas.microsoft.com/office/drawing/2014/main" id="{A626BE00-405A-4B10-AE3D-72CC571AE9B0}"/>
+                <a16:creationId xmlns:a16="http://schemas.microsoft.com/office/drawing/2014/main" id="{A626BE00-405A-4B10-AE3D-72CC571AE9B0}"/>
               </a:ext>
             </a:extLst>
           </p:cNvPr>
@@ -4705,7 +4986,7 @@
           <a:p>
             <a:pPr algn="ctr"/>
             <a:r>
-              <a:rPr lang="en-US" sz="3600" spc="-60" dirty="0" smtClean="0">
+              <a:rPr lang="en-US" sz="3600" spc="-60" dirty="0">
                 <a:solidFill>
                   <a:srgbClr val="FFFFFF"/>
                 </a:solidFill>
@@ -4715,14 +4996,6 @@
               </a:rPr>
               <a:t>Launch</a:t>
             </a:r>
-            <a:endParaRPr lang="en-US" sz="3600" spc="-60" dirty="0">
-              <a:solidFill>
-                <a:srgbClr val="FFFFFF"/>
-              </a:solidFill>
-              <a:latin typeface="+mj-lt"/>
-              <a:ea typeface="+mj-ea"/>
-              <a:cs typeface="+mj-cs"/>
-            </a:endParaRPr>
           </a:p>
         </p:txBody>
       </p:sp>
@@ -4820,7 +5093,7 @@
           <a:p>
             <a:pPr algn="ctr"/>
             <a:r>
-              <a:rPr lang="en-US" dirty="0" smtClean="0">
+              <a:rPr lang="en-US" dirty="0">
                 <a:solidFill>
                   <a:schemeClr val="bg1"/>
                 </a:solidFill>
@@ -5106,10 +5379,9 @@
               <a:buChar char="Ø"/>
             </a:pPr>
             <a:r>
-              <a:rPr lang="en-US" dirty="0" smtClean="0"/>
+              <a:rPr lang="en-US" dirty="0"/>
               <a:t> Launch Page of our app showcasing custom-made logo in the middle and name at the bottom.</a:t>
             </a:r>
-            <a:endParaRPr lang="en-US" dirty="0"/>
           </a:p>
         </p:txBody>
       </p:sp>
@@ -5177,13 +5449,6 @@
   <p:clrMapOvr>
     <a:masterClrMapping/>
   </p:clrMapOvr>
-  <p:timing>
-    <p:tnLst>
-      <p:par>
-        <p:cTn id="1" dur="indefinite" restart="never" nodeType="tmRoot"/>
-      </p:par>
-    </p:tnLst>
-  </p:timing>
 </p:sld>
 </file>
 
@@ -5209,7 +5474,7 @@
           <p:cNvPr id="2" name="Rectangle 1">
             <a:extLst>
               <a:ext uri="{FF2B5EF4-FFF2-40B4-BE49-F238E27FC236}">
-                <a16:creationId xmlns="" xmlns:a16="http://schemas.microsoft.com/office/drawing/2014/main" id="{A626BE00-405A-4B10-AE3D-72CC571AE9B0}"/>
+                <a16:creationId xmlns:a16="http://schemas.microsoft.com/office/drawing/2014/main" id="{A626BE00-405A-4B10-AE3D-72CC571AE9B0}"/>
               </a:ext>
             </a:extLst>
           </p:cNvPr>
@@ -5252,7 +5517,7 @@
           <a:p>
             <a:pPr algn="ctr"/>
             <a:r>
-              <a:rPr lang="en-US" sz="3600" spc="-60" dirty="0" smtClean="0">
+              <a:rPr lang="en-US" sz="3600" spc="-60" dirty="0">
                 <a:solidFill>
                   <a:srgbClr val="FFFFFF"/>
                 </a:solidFill>
@@ -5262,14 +5527,6 @@
               </a:rPr>
               <a:t>Login</a:t>
             </a:r>
-            <a:endParaRPr lang="en-US" sz="3600" spc="-60" dirty="0">
-              <a:solidFill>
-                <a:srgbClr val="FFFFFF"/>
-              </a:solidFill>
-              <a:latin typeface="+mj-lt"/>
-              <a:ea typeface="+mj-ea"/>
-              <a:cs typeface="+mj-cs"/>
-            </a:endParaRPr>
           </a:p>
         </p:txBody>
       </p:sp>
@@ -5544,13 +5801,8 @@
             </a:pPr>
             <a:r>
               <a:rPr lang="en-US" dirty="0"/>
-              <a:t> </a:t>
-            </a:r>
-            <a:r>
-              <a:rPr lang="en-US" dirty="0" smtClean="0"/>
-              <a:t>Sign In to your account with matching email and password. If they do not have an account, they can Register.</a:t>
-            </a:r>
-            <a:endParaRPr lang="en-US" dirty="0"/>
+              <a:t> Sign In to your account with matching email and password. If they do not have an account, they can Register.</a:t>
+            </a:r>
           </a:p>
         </p:txBody>
       </p:sp>
@@ -5659,13 +5911,6 @@
   <p:clrMapOvr>
     <a:masterClrMapping/>
   </p:clrMapOvr>
-  <p:timing>
-    <p:tnLst>
-      <p:par>
-        <p:cTn id="1" dur="indefinite" restart="never" nodeType="tmRoot"/>
-      </p:par>
-    </p:tnLst>
-  </p:timing>
 </p:sld>
 </file>
 
@@ -5732,7 +5977,7 @@
           <p:cNvPr id="2" name="Rectangle 1">
             <a:extLst>
               <a:ext uri="{FF2B5EF4-FFF2-40B4-BE49-F238E27FC236}">
-                <a16:creationId xmlns="" xmlns:a16="http://schemas.microsoft.com/office/drawing/2014/main" id="{A626BE00-405A-4B10-AE3D-72CC571AE9B0}"/>
+                <a16:creationId xmlns:a16="http://schemas.microsoft.com/office/drawing/2014/main" id="{A626BE00-405A-4B10-AE3D-72CC571AE9B0}"/>
               </a:ext>
             </a:extLst>
           </p:cNvPr>
@@ -5775,7 +6020,7 @@
           <a:p>
             <a:pPr algn="ctr"/>
             <a:r>
-              <a:rPr lang="en-US" sz="3600" spc="-60" dirty="0" smtClean="0">
+              <a:rPr lang="en-US" sz="3600" spc="-60" dirty="0">
                 <a:solidFill>
                   <a:srgbClr val="FFFFFF"/>
                 </a:solidFill>
@@ -5785,14 +6030,6 @@
               </a:rPr>
               <a:t>Register</a:t>
             </a:r>
-            <a:endParaRPr lang="en-US" sz="3600" spc="-60" dirty="0">
-              <a:solidFill>
-                <a:srgbClr val="FFFFFF"/>
-              </a:solidFill>
-              <a:latin typeface="+mj-lt"/>
-              <a:ea typeface="+mj-ea"/>
-              <a:cs typeface="+mj-cs"/>
-            </a:endParaRPr>
           </a:p>
         </p:txBody>
       </p:sp>
@@ -6066,7 +6303,7 @@
               <a:buChar char="Ø"/>
             </a:pPr>
             <a:r>
-              <a:rPr lang="en-US" dirty="0" smtClean="0"/>
+              <a:rPr lang="en-US" dirty="0"/>
               <a:t> Register and create a new account if they do not have one already. If they already have an account, they can log in. This information is later stored in our Firebase database.</a:t>
             </a:r>
           </a:p>
@@ -6136,13 +6373,6 @@
   <p:clrMapOvr>
     <a:masterClrMapping/>
   </p:clrMapOvr>
-  <p:timing>
-    <p:tnLst>
-      <p:par>
-        <p:cTn id="1" dur="indefinite" restart="never" nodeType="tmRoot"/>
-      </p:par>
-    </p:tnLst>
-  </p:timing>
 </p:sld>
 </file>
 
@@ -6192,7 +6422,7 @@
           <p:cNvPr id="2" name="Rectangle 1">
             <a:extLst>
               <a:ext uri="{FF2B5EF4-FFF2-40B4-BE49-F238E27FC236}">
-                <a16:creationId xmlns="" xmlns:a16="http://schemas.microsoft.com/office/drawing/2014/main" id="{A626BE00-405A-4B10-AE3D-72CC571AE9B0}"/>
+                <a16:creationId xmlns:a16="http://schemas.microsoft.com/office/drawing/2014/main" id="{A626BE00-405A-4B10-AE3D-72CC571AE9B0}"/>
               </a:ext>
             </a:extLst>
           </p:cNvPr>
@@ -6235,7 +6465,7 @@
           <a:p>
             <a:pPr algn="ctr"/>
             <a:r>
-              <a:rPr lang="en-US" sz="3600" spc="-60" dirty="0" smtClean="0">
+              <a:rPr lang="en-US" sz="3600" spc="-60" dirty="0">
                 <a:solidFill>
                   <a:srgbClr val="FFFFFF"/>
                 </a:solidFill>
@@ -6245,14 +6475,6 @@
               </a:rPr>
               <a:t>Profile</a:t>
             </a:r>
-            <a:endParaRPr lang="en-US" sz="3600" spc="-60" dirty="0">
-              <a:solidFill>
-                <a:srgbClr val="FFFFFF"/>
-              </a:solidFill>
-              <a:latin typeface="+mj-lt"/>
-              <a:ea typeface="+mj-ea"/>
-              <a:cs typeface="+mj-cs"/>
-            </a:endParaRPr>
           </a:p>
         </p:txBody>
       </p:sp>
@@ -6527,21 +6749,8 @@
             </a:pPr>
             <a:r>
               <a:rPr lang="en-US" dirty="0"/>
-              <a:t> </a:t>
-            </a:r>
-            <a:r>
-              <a:rPr lang="en-US" dirty="0" smtClean="0"/>
-              <a:t>View and </a:t>
-            </a:r>
-            <a:r>
-              <a:rPr lang="en-US" dirty="0"/>
-              <a:t>E</a:t>
-            </a:r>
-            <a:r>
-              <a:rPr lang="en-US" dirty="0" smtClean="0"/>
-              <a:t>dit profile. Users can modify their existing username, email or password. Additionally, they can upload a profile picture.</a:t>
-            </a:r>
-            <a:endParaRPr lang="en-US" dirty="0"/>
+              <a:t> View and Edit profile. Users can modify their existing username, email or password. Additionally, they can upload a profile picture.</a:t>
+            </a:r>
           </a:p>
         </p:txBody>
       </p:sp>
@@ -6609,17 +6818,291 @@
   <p:clrMapOvr>
     <a:masterClrMapping/>
   </p:clrMapOvr>
-  <p:timing>
-    <p:tnLst>
-      <p:par>
-        <p:cTn id="1" dur="indefinite" restart="never" nodeType="tmRoot"/>
-      </p:par>
-    </p:tnLst>
-  </p:timing>
 </p:sld>
 </file>
 
 <file path=ppt/slides/slide8.xml><?xml version="1.0" encoding="utf-8"?>
+<p:sld xmlns:a="http://schemas.openxmlformats.org/drawingml/2006/main" xmlns:r="http://schemas.openxmlformats.org/officeDocument/2006/relationships" xmlns:p="http://schemas.openxmlformats.org/presentationml/2006/main">
+  <p:cSld>
+    <p:spTree>
+      <p:nvGrpSpPr>
+        <p:cNvPr id="1" name=""/>
+        <p:cNvGrpSpPr/>
+        <p:nvPr/>
+      </p:nvGrpSpPr>
+      <p:grpSpPr>
+        <a:xfrm>
+          <a:off x="0" y="0"/>
+          <a:ext cx="0" cy="0"/>
+          <a:chOff x="0" y="0"/>
+          <a:chExt cx="0" cy="0"/>
+        </a:xfrm>
+      </p:grpSpPr>
+      <p:sp>
+        <p:nvSpPr>
+          <p:cNvPr id="2" name="Rectangle 1">
+            <a:extLst>
+              <a:ext uri="{FF2B5EF4-FFF2-40B4-BE49-F238E27FC236}">
+                <a16:creationId xmlns:a16="http://schemas.microsoft.com/office/drawing/2014/main" id="{F19E7644-FFBD-35F6-79DA-3407018C49CF}"/>
+              </a:ext>
+            </a:extLst>
+          </p:cNvPr>
+          <p:cNvSpPr/>
+          <p:nvPr/>
+        </p:nvSpPr>
+        <p:spPr>
+          <a:xfrm>
+            <a:off x="0" y="109057"/>
+            <a:ext cx="4093827" cy="1073791"/>
+          </a:xfrm>
+          <a:prstGeom prst="rect">
+            <a:avLst/>
+          </a:prstGeom>
+          <a:ln>
+            <a:solidFill>
+              <a:schemeClr val="bg1"/>
+            </a:solidFill>
+          </a:ln>
+        </p:spPr>
+        <p:style>
+          <a:lnRef idx="2">
+            <a:schemeClr val="accent1">
+              <a:shade val="50000"/>
+            </a:schemeClr>
+          </a:lnRef>
+          <a:fillRef idx="1">
+            <a:schemeClr val="accent1"/>
+          </a:fillRef>
+          <a:effectRef idx="0">
+            <a:schemeClr val="accent1"/>
+          </a:effectRef>
+          <a:fontRef idx="minor">
+            <a:schemeClr val="lt1"/>
+          </a:fontRef>
+        </p:style>
+        <p:txBody>
+          <a:bodyPr rtlCol="0" anchor="ctr"/>
+          <a:lstStyle/>
+          <a:p>
+            <a:pPr algn="ctr"/>
+            <a:r>
+              <a:rPr lang="en-US" sz="3600" spc="-60" dirty="0">
+                <a:solidFill>
+                  <a:srgbClr val="FFFFFF"/>
+                </a:solidFill>
+                <a:latin typeface="+mj-lt"/>
+                <a:ea typeface="+mj-ea"/>
+                <a:cs typeface="+mj-cs"/>
+              </a:rPr>
+              <a:t>Flights</a:t>
+            </a:r>
+          </a:p>
+        </p:txBody>
+      </p:sp>
+      <p:pic>
+        <p:nvPicPr>
+          <p:cNvPr id="4" name="Picture 3">
+            <a:extLst>
+              <a:ext uri="{FF2B5EF4-FFF2-40B4-BE49-F238E27FC236}">
+                <a16:creationId xmlns:a16="http://schemas.microsoft.com/office/drawing/2014/main" id="{0564CDA4-2171-E6CC-14F8-B28FE991CFAF}"/>
+              </a:ext>
+            </a:extLst>
+          </p:cNvPr>
+          <p:cNvPicPr>
+            <a:picLocks noChangeAspect="1"/>
+          </p:cNvPicPr>
+          <p:nvPr/>
+        </p:nvPicPr>
+        <p:blipFill>
+          <a:blip r:embed="rId2"/>
+          <a:stretch>
+            <a:fillRect/>
+          </a:stretch>
+        </p:blipFill>
+        <p:spPr>
+          <a:xfrm>
+            <a:off x="400460" y="1320330"/>
+            <a:ext cx="2585336" cy="4793310"/>
+          </a:xfrm>
+          <a:prstGeom prst="rect">
+            <a:avLst/>
+          </a:prstGeom>
+        </p:spPr>
+      </p:pic>
+      <p:pic>
+        <p:nvPicPr>
+          <p:cNvPr id="6" name="Picture 5">
+            <a:extLst>
+              <a:ext uri="{FF2B5EF4-FFF2-40B4-BE49-F238E27FC236}">
+                <a16:creationId xmlns:a16="http://schemas.microsoft.com/office/drawing/2014/main" id="{A1B62675-89F9-A84E-3F7F-3EB7A3DE2233}"/>
+              </a:ext>
+            </a:extLst>
+          </p:cNvPr>
+          <p:cNvPicPr>
+            <a:picLocks noChangeAspect="1"/>
+          </p:cNvPicPr>
+          <p:nvPr/>
+        </p:nvPicPr>
+        <p:blipFill>
+          <a:blip r:embed="rId3"/>
+          <a:stretch>
+            <a:fillRect/>
+          </a:stretch>
+        </p:blipFill>
+        <p:spPr>
+          <a:xfrm>
+            <a:off x="785381" y="4486426"/>
+            <a:ext cx="600159" cy="609685"/>
+          </a:xfrm>
+          <a:prstGeom prst="rect">
+            <a:avLst/>
+          </a:prstGeom>
+        </p:spPr>
+      </p:pic>
+      <p:pic>
+        <p:nvPicPr>
+          <p:cNvPr id="8" name="Picture 7">
+            <a:extLst>
+              <a:ext uri="{FF2B5EF4-FFF2-40B4-BE49-F238E27FC236}">
+                <a16:creationId xmlns:a16="http://schemas.microsoft.com/office/drawing/2014/main" id="{FA3A3B40-1FB9-FE91-AE57-B54EAC681D53}"/>
+              </a:ext>
+            </a:extLst>
+          </p:cNvPr>
+          <p:cNvPicPr>
+            <a:picLocks noChangeAspect="1"/>
+          </p:cNvPicPr>
+          <p:nvPr/>
+        </p:nvPicPr>
+        <p:blipFill rotWithShape="1">
+          <a:blip r:embed="rId3"/>
+          <a:srcRect b="12527"/>
+          <a:stretch/>
+        </p:blipFill>
+        <p:spPr>
+          <a:xfrm>
+            <a:off x="785380" y="5210266"/>
+            <a:ext cx="600159" cy="533309"/>
+          </a:xfrm>
+          <a:prstGeom prst="rect">
+            <a:avLst/>
+          </a:prstGeom>
+        </p:spPr>
+      </p:pic>
+      <p:pic>
+        <p:nvPicPr>
+          <p:cNvPr id="10" name="Picture 9">
+            <a:extLst>
+              <a:ext uri="{FF2B5EF4-FFF2-40B4-BE49-F238E27FC236}">
+                <a16:creationId xmlns:a16="http://schemas.microsoft.com/office/drawing/2014/main" id="{1038A4DD-9BE9-3781-F289-3BDBD8DA4F2E}"/>
+              </a:ext>
+            </a:extLst>
+          </p:cNvPr>
+          <p:cNvPicPr>
+            <a:picLocks noChangeAspect="1"/>
+          </p:cNvPicPr>
+          <p:nvPr/>
+        </p:nvPicPr>
+        <p:blipFill rotWithShape="1">
+          <a:blip r:embed="rId4"/>
+          <a:srcRect b="19947"/>
+          <a:stretch/>
+        </p:blipFill>
+        <p:spPr>
+          <a:xfrm>
+            <a:off x="1622982" y="5537670"/>
+            <a:ext cx="981212" cy="205905"/>
+          </a:xfrm>
+          <a:prstGeom prst="rect">
+            <a:avLst/>
+          </a:prstGeom>
+        </p:spPr>
+      </p:pic>
+      <p:pic>
+        <p:nvPicPr>
+          <p:cNvPr id="12" name="Picture 11">
+            <a:extLst>
+              <a:ext uri="{FF2B5EF4-FFF2-40B4-BE49-F238E27FC236}">
+                <a16:creationId xmlns:a16="http://schemas.microsoft.com/office/drawing/2014/main" id="{EB065E21-F4CB-BFB4-1B21-EBA0126FC713}"/>
+              </a:ext>
+            </a:extLst>
+          </p:cNvPr>
+          <p:cNvPicPr>
+            <a:picLocks noChangeAspect="1"/>
+          </p:cNvPicPr>
+          <p:nvPr/>
+        </p:nvPicPr>
+        <p:blipFill>
+          <a:blip r:embed="rId5"/>
+          <a:stretch>
+            <a:fillRect/>
+          </a:stretch>
+        </p:blipFill>
+        <p:spPr>
+          <a:xfrm>
+            <a:off x="1385539" y="5233593"/>
+            <a:ext cx="752580" cy="238158"/>
+          </a:xfrm>
+          <a:prstGeom prst="rect">
+            <a:avLst/>
+          </a:prstGeom>
+        </p:spPr>
+      </p:pic>
+      <p:sp>
+        <p:nvSpPr>
+          <p:cNvPr id="14" name="TextBox 13">
+            <a:extLst>
+              <a:ext uri="{FF2B5EF4-FFF2-40B4-BE49-F238E27FC236}">
+                <a16:creationId xmlns:a16="http://schemas.microsoft.com/office/drawing/2014/main" id="{8603D09F-6B27-991A-B12C-E50B26C91C40}"/>
+              </a:ext>
+            </a:extLst>
+          </p:cNvPr>
+          <p:cNvSpPr txBox="1"/>
+          <p:nvPr/>
+        </p:nvSpPr>
+        <p:spPr>
+          <a:xfrm>
+            <a:off x="4535680" y="2697744"/>
+            <a:ext cx="6097424" cy="880369"/>
+          </a:xfrm>
+          <a:prstGeom prst="rect">
+            <a:avLst/>
+          </a:prstGeom>
+          <a:noFill/>
+        </p:spPr>
+        <p:txBody>
+          <a:bodyPr wrap="square">
+            <a:spAutoFit/>
+          </a:bodyPr>
+          <a:lstStyle/>
+          <a:p>
+            <a:pPr>
+              <a:lnSpc>
+                <a:spcPct val="150000"/>
+              </a:lnSpc>
+              <a:buFont typeface="Wingdings" panose="05000000000000000000" pitchFamily="2" charset="2"/>
+              <a:buChar char="Ø"/>
+            </a:pPr>
+            <a:r>
+              <a:rPr lang="en-US" dirty="0"/>
+              <a:t> Browse through the flights that are in the hot for you page. You are also able to view the details as show in the mockup.</a:t>
+            </a:r>
+          </a:p>
+        </p:txBody>
+      </p:sp>
+    </p:spTree>
+    <p:extLst>
+      <p:ext uri="{BB962C8B-B14F-4D97-AF65-F5344CB8AC3E}">
+        <p14:creationId xmlns:p14="http://schemas.microsoft.com/office/powerpoint/2010/main" val="2794442424"/>
+      </p:ext>
+    </p:extLst>
+  </p:cSld>
+  <p:clrMapOvr>
+    <a:masterClrMapping/>
+  </p:clrMapOvr>
+</p:sld>
+</file>
+
+<file path=ppt/slides/slide9.xml><?xml version="1.0" encoding="utf-8"?>
 <p:sld xmlns:a="http://schemas.openxmlformats.org/drawingml/2006/main" xmlns:r="http://schemas.openxmlformats.org/officeDocument/2006/relationships" xmlns:p="http://schemas.openxmlformats.org/presentationml/2006/main">
   <p:cSld>
     <p:spTree>
@@ -6689,7 +7172,7 @@
           <p:cNvPr id="2" name="Rectangle 1">
             <a:extLst>
               <a:ext uri="{FF2B5EF4-FFF2-40B4-BE49-F238E27FC236}">
-                <a16:creationId xmlns="" xmlns:a16="http://schemas.microsoft.com/office/drawing/2014/main" id="{A626BE00-405A-4B10-AE3D-72CC571AE9B0}"/>
+                <a16:creationId xmlns:a16="http://schemas.microsoft.com/office/drawing/2014/main" id="{A626BE00-405A-4B10-AE3D-72CC571AE9B0}"/>
               </a:ext>
             </a:extLst>
           </p:cNvPr>
@@ -6732,7 +7215,7 @@
           <a:p>
             <a:pPr algn="ctr"/>
             <a:r>
-              <a:rPr lang="en-US" sz="3600" spc="-60" dirty="0" smtClean="0">
+              <a:rPr lang="en-US" sz="3600" spc="-60" dirty="0">
                 <a:solidFill>
                   <a:srgbClr val="FFFFFF"/>
                 </a:solidFill>
@@ -6742,14 +7225,6 @@
               </a:rPr>
               <a:t>Favorites</a:t>
             </a:r>
-            <a:endParaRPr lang="en-US" sz="3600" spc="-60" dirty="0">
-              <a:solidFill>
-                <a:srgbClr val="FFFFFF"/>
-              </a:solidFill>
-              <a:latin typeface="+mj-lt"/>
-              <a:ea typeface="+mj-ea"/>
-              <a:cs typeface="+mj-cs"/>
-            </a:endParaRPr>
           </a:p>
         </p:txBody>
       </p:sp>
@@ -7024,21 +7499,16 @@
             </a:pPr>
             <a:r>
               <a:rPr lang="en-US" dirty="0"/>
-              <a:t> </a:t>
-            </a:r>
-            <a:r>
-              <a:rPr lang="en-US" dirty="0" smtClean="0"/>
-              <a:t>View and Add your favorite flights with their corresponding price to your favorites list. Click on </a:t>
-            </a:r>
-            <a:r>
-              <a:rPr lang="en-US" i="1" dirty="0" smtClean="0"/>
+              <a:t> View and Add your favorite flights with their corresponding price to your favorites list. Click on </a:t>
+            </a:r>
+            <a:r>
+              <a:rPr lang="en-US" i="1" dirty="0"/>
               <a:t>more details </a:t>
             </a:r>
             <a:r>
-              <a:rPr lang="en-US" dirty="0" smtClean="0"/>
+              <a:rPr lang="en-US" dirty="0"/>
               <a:t>to find out more information on that flight.</a:t>
             </a:r>
-            <a:endParaRPr lang="en-US" dirty="0"/>
           </a:p>
         </p:txBody>
       </p:sp>
@@ -7106,118 +7576,6 @@
   <p:clrMapOvr>
     <a:masterClrMapping/>
   </p:clrMapOvr>
-  <p:timing>
-    <p:tnLst>
-      <p:par>
-        <p:cTn id="1" dur="indefinite" restart="never" nodeType="tmRoot"/>
-      </p:par>
-    </p:tnLst>
-  </p:timing>
-</p:sld>
-</file>
-
-<file path=ppt/slides/slide9.xml><?xml version="1.0" encoding="utf-8"?>
-<p:sld xmlns:a="http://schemas.openxmlformats.org/drawingml/2006/main" xmlns:r="http://schemas.openxmlformats.org/officeDocument/2006/relationships" xmlns:p="http://schemas.openxmlformats.org/presentationml/2006/main">
-  <p:cSld>
-    <p:spTree>
-      <p:nvGrpSpPr>
-        <p:cNvPr id="1" name=""/>
-        <p:cNvGrpSpPr/>
-        <p:nvPr/>
-      </p:nvGrpSpPr>
-      <p:grpSpPr>
-        <a:xfrm>
-          <a:off x="0" y="0"/>
-          <a:ext cx="0" cy="0"/>
-          <a:chOff x="0" y="0"/>
-          <a:chExt cx="0" cy="0"/>
-        </a:xfrm>
-      </p:grpSpPr>
-      <p:sp>
-        <p:nvSpPr>
-          <p:cNvPr id="2" name="Title 1"/>
-          <p:cNvSpPr>
-            <a:spLocks noGrp="1"/>
-          </p:cNvSpPr>
-          <p:nvPr>
-            <p:ph type="title"/>
-          </p:nvPr>
-        </p:nvSpPr>
-        <p:spPr/>
-        <p:txBody>
-          <a:bodyPr/>
-          <a:lstStyle/>
-          <a:p>
-            <a:r>
-              <a:rPr lang="en-US" dirty="0" smtClean="0"/>
-              <a:t>Additional Information</a:t>
-            </a:r>
-            <a:endParaRPr lang="en-US" dirty="0"/>
-          </a:p>
-        </p:txBody>
-      </p:sp>
-      <p:sp>
-        <p:nvSpPr>
-          <p:cNvPr id="3" name="Content Placeholder 2"/>
-          <p:cNvSpPr>
-            <a:spLocks noGrp="1"/>
-          </p:cNvSpPr>
-          <p:nvPr>
-            <p:ph idx="1"/>
-          </p:nvPr>
-        </p:nvSpPr>
-        <p:spPr/>
-        <p:txBody>
-          <a:bodyPr/>
-          <a:lstStyle/>
-          <a:p>
-            <a:r>
-              <a:rPr lang="en-US" dirty="0" smtClean="0"/>
-              <a:t>Number of Screen Flows: 8</a:t>
-            </a:r>
-          </a:p>
-          <a:p>
-            <a:r>
-              <a:rPr lang="en-US" dirty="0" smtClean="0"/>
-              <a:t>Chosen Database: Firebase</a:t>
-            </a:r>
-          </a:p>
-          <a:p>
-            <a:r>
-              <a:rPr lang="en-US" dirty="0" err="1" smtClean="0"/>
-              <a:t>GitHub</a:t>
-            </a:r>
-            <a:r>
-              <a:rPr lang="en-US" dirty="0" smtClean="0"/>
-              <a:t> Link: </a:t>
-            </a:r>
-            <a:r>
-              <a:rPr lang="en-US" dirty="0" smtClean="0">
-                <a:hlinkClick r:id="rId2"/>
-              </a:rPr>
-              <a:t>Project Aero Flights</a:t>
-            </a:r>
-            <a:endParaRPr lang="en-US" dirty="0"/>
-          </a:p>
-        </p:txBody>
-      </p:sp>
-    </p:spTree>
-    <p:extLst>
-      <p:ext uri="{BB962C8B-B14F-4D97-AF65-F5344CB8AC3E}">
-        <p14:creationId xmlns:p14="http://schemas.microsoft.com/office/powerpoint/2010/main" val="3539673659"/>
-      </p:ext>
-    </p:extLst>
-  </p:cSld>
-  <p:clrMapOvr>
-    <a:masterClrMapping/>
-  </p:clrMapOvr>
-  <p:timing>
-    <p:tnLst>
-      <p:par>
-        <p:cTn id="1" dur="indefinite" restart="never" nodeType="tmRoot"/>
-      </p:par>
-    </p:tnLst>
-  </p:timing>
 </p:sld>
 </file>
 

--- a/Aero_Flights_Deliverable_0.pptx
+++ b/Aero_Flights_Deliverable_0.pptx
@@ -5,10 +5,10 @@
     <p:sldMasterId id="2147483840" r:id="rId1"/>
   </p:sldMasterIdLst>
   <p:notesMasterIdLst>
-    <p:notesMasterId r:id="rId13"/>
+    <p:notesMasterId r:id="rId14"/>
   </p:notesMasterIdLst>
   <p:handoutMasterIdLst>
-    <p:handoutMasterId r:id="rId14"/>
+    <p:handoutMasterId r:id="rId15"/>
   </p:handoutMasterIdLst>
   <p:sldIdLst>
     <p:sldId id="256" r:id="rId2"/>
@@ -21,7 +21,8 @@
     <p:sldId id="266" r:id="rId9"/>
     <p:sldId id="264" r:id="rId10"/>
     <p:sldId id="267" r:id="rId11"/>
-    <p:sldId id="265" r:id="rId12"/>
+    <p:sldId id="269" r:id="rId12"/>
+    <p:sldId id="265" r:id="rId13"/>
   </p:sldIdLst>
   <p:sldSz cx="12192000" cy="6858000"/>
   <p:notesSz cx="6858000" cy="9144000"/>
@@ -213,7 +214,7 @@
           <a:p>
             <a:fld id="{E6DB4E4F-C02D-4AF3-9E3B-137AB1D3E43B}" type="datetimeFigureOut">
               <a:rPr lang="en-US" smtClean="0"/>
-              <a:t>3/2/2023</a:t>
+              <a:t>3/3/2023</a:t>
             </a:fld>
             <a:endParaRPr lang="en-US"/>
           </a:p>
@@ -378,7 +379,7 @@
           <a:p>
             <a:fld id="{D3C65CDC-232E-469D-B4E2-203FBFA1CDDA}" type="datetimeFigureOut">
               <a:rPr lang="en-US" smtClean="0"/>
-              <a:t>3/2/2023</a:t>
+              <a:t>3/3/2023</a:t>
             </a:fld>
             <a:endParaRPr lang="en-US"/>
           </a:p>
@@ -870,7 +871,7 @@
             <a:fld id="{5586B75A-687E-405C-8A0B-8D00578BA2C3}" type="datetimeFigureOut">
               <a:rPr lang="en-US" dirty="0"/>
               <a:pPr/>
-              <a:t>3/2/2023</a:t>
+              <a:t>3/3/2023</a:t>
             </a:fld>
             <a:endParaRPr lang="en-US" dirty="0"/>
           </a:p>
@@ -1037,7 +1038,7 @@
             <a:fld id="{5586B75A-687E-405C-8A0B-8D00578BA2C3}" type="datetimeFigureOut">
               <a:rPr lang="en-US" dirty="0"/>
               <a:pPr/>
-              <a:t>3/2/2023</a:t>
+              <a:t>3/3/2023</a:t>
             </a:fld>
             <a:endParaRPr lang="en-US" dirty="0"/>
           </a:p>
@@ -1214,7 +1215,7 @@
             <a:fld id="{5586B75A-687E-405C-8A0B-8D00578BA2C3}" type="datetimeFigureOut">
               <a:rPr lang="en-US" dirty="0"/>
               <a:pPr/>
-              <a:t>3/2/2023</a:t>
+              <a:t>3/3/2023</a:t>
             </a:fld>
             <a:endParaRPr lang="en-US" dirty="0"/>
           </a:p>
@@ -1381,7 +1382,7 @@
             <a:fld id="{5586B75A-687E-405C-8A0B-8D00578BA2C3}" type="datetimeFigureOut">
               <a:rPr lang="en-US" dirty="0"/>
               <a:pPr/>
-              <a:t>3/2/2023</a:t>
+              <a:t>3/3/2023</a:t>
             </a:fld>
             <a:endParaRPr lang="en-US" dirty="0"/>
           </a:p>
@@ -1636,7 +1637,7 @@
             <a:fld id="{5586B75A-687E-405C-8A0B-8D00578BA2C3}" type="datetimeFigureOut">
               <a:rPr lang="en-US" dirty="0"/>
               <a:pPr/>
-              <a:t>3/2/2023</a:t>
+              <a:t>3/3/2023</a:t>
             </a:fld>
             <a:endParaRPr lang="en-US" dirty="0"/>
           </a:p>
@@ -1921,7 +1922,7 @@
             <a:fld id="{5586B75A-687E-405C-8A0B-8D00578BA2C3}" type="datetimeFigureOut">
               <a:rPr lang="en-US" dirty="0"/>
               <a:pPr/>
-              <a:t>3/2/2023</a:t>
+              <a:t>3/3/2023</a:t>
             </a:fld>
             <a:endParaRPr lang="en-US" dirty="0"/>
           </a:p>
@@ -2360,7 +2361,7 @@
             <a:fld id="{5586B75A-687E-405C-8A0B-8D00578BA2C3}" type="datetimeFigureOut">
               <a:rPr lang="en-US" dirty="0"/>
               <a:pPr/>
-              <a:t>3/2/2023</a:t>
+              <a:t>3/3/2023</a:t>
             </a:fld>
             <a:endParaRPr lang="en-US" dirty="0"/>
           </a:p>
@@ -2475,7 +2476,7 @@
             <a:fld id="{5586B75A-687E-405C-8A0B-8D00578BA2C3}" type="datetimeFigureOut">
               <a:rPr lang="en-US" dirty="0"/>
               <a:pPr/>
-              <a:t>3/2/2023</a:t>
+              <a:t>3/3/2023</a:t>
             </a:fld>
             <a:endParaRPr lang="en-US" dirty="0"/>
           </a:p>
@@ -2567,7 +2568,7 @@
             <a:fld id="{5586B75A-687E-405C-8A0B-8D00578BA2C3}" type="datetimeFigureOut">
               <a:rPr lang="en-US" dirty="0"/>
               <a:pPr/>
-              <a:t>3/2/2023</a:t>
+              <a:t>3/3/2023</a:t>
             </a:fld>
             <a:endParaRPr lang="en-US" dirty="0"/>
           </a:p>
@@ -2852,7 +2853,7 @@
             <a:fld id="{5586B75A-687E-405C-8A0B-8D00578BA2C3}" type="datetimeFigureOut">
               <a:rPr lang="en-US" dirty="0"/>
               <a:pPr/>
-              <a:t>3/2/2023</a:t>
+              <a:t>3/3/2023</a:t>
             </a:fld>
             <a:endParaRPr lang="en-US" dirty="0"/>
           </a:p>
@@ -3122,7 +3123,7 @@
             <a:fld id="{5586B75A-687E-405C-8A0B-8D00578BA2C3}" type="datetimeFigureOut">
               <a:rPr lang="en-US" dirty="0"/>
               <a:pPr/>
-              <a:t>3/2/2023</a:t>
+              <a:t>3/3/2023</a:t>
             </a:fld>
             <a:endParaRPr lang="en-US" dirty="0"/>
           </a:p>
@@ -3416,7 +3417,7 @@
             <a:fld id="{5586B75A-687E-405C-8A0B-8D00578BA2C3}" type="datetimeFigureOut">
               <a:rPr lang="en-US" dirty="0"/>
               <a:pPr/>
-              <a:t>3/2/2023</a:t>
+              <a:t>3/3/2023</a:t>
             </a:fld>
             <a:endParaRPr lang="en-US" dirty="0"/>
           </a:p>
@@ -3911,7 +3912,12 @@
             <p:ph type="ctrTitle"/>
           </p:nvPr>
         </p:nvSpPr>
-        <p:spPr/>
+        <p:spPr>
+          <a:xfrm>
+            <a:off x="1100015" y="339659"/>
+            <a:ext cx="7315200" cy="3255264"/>
+          </a:xfrm>
+        </p:spPr>
         <p:txBody>
           <a:bodyPr/>
           <a:lstStyle/>
@@ -3920,7 +3926,7 @@
               <a:rPr lang="en-US" dirty="0">
                 <a:latin typeface="Arial Black" panose="020B0A04020102020204" pitchFamily="34" charset="0"/>
               </a:rPr>
-              <a:t>Flight Tracker Application</a:t>
+              <a:t>Aero Flights</a:t>
             </a:r>
           </a:p>
         </p:txBody>
@@ -3941,7 +3947,12 @@
             <p:ph type="subTitle" idx="1"/>
           </p:nvPr>
         </p:nvSpPr>
-        <p:spPr/>
+        <p:spPr>
+          <a:xfrm>
+            <a:off x="1100015" y="3667070"/>
+            <a:ext cx="7315200" cy="914400"/>
+          </a:xfrm>
+        </p:spPr>
         <p:txBody>
           <a:bodyPr/>
           <a:lstStyle/>
@@ -3953,6 +3964,53 @@
           </a:p>
         </p:txBody>
       </p:sp>
+      <p:pic>
+        <p:nvPicPr>
+          <p:cNvPr id="1026" name="Picture 2" descr="Image">
+            <a:extLst>
+              <a:ext uri="{FF2B5EF4-FFF2-40B4-BE49-F238E27FC236}">
+                <a16:creationId xmlns:a16="http://schemas.microsoft.com/office/drawing/2014/main" id="{6C0BF58A-5AAA-4612-8F84-7004AEAF051C}"/>
+              </a:ext>
+            </a:extLst>
+          </p:cNvPr>
+          <p:cNvPicPr>
+            <a:picLocks noChangeAspect="1" noChangeArrowheads="1"/>
+          </p:cNvPicPr>
+          <p:nvPr/>
+        </p:nvPicPr>
+        <p:blipFill>
+          <a:blip r:embed="rId2">
+            <a:extLst>
+              <a:ext uri="{28A0092B-C50C-407E-A947-70E740481C1C}">
+                <a14:useLocalDpi xmlns:a14="http://schemas.microsoft.com/office/drawing/2010/main" val="0"/>
+              </a:ext>
+            </a:extLst>
+          </a:blip>
+          <a:srcRect/>
+          <a:stretch>
+            <a:fillRect/>
+          </a:stretch>
+        </p:blipFill>
+        <p:spPr bwMode="auto">
+          <a:xfrm>
+            <a:off x="9616468" y="2313410"/>
+            <a:ext cx="2428017" cy="2160935"/>
+          </a:xfrm>
+          <a:prstGeom prst="rect">
+            <a:avLst/>
+          </a:prstGeom>
+          <a:noFill/>
+          <a:extLst>
+            <a:ext uri="{909E8E84-426E-40DD-AFC4-6F175D3DCCD1}">
+              <a14:hiddenFill xmlns:a14="http://schemas.microsoft.com/office/drawing/2010/main">
+                <a:solidFill>
+                  <a:srgbClr val="FFFFFF"/>
+                </a:solidFill>
+              </a14:hiddenFill>
+            </a:ext>
+          </a:extLst>
+        </p:spPr>
+      </p:pic>
     </p:spTree>
     <p:extLst>
       <p:ext uri="{BB962C8B-B14F-4D97-AF65-F5344CB8AC3E}">
@@ -4205,6 +4263,198 @@
           <a:chExt cx="0" cy="0"/>
         </a:xfrm>
       </p:grpSpPr>
+      <p:pic>
+        <p:nvPicPr>
+          <p:cNvPr id="7" name="Picture 6">
+            <a:extLst>
+              <a:ext uri="{FF2B5EF4-FFF2-40B4-BE49-F238E27FC236}">
+                <a16:creationId xmlns:a16="http://schemas.microsoft.com/office/drawing/2014/main" id="{C121868B-4562-4FC2-B39B-D63C67E73A55}"/>
+              </a:ext>
+            </a:extLst>
+          </p:cNvPr>
+          <p:cNvPicPr>
+            <a:picLocks noChangeAspect="1"/>
+          </p:cNvPicPr>
+          <p:nvPr/>
+        </p:nvPicPr>
+        <p:blipFill>
+          <a:blip r:embed="rId2"/>
+          <a:stretch>
+            <a:fillRect/>
+          </a:stretch>
+        </p:blipFill>
+        <p:spPr>
+          <a:xfrm>
+            <a:off x="293148" y="1530220"/>
+            <a:ext cx="2748235" cy="4991878"/>
+          </a:xfrm>
+          <a:prstGeom prst="rect">
+            <a:avLst/>
+          </a:prstGeom>
+        </p:spPr>
+      </p:pic>
+      <p:sp>
+        <p:nvSpPr>
+          <p:cNvPr id="4" name="Rectangle 3">
+            <a:extLst>
+              <a:ext uri="{FF2B5EF4-FFF2-40B4-BE49-F238E27FC236}">
+                <a16:creationId xmlns:a16="http://schemas.microsoft.com/office/drawing/2014/main" id="{4FE56A71-558A-14A2-D451-5F04130FB961}"/>
+              </a:ext>
+            </a:extLst>
+          </p:cNvPr>
+          <p:cNvSpPr/>
+          <p:nvPr/>
+        </p:nvSpPr>
+        <p:spPr>
+          <a:xfrm>
+            <a:off x="0" y="0"/>
+            <a:ext cx="4093827" cy="1073791"/>
+          </a:xfrm>
+          <a:prstGeom prst="rect">
+            <a:avLst/>
+          </a:prstGeom>
+          <a:ln>
+            <a:solidFill>
+              <a:schemeClr val="bg1"/>
+            </a:solidFill>
+          </a:ln>
+        </p:spPr>
+        <p:style>
+          <a:lnRef idx="2">
+            <a:schemeClr val="accent1">
+              <a:shade val="50000"/>
+            </a:schemeClr>
+          </a:lnRef>
+          <a:fillRef idx="1">
+            <a:schemeClr val="accent1"/>
+          </a:fillRef>
+          <a:effectRef idx="0">
+            <a:schemeClr val="accent1"/>
+          </a:effectRef>
+          <a:fontRef idx="minor">
+            <a:schemeClr val="lt1"/>
+          </a:fontRef>
+        </p:style>
+        <p:txBody>
+          <a:bodyPr rtlCol="0" anchor="ctr"/>
+          <a:lstStyle/>
+          <a:p>
+            <a:pPr algn="ctr"/>
+            <a:r>
+              <a:rPr lang="en-US" sz="3600" spc="-60" dirty="0">
+                <a:solidFill>
+                  <a:srgbClr val="FFFFFF"/>
+                </a:solidFill>
+                <a:latin typeface="+mj-lt"/>
+                <a:ea typeface="+mj-ea"/>
+                <a:cs typeface="+mj-cs"/>
+              </a:rPr>
+              <a:t>Map</a:t>
+            </a:r>
+          </a:p>
+        </p:txBody>
+      </p:sp>
+      <p:sp>
+        <p:nvSpPr>
+          <p:cNvPr id="6" name="TextBox 5">
+            <a:extLst>
+              <a:ext uri="{FF2B5EF4-FFF2-40B4-BE49-F238E27FC236}">
+                <a16:creationId xmlns:a16="http://schemas.microsoft.com/office/drawing/2014/main" id="{7DC632F1-DAC9-3762-B0D5-5EB1F45A30D9}"/>
+              </a:ext>
+            </a:extLst>
+          </p:cNvPr>
+          <p:cNvSpPr txBox="1"/>
+          <p:nvPr/>
+        </p:nvSpPr>
+        <p:spPr>
+          <a:xfrm>
+            <a:off x="4356285" y="2413597"/>
+            <a:ext cx="6097554" cy="880369"/>
+          </a:xfrm>
+          <a:prstGeom prst="rect">
+            <a:avLst/>
+          </a:prstGeom>
+          <a:noFill/>
+        </p:spPr>
+        <p:txBody>
+          <a:bodyPr wrap="square">
+            <a:spAutoFit/>
+          </a:bodyPr>
+          <a:lstStyle/>
+          <a:p>
+            <a:pPr>
+              <a:lnSpc>
+                <a:spcPct val="150000"/>
+              </a:lnSpc>
+              <a:buFont typeface="Wingdings" panose="05000000000000000000" pitchFamily="2" charset="2"/>
+              <a:buChar char="Ø"/>
+            </a:pPr>
+            <a:r>
+              <a:rPr lang="en-US" dirty="0"/>
+              <a:t> In this page, you will be able to see all of the current flights on an Area as well as the flight path, departure and arrival.</a:t>
+            </a:r>
+          </a:p>
+        </p:txBody>
+      </p:sp>
+      <p:pic>
+        <p:nvPicPr>
+          <p:cNvPr id="5" name="Picture 4">
+            <a:extLst>
+              <a:ext uri="{FF2B5EF4-FFF2-40B4-BE49-F238E27FC236}">
+                <a16:creationId xmlns:a16="http://schemas.microsoft.com/office/drawing/2014/main" id="{6B180564-6864-4385-8006-A6725EFC277A}"/>
+              </a:ext>
+            </a:extLst>
+          </p:cNvPr>
+          <p:cNvPicPr>
+            <a:picLocks noChangeAspect="1"/>
+          </p:cNvPicPr>
+          <p:nvPr/>
+        </p:nvPicPr>
+        <p:blipFill rotWithShape="1">
+          <a:blip r:embed="rId3"/>
+          <a:srcRect l="306" r="47855"/>
+          <a:stretch/>
+        </p:blipFill>
+        <p:spPr>
+          <a:xfrm>
+            <a:off x="435006" y="2663302"/>
+            <a:ext cx="2441360" cy="3488564"/>
+          </a:xfrm>
+          <a:prstGeom prst="rect">
+            <a:avLst/>
+          </a:prstGeom>
+        </p:spPr>
+      </p:pic>
+    </p:spTree>
+    <p:extLst>
+      <p:ext uri="{BB962C8B-B14F-4D97-AF65-F5344CB8AC3E}">
+        <p14:creationId xmlns:p14="http://schemas.microsoft.com/office/powerpoint/2010/main" val="38289646"/>
+      </p:ext>
+    </p:extLst>
+  </p:cSld>
+  <p:clrMapOvr>
+    <a:masterClrMapping/>
+  </p:clrMapOvr>
+</p:sld>
+</file>
+
+<file path=ppt/slides/slide12.xml><?xml version="1.0" encoding="utf-8"?>
+<p:sld xmlns:a="http://schemas.openxmlformats.org/drawingml/2006/main" xmlns:r="http://schemas.openxmlformats.org/officeDocument/2006/relationships" xmlns:p="http://schemas.openxmlformats.org/presentationml/2006/main">
+  <p:cSld>
+    <p:spTree>
+      <p:nvGrpSpPr>
+        <p:cNvPr id="1" name=""/>
+        <p:cNvGrpSpPr/>
+        <p:nvPr/>
+      </p:nvGrpSpPr>
+      <p:grpSpPr>
+        <a:xfrm>
+          <a:off x="0" y="0"/>
+          <a:ext cx="0" cy="0"/>
+          <a:chOff x="0" y="0"/>
+          <a:chExt cx="0" cy="0"/>
+        </a:xfrm>
+      </p:grpSpPr>
       <p:sp>
         <p:nvSpPr>
           <p:cNvPr id="2" name="Title 1"/>
@@ -4781,13 +5031,13 @@
       </p:pic>
       <p:sp>
         <p:nvSpPr>
-          <p:cNvPr id="9" name="Rectangle 8"/>
+          <p:cNvPr id="18" name="Rectangle 17"/>
           <p:cNvSpPr/>
           <p:nvPr/>
         </p:nvSpPr>
         <p:spPr>
           <a:xfrm>
-            <a:off x="7302321" y="2514592"/>
+            <a:off x="8656294" y="2514592"/>
             <a:ext cx="1171978" cy="2201139"/>
           </a:xfrm>
           <a:prstGeom prst="rect">
@@ -4817,20 +5067,20 @@
             <a:pPr algn="ctr"/>
             <a:r>
               <a:rPr lang="en-US" dirty="0"/>
-              <a:t>Map</a:t>
-            </a:r>
-          </a:p>
-        </p:txBody>
-      </p:sp>
-      <p:sp>
-        <p:nvSpPr>
-          <p:cNvPr id="18" name="Rectangle 17"/>
+              <a:t>Search</a:t>
+            </a:r>
+          </a:p>
+        </p:txBody>
+      </p:sp>
+      <p:sp>
+        <p:nvSpPr>
+          <p:cNvPr id="19" name="Rectangle 18"/>
           <p:cNvSpPr/>
           <p:nvPr/>
         </p:nvSpPr>
         <p:spPr>
           <a:xfrm>
-            <a:off x="8656294" y="2514592"/>
+            <a:off x="10010267" y="2527902"/>
             <a:ext cx="1171978" cy="2201139"/>
           </a:xfrm>
           <a:prstGeom prst="rect">
@@ -4860,54 +5110,101 @@
             <a:pPr algn="ctr"/>
             <a:r>
               <a:rPr lang="en-US" dirty="0"/>
-              <a:t>Search</a:t>
-            </a:r>
-          </a:p>
-        </p:txBody>
-      </p:sp>
-      <p:sp>
-        <p:nvSpPr>
-          <p:cNvPr id="19" name="Rectangle 18"/>
-          <p:cNvSpPr/>
+              <a:t>Flight</a:t>
+            </a:r>
+          </a:p>
+        </p:txBody>
+      </p:sp>
+      <p:pic>
+        <p:nvPicPr>
+          <p:cNvPr id="4" name="Picture 3">
+            <a:extLst>
+              <a:ext uri="{FF2B5EF4-FFF2-40B4-BE49-F238E27FC236}">
+                <a16:creationId xmlns:a16="http://schemas.microsoft.com/office/drawing/2014/main" id="{105A300E-6CA6-437C-8C3F-2D6963D79B65}"/>
+              </a:ext>
+            </a:extLst>
+          </p:cNvPr>
+          <p:cNvPicPr>
+            <a:picLocks noChangeAspect="1"/>
+          </p:cNvPicPr>
           <p:nvPr/>
-        </p:nvSpPr>
+        </p:nvPicPr>
+        <p:blipFill>
+          <a:blip r:embed="rId9"/>
+          <a:stretch>
+            <a:fillRect/>
+          </a:stretch>
+        </p:blipFill>
         <p:spPr>
           <a:xfrm>
-            <a:off x="10010267" y="2527902"/>
-            <a:ext cx="1171978" cy="2201139"/>
+            <a:off x="7276488" y="2432083"/>
+            <a:ext cx="1331471" cy="2326111"/>
           </a:xfrm>
           <a:prstGeom prst="rect">
             <a:avLst/>
           </a:prstGeom>
         </p:spPr>
-        <p:style>
-          <a:lnRef idx="2">
-            <a:schemeClr val="accent1">
-              <a:shade val="50000"/>
-            </a:schemeClr>
-          </a:lnRef>
-          <a:fillRef idx="1">
-            <a:schemeClr val="accent1"/>
-          </a:fillRef>
-          <a:effectRef idx="0">
-            <a:schemeClr val="accent1"/>
-          </a:effectRef>
-          <a:fontRef idx="minor">
-            <a:schemeClr val="lt1"/>
-          </a:fontRef>
-        </p:style>
-        <p:txBody>
-          <a:bodyPr rtlCol="0" anchor="ctr"/>
-          <a:lstStyle/>
-          <a:p>
-            <a:pPr algn="ctr"/>
-            <a:r>
-              <a:rPr lang="en-US" dirty="0"/>
-              <a:t>Flight</a:t>
-            </a:r>
-          </a:p>
-        </p:txBody>
-      </p:sp>
+      </p:pic>
+      <p:pic>
+        <p:nvPicPr>
+          <p:cNvPr id="7" name="Picture 6">
+            <a:extLst>
+              <a:ext uri="{FF2B5EF4-FFF2-40B4-BE49-F238E27FC236}">
+                <a16:creationId xmlns:a16="http://schemas.microsoft.com/office/drawing/2014/main" id="{BC0B33AA-1C1C-47F2-8BA7-E478997BB32C}"/>
+              </a:ext>
+            </a:extLst>
+          </p:cNvPr>
+          <p:cNvPicPr>
+            <a:picLocks noChangeAspect="1"/>
+          </p:cNvPicPr>
+          <p:nvPr/>
+        </p:nvPicPr>
+        <p:blipFill>
+          <a:blip r:embed="rId10"/>
+          <a:stretch>
+            <a:fillRect/>
+          </a:stretch>
+        </p:blipFill>
+        <p:spPr>
+          <a:xfrm>
+            <a:off x="10010267" y="2527902"/>
+            <a:ext cx="1297630" cy="2269836"/>
+          </a:xfrm>
+          <a:prstGeom prst="rect">
+            <a:avLst/>
+          </a:prstGeom>
+        </p:spPr>
+      </p:pic>
+      <p:pic>
+        <p:nvPicPr>
+          <p:cNvPr id="10" name="Picture 9">
+            <a:extLst>
+              <a:ext uri="{FF2B5EF4-FFF2-40B4-BE49-F238E27FC236}">
+                <a16:creationId xmlns:a16="http://schemas.microsoft.com/office/drawing/2014/main" id="{A7D7AD5D-161B-4EAC-9850-578BA68AB305}"/>
+              </a:ext>
+            </a:extLst>
+          </p:cNvPr>
+          <p:cNvPicPr>
+            <a:picLocks noChangeAspect="1"/>
+          </p:cNvPicPr>
+          <p:nvPr/>
+        </p:nvPicPr>
+        <p:blipFill>
+          <a:blip r:embed="rId11"/>
+          <a:stretch>
+            <a:fillRect/>
+          </a:stretch>
+        </p:blipFill>
+        <p:spPr>
+          <a:xfrm>
+            <a:off x="8644286" y="2467787"/>
+            <a:ext cx="1240329" cy="2308612"/>
+          </a:xfrm>
+          <a:prstGeom prst="rect">
+            <a:avLst/>
+          </a:prstGeom>
+        </p:spPr>
+      </p:pic>
     </p:spTree>
     <p:extLst>
       <p:ext uri="{BB962C8B-B14F-4D97-AF65-F5344CB8AC3E}">

--- a/Aero_Flights_Deliverable_0.pptx
+++ b/Aero_Flights_Deliverable_0.pptx
@@ -5205,6 +5205,66 @@
           </a:prstGeom>
         </p:spPr>
       </p:pic>
+      <p:pic>
+        <p:nvPicPr>
+          <p:cNvPr id="17" name="Picture 16">
+            <a:extLst>
+              <a:ext uri="{FF2B5EF4-FFF2-40B4-BE49-F238E27FC236}">
+                <a16:creationId xmlns:a16="http://schemas.microsoft.com/office/drawing/2014/main" id="{E96F4988-CC9E-45F3-BEF9-F3092721032C}"/>
+              </a:ext>
+            </a:extLst>
+          </p:cNvPr>
+          <p:cNvPicPr>
+            <a:picLocks noChangeAspect="1"/>
+          </p:cNvPicPr>
+          <p:nvPr/>
+        </p:nvPicPr>
+        <p:blipFill>
+          <a:blip r:embed="rId12"/>
+          <a:stretch>
+            <a:fillRect/>
+          </a:stretch>
+        </p:blipFill>
+        <p:spPr>
+          <a:xfrm>
+            <a:off x="2314635" y="4112666"/>
+            <a:ext cx="896612" cy="173209"/>
+          </a:xfrm>
+          <a:prstGeom prst="rect">
+            <a:avLst/>
+          </a:prstGeom>
+        </p:spPr>
+      </p:pic>
+      <p:pic>
+        <p:nvPicPr>
+          <p:cNvPr id="20" name="Picture 19">
+            <a:extLst>
+              <a:ext uri="{FF2B5EF4-FFF2-40B4-BE49-F238E27FC236}">
+                <a16:creationId xmlns:a16="http://schemas.microsoft.com/office/drawing/2014/main" id="{260A1802-B775-4078-8DE0-FC9D60F5CA11}"/>
+              </a:ext>
+            </a:extLst>
+          </p:cNvPr>
+          <p:cNvPicPr>
+            <a:picLocks noChangeAspect="1"/>
+          </p:cNvPicPr>
+          <p:nvPr/>
+        </p:nvPicPr>
+        <p:blipFill>
+          <a:blip r:embed="rId13"/>
+          <a:stretch>
+            <a:fillRect/>
+          </a:stretch>
+        </p:blipFill>
+        <p:spPr>
+          <a:xfrm>
+            <a:off x="2307385" y="4319140"/>
+            <a:ext cx="899624" cy="168202"/>
+          </a:xfrm>
+          <a:prstGeom prst="rect">
+            <a:avLst/>
+          </a:prstGeom>
+        </p:spPr>
+      </p:pic>
     </p:spTree>
     <p:extLst>
       <p:ext uri="{BB962C8B-B14F-4D97-AF65-F5344CB8AC3E}">
@@ -6196,6 +6256,66 @@
               </a14:hiddenFill>
             </a:ext>
           </a:extLst>
+        </p:spPr>
+      </p:pic>
+      <p:pic>
+        <p:nvPicPr>
+          <p:cNvPr id="9" name="Picture 8">
+            <a:extLst>
+              <a:ext uri="{FF2B5EF4-FFF2-40B4-BE49-F238E27FC236}">
+                <a16:creationId xmlns:a16="http://schemas.microsoft.com/office/drawing/2014/main" id="{5351B10D-5B96-4542-8C10-AD13511DC630}"/>
+              </a:ext>
+            </a:extLst>
+          </p:cNvPr>
+          <p:cNvPicPr>
+            <a:picLocks noChangeAspect="1"/>
+          </p:cNvPicPr>
+          <p:nvPr/>
+        </p:nvPicPr>
+        <p:blipFill>
+          <a:blip r:embed="rId3"/>
+          <a:stretch>
+            <a:fillRect/>
+          </a:stretch>
+        </p:blipFill>
+        <p:spPr>
+          <a:xfrm>
+            <a:off x="1224238" y="5652996"/>
+            <a:ext cx="1645348" cy="307629"/>
+          </a:xfrm>
+          <a:prstGeom prst="rect">
+            <a:avLst/>
+          </a:prstGeom>
+        </p:spPr>
+      </p:pic>
+      <p:pic>
+        <p:nvPicPr>
+          <p:cNvPr id="10" name="Picture 9">
+            <a:extLst>
+              <a:ext uri="{FF2B5EF4-FFF2-40B4-BE49-F238E27FC236}">
+                <a16:creationId xmlns:a16="http://schemas.microsoft.com/office/drawing/2014/main" id="{1F8AAB25-703A-4187-BFF1-5386A8DE4449}"/>
+              </a:ext>
+            </a:extLst>
+          </p:cNvPr>
+          <p:cNvPicPr>
+            <a:picLocks noChangeAspect="1"/>
+          </p:cNvPicPr>
+          <p:nvPr/>
+        </p:nvPicPr>
+        <p:blipFill>
+          <a:blip r:embed="rId4"/>
+          <a:stretch>
+            <a:fillRect/>
+          </a:stretch>
+        </p:blipFill>
+        <p:spPr>
+          <a:xfrm>
+            <a:off x="1224238" y="5286888"/>
+            <a:ext cx="1645348" cy="317851"/>
+          </a:xfrm>
+          <a:prstGeom prst="rect">
+            <a:avLst/>
+          </a:prstGeom>
         </p:spPr>
       </p:pic>
     </p:spTree>

--- a/Aero_Flights_Deliverable_0.pptx
+++ b/Aero_Flights_Deliverable_0.pptx
@@ -5,10 +5,10 @@
     <p:sldMasterId id="2147483840" r:id="rId1"/>
   </p:sldMasterIdLst>
   <p:notesMasterIdLst>
-    <p:notesMasterId r:id="rId14"/>
+    <p:notesMasterId r:id="rId16"/>
   </p:notesMasterIdLst>
   <p:handoutMasterIdLst>
-    <p:handoutMasterId r:id="rId15"/>
+    <p:handoutMasterId r:id="rId17"/>
   </p:handoutMasterIdLst>
   <p:sldIdLst>
     <p:sldId id="256" r:id="rId2"/>
@@ -19,10 +19,12 @@
     <p:sldId id="262" r:id="rId7"/>
     <p:sldId id="263" r:id="rId8"/>
     <p:sldId id="266" r:id="rId9"/>
-    <p:sldId id="264" r:id="rId10"/>
-    <p:sldId id="267" r:id="rId11"/>
-    <p:sldId id="269" r:id="rId12"/>
-    <p:sldId id="265" r:id="rId13"/>
+    <p:sldId id="270" r:id="rId10"/>
+    <p:sldId id="271" r:id="rId11"/>
+    <p:sldId id="264" r:id="rId12"/>
+    <p:sldId id="267" r:id="rId13"/>
+    <p:sldId id="269" r:id="rId14"/>
+    <p:sldId id="265" r:id="rId15"/>
   </p:sldIdLst>
   <p:sldSz cx="12192000" cy="6858000"/>
   <p:notesSz cx="6858000" cy="9144000"/>
@@ -4041,36 +4043,6 @@
           <a:chExt cx="0" cy="0"/>
         </a:xfrm>
       </p:grpSpPr>
-      <p:pic>
-        <p:nvPicPr>
-          <p:cNvPr id="3" name="Picture 2">
-            <a:extLst>
-              <a:ext uri="{FF2B5EF4-FFF2-40B4-BE49-F238E27FC236}">
-                <a16:creationId xmlns:a16="http://schemas.microsoft.com/office/drawing/2014/main" id="{E52EF390-DD06-03DD-0BD8-6F44A70D5463}"/>
-              </a:ext>
-            </a:extLst>
-          </p:cNvPr>
-          <p:cNvPicPr>
-            <a:picLocks noChangeAspect="1"/>
-          </p:cNvPicPr>
-          <p:nvPr/>
-        </p:nvPicPr>
-        <p:blipFill>
-          <a:blip r:embed="rId2"/>
-          <a:stretch>
-            <a:fillRect/>
-          </a:stretch>
-        </p:blipFill>
-        <p:spPr>
-          <a:xfrm>
-            <a:off x="293148" y="1530220"/>
-            <a:ext cx="2719016" cy="4991878"/>
-          </a:xfrm>
-          <a:prstGeom prst="rect">
-            <a:avLst/>
-          </a:prstGeom>
-        </p:spPr>
-      </p:pic>
       <p:sp>
         <p:nvSpPr>
           <p:cNvPr id="4" name="Rectangle 3">
@@ -4085,7 +4057,7 @@
         </p:nvSpPr>
         <p:spPr>
           <a:xfrm>
-            <a:off x="0" y="109057"/>
+            <a:off x="0" y="0"/>
             <a:ext cx="4093827" cy="1073791"/>
           </a:xfrm>
           <a:prstGeom prst="rect">
@@ -4127,7 +4099,7 @@
                 <a:ea typeface="+mj-ea"/>
                 <a:cs typeface="+mj-cs"/>
               </a:rPr>
-              <a:t>Search Bar</a:t>
+              <a:t>More Details</a:t>
             </a:r>
           </a:p>
         </p:txBody>
@@ -4146,8 +4118,8 @@
         </p:nvSpPr>
         <p:spPr>
           <a:xfrm>
-            <a:off x="4356285" y="2413597"/>
-            <a:ext cx="6097554" cy="880369"/>
+            <a:off x="4400673" y="2430866"/>
+            <a:ext cx="6097554" cy="1295868"/>
           </a:xfrm>
           <a:prstGeom prst="rect">
             <a:avLst/>
@@ -4169,17 +4141,17 @@
             </a:pPr>
             <a:r>
               <a:rPr lang="en-US" dirty="0"/>
-              <a:t> In the search page, you will be able to search for a specific flight based on the destination, arrival, price, etc.</a:t>
+              <a:t>In the more details page, we will be able to look at the details of the place such as the destination, origin, flight number and etc. You can also see the price.</a:t>
             </a:r>
           </a:p>
         </p:txBody>
       </p:sp>
       <p:pic>
         <p:nvPicPr>
-          <p:cNvPr id="10" name="Picture 9" descr="Background pattern&#10;&#10;Description automatically generated">
+          <p:cNvPr id="3" name="Picture 2">
             <a:extLst>
               <a:ext uri="{FF2B5EF4-FFF2-40B4-BE49-F238E27FC236}">
-                <a16:creationId xmlns:a16="http://schemas.microsoft.com/office/drawing/2014/main" id="{E8820601-D60A-B3F6-2650-791F12E3A475}"/>
+                <a16:creationId xmlns:a16="http://schemas.microsoft.com/office/drawing/2014/main" id="{0224E172-DB86-47EF-A44E-E2FFA8DE2FA2}"/>
               </a:ext>
             </a:extLst>
           </p:cNvPr>
@@ -4188,15 +4160,16 @@
           </p:cNvPicPr>
           <p:nvPr/>
         </p:nvPicPr>
-        <p:blipFill rotWithShape="1">
-          <a:blip r:embed="rId3"/>
-          <a:srcRect l="8405" t="36506" r="8607" b="35591"/>
-          <a:stretch/>
+        <p:blipFill>
+          <a:blip r:embed="rId2"/>
+          <a:stretch>
+            <a:fillRect/>
+          </a:stretch>
         </p:blipFill>
         <p:spPr>
           <a:xfrm>
-            <a:off x="481762" y="2461682"/>
-            <a:ext cx="2382736" cy="464871"/>
+            <a:off x="525393" y="1739466"/>
+            <a:ext cx="2709622" cy="4860116"/>
           </a:xfrm>
           <a:prstGeom prst="rect">
             <a:avLst/>
@@ -4205,10 +4178,40 @@
       </p:pic>
       <p:pic>
         <p:nvPicPr>
-          <p:cNvPr id="12" name="Picture 11">
+          <p:cNvPr id="8" name="Picture 7">
             <a:extLst>
               <a:ext uri="{FF2B5EF4-FFF2-40B4-BE49-F238E27FC236}">
-                <a16:creationId xmlns:a16="http://schemas.microsoft.com/office/drawing/2014/main" id="{CBD1B3C5-7D2D-08E0-B846-02C176112B31}"/>
+                <a16:creationId xmlns:a16="http://schemas.microsoft.com/office/drawing/2014/main" id="{382390A9-A482-4172-8C6F-CB56A8DA99D0}"/>
+              </a:ext>
+            </a:extLst>
+          </p:cNvPr>
+          <p:cNvPicPr>
+            <a:picLocks noChangeAspect="1"/>
+          </p:cNvPicPr>
+          <p:nvPr/>
+        </p:nvPicPr>
+        <p:blipFill>
+          <a:blip r:embed="rId3"/>
+          <a:stretch>
+            <a:fillRect/>
+          </a:stretch>
+        </p:blipFill>
+        <p:spPr>
+          <a:xfrm>
+            <a:off x="736742" y="2957172"/>
+            <a:ext cx="828791" cy="352474"/>
+          </a:xfrm>
+          <a:prstGeom prst="rect">
+            <a:avLst/>
+          </a:prstGeom>
+        </p:spPr>
+      </p:pic>
+      <p:pic>
+        <p:nvPicPr>
+          <p:cNvPr id="9" name="Picture 8">
+            <a:extLst>
+              <a:ext uri="{FF2B5EF4-FFF2-40B4-BE49-F238E27FC236}">
+                <a16:creationId xmlns:a16="http://schemas.microsoft.com/office/drawing/2014/main" id="{076D98F3-F2CF-49D3-86AA-6C167481CFE7}"/>
               </a:ext>
             </a:extLst>
           </p:cNvPr>
@@ -4225,8 +4228,247 @@
         </p:blipFill>
         <p:spPr>
           <a:xfrm>
-            <a:off x="481762" y="3041490"/>
-            <a:ext cx="2286319" cy="2753109"/>
+            <a:off x="898992" y="3241553"/>
+            <a:ext cx="981212" cy="457264"/>
+          </a:xfrm>
+          <a:prstGeom prst="rect">
+            <a:avLst/>
+          </a:prstGeom>
+        </p:spPr>
+      </p:pic>
+      <p:pic>
+        <p:nvPicPr>
+          <p:cNvPr id="10" name="Picture 9">
+            <a:extLst>
+              <a:ext uri="{FF2B5EF4-FFF2-40B4-BE49-F238E27FC236}">
+                <a16:creationId xmlns:a16="http://schemas.microsoft.com/office/drawing/2014/main" id="{0E945F78-C68C-409D-80FF-EE6F8A703678}"/>
+              </a:ext>
+            </a:extLst>
+          </p:cNvPr>
+          <p:cNvPicPr>
+            <a:picLocks noChangeAspect="1"/>
+          </p:cNvPicPr>
+          <p:nvPr/>
+        </p:nvPicPr>
+        <p:blipFill>
+          <a:blip r:embed="rId5"/>
+          <a:stretch>
+            <a:fillRect/>
+          </a:stretch>
+        </p:blipFill>
+        <p:spPr>
+          <a:xfrm>
+            <a:off x="827949" y="3566410"/>
+            <a:ext cx="1800476" cy="447737"/>
+          </a:xfrm>
+          <a:prstGeom prst="rect">
+            <a:avLst/>
+          </a:prstGeom>
+        </p:spPr>
+      </p:pic>
+      <p:pic>
+        <p:nvPicPr>
+          <p:cNvPr id="11" name="Picture 10">
+            <a:extLst>
+              <a:ext uri="{FF2B5EF4-FFF2-40B4-BE49-F238E27FC236}">
+                <a16:creationId xmlns:a16="http://schemas.microsoft.com/office/drawing/2014/main" id="{AC2F59A4-51B5-40BA-B8FB-D8D92B042721}"/>
+              </a:ext>
+            </a:extLst>
+          </p:cNvPr>
+          <p:cNvPicPr>
+            <a:picLocks noChangeAspect="1"/>
+          </p:cNvPicPr>
+          <p:nvPr/>
+        </p:nvPicPr>
+        <p:blipFill>
+          <a:blip r:embed="rId6"/>
+          <a:stretch>
+            <a:fillRect/>
+          </a:stretch>
+        </p:blipFill>
+        <p:spPr>
+          <a:xfrm>
+            <a:off x="827949" y="3856963"/>
+            <a:ext cx="1171739" cy="333422"/>
+          </a:xfrm>
+          <a:prstGeom prst="rect">
+            <a:avLst/>
+          </a:prstGeom>
+        </p:spPr>
+      </p:pic>
+      <p:pic>
+        <p:nvPicPr>
+          <p:cNvPr id="12" name="Picture 11">
+            <a:extLst>
+              <a:ext uri="{FF2B5EF4-FFF2-40B4-BE49-F238E27FC236}">
+                <a16:creationId xmlns:a16="http://schemas.microsoft.com/office/drawing/2014/main" id="{33392515-D92E-4128-8959-D88878EFD74B}"/>
+              </a:ext>
+            </a:extLst>
+          </p:cNvPr>
+          <p:cNvPicPr>
+            <a:picLocks noChangeAspect="1"/>
+          </p:cNvPicPr>
+          <p:nvPr/>
+        </p:nvPicPr>
+        <p:blipFill rotWithShape="1">
+          <a:blip r:embed="rId7"/>
+          <a:srcRect r="5559" b="26867"/>
+          <a:stretch/>
+        </p:blipFill>
+        <p:spPr>
+          <a:xfrm>
+            <a:off x="1233007" y="4128371"/>
+            <a:ext cx="1349510" cy="236873"/>
+          </a:xfrm>
+          <a:prstGeom prst="rect">
+            <a:avLst/>
+          </a:prstGeom>
+        </p:spPr>
+      </p:pic>
+      <p:pic>
+        <p:nvPicPr>
+          <p:cNvPr id="13" name="Picture 12">
+            <a:extLst>
+              <a:ext uri="{FF2B5EF4-FFF2-40B4-BE49-F238E27FC236}">
+                <a16:creationId xmlns:a16="http://schemas.microsoft.com/office/drawing/2014/main" id="{AF04AD25-D4B3-4A1C-B58A-B712C50BBDEF}"/>
+              </a:ext>
+            </a:extLst>
+          </p:cNvPr>
+          <p:cNvPicPr>
+            <a:picLocks noChangeAspect="1"/>
+          </p:cNvPicPr>
+          <p:nvPr/>
+        </p:nvPicPr>
+        <p:blipFill>
+          <a:blip r:embed="rId8"/>
+          <a:stretch>
+            <a:fillRect/>
+          </a:stretch>
+        </p:blipFill>
+        <p:spPr>
+          <a:xfrm>
+            <a:off x="2115727" y="4479468"/>
+            <a:ext cx="466790" cy="257211"/>
+          </a:xfrm>
+          <a:prstGeom prst="rect">
+            <a:avLst/>
+          </a:prstGeom>
+        </p:spPr>
+      </p:pic>
+      <p:pic>
+        <p:nvPicPr>
+          <p:cNvPr id="14" name="Picture 13">
+            <a:extLst>
+              <a:ext uri="{FF2B5EF4-FFF2-40B4-BE49-F238E27FC236}">
+                <a16:creationId xmlns:a16="http://schemas.microsoft.com/office/drawing/2014/main" id="{511E2846-4B7A-4C11-ADCB-E4AE525DF6BA}"/>
+              </a:ext>
+            </a:extLst>
+          </p:cNvPr>
+          <p:cNvPicPr>
+            <a:picLocks noChangeAspect="1"/>
+          </p:cNvPicPr>
+          <p:nvPr/>
+        </p:nvPicPr>
+        <p:blipFill>
+          <a:blip r:embed="rId9"/>
+          <a:stretch>
+            <a:fillRect/>
+          </a:stretch>
+        </p:blipFill>
+        <p:spPr>
+          <a:xfrm>
+            <a:off x="2046913" y="4736679"/>
+            <a:ext cx="628738" cy="257211"/>
+          </a:xfrm>
+          <a:prstGeom prst="rect">
+            <a:avLst/>
+          </a:prstGeom>
+        </p:spPr>
+      </p:pic>
+      <p:pic>
+        <p:nvPicPr>
+          <p:cNvPr id="15" name="Picture 14">
+            <a:extLst>
+              <a:ext uri="{FF2B5EF4-FFF2-40B4-BE49-F238E27FC236}">
+                <a16:creationId xmlns:a16="http://schemas.microsoft.com/office/drawing/2014/main" id="{81D86385-794E-43F6-AF19-A63E18DD7912}"/>
+              </a:ext>
+            </a:extLst>
+          </p:cNvPr>
+          <p:cNvPicPr>
+            <a:picLocks noChangeAspect="1"/>
+          </p:cNvPicPr>
+          <p:nvPr/>
+        </p:nvPicPr>
+        <p:blipFill>
+          <a:blip r:embed="rId10"/>
+          <a:stretch>
+            <a:fillRect/>
+          </a:stretch>
+        </p:blipFill>
+        <p:spPr>
+          <a:xfrm>
+            <a:off x="2046913" y="4956654"/>
+            <a:ext cx="457264" cy="333422"/>
+          </a:xfrm>
+          <a:prstGeom prst="rect">
+            <a:avLst/>
+          </a:prstGeom>
+        </p:spPr>
+      </p:pic>
+      <p:pic>
+        <p:nvPicPr>
+          <p:cNvPr id="16" name="Picture 15">
+            <a:extLst>
+              <a:ext uri="{FF2B5EF4-FFF2-40B4-BE49-F238E27FC236}">
+                <a16:creationId xmlns:a16="http://schemas.microsoft.com/office/drawing/2014/main" id="{20EEFA4E-6AAF-4E2D-802E-2EB83C47E0DA}"/>
+              </a:ext>
+            </a:extLst>
+          </p:cNvPr>
+          <p:cNvPicPr>
+            <a:picLocks noChangeAspect="1"/>
+          </p:cNvPicPr>
+          <p:nvPr/>
+        </p:nvPicPr>
+        <p:blipFill>
+          <a:blip r:embed="rId11"/>
+          <a:stretch>
+            <a:fillRect/>
+          </a:stretch>
+        </p:blipFill>
+        <p:spPr>
+          <a:xfrm>
+            <a:off x="736742" y="5498143"/>
+            <a:ext cx="733527" cy="342948"/>
+          </a:xfrm>
+          <a:prstGeom prst="rect">
+            <a:avLst/>
+          </a:prstGeom>
+        </p:spPr>
+      </p:pic>
+      <p:pic>
+        <p:nvPicPr>
+          <p:cNvPr id="17" name="Picture 16">
+            <a:extLst>
+              <a:ext uri="{FF2B5EF4-FFF2-40B4-BE49-F238E27FC236}">
+                <a16:creationId xmlns:a16="http://schemas.microsoft.com/office/drawing/2014/main" id="{B0D3FBAA-89C3-4795-BE6A-997CDB67733E}"/>
+              </a:ext>
+            </a:extLst>
+          </p:cNvPr>
+          <p:cNvPicPr>
+            <a:picLocks noChangeAspect="1"/>
+          </p:cNvPicPr>
+          <p:nvPr/>
+        </p:nvPicPr>
+        <p:blipFill>
+          <a:blip r:embed="rId12"/>
+          <a:stretch>
+            <a:fillRect/>
+          </a:stretch>
+        </p:blipFill>
+        <p:spPr>
+          <a:xfrm>
+            <a:off x="2376078" y="5570536"/>
+            <a:ext cx="628738" cy="628738"/>
           </a:xfrm>
           <a:prstGeom prst="rect">
             <a:avLst/>
@@ -4236,7 +4478,7 @@
     </p:spTree>
     <p:extLst>
       <p:ext uri="{BB962C8B-B14F-4D97-AF65-F5344CB8AC3E}">
-        <p14:creationId xmlns:p14="http://schemas.microsoft.com/office/powerpoint/2010/main" val="3867775663"/>
+        <p14:creationId xmlns:p14="http://schemas.microsoft.com/office/powerpoint/2010/main" val="2245226450"/>
       </p:ext>
     </p:extLst>
   </p:cSld>
@@ -4265,13 +4507,7 @@
       </p:grpSpPr>
       <p:pic>
         <p:nvPicPr>
-          <p:cNvPr id="7" name="Picture 6">
-            <a:extLst>
-              <a:ext uri="{FF2B5EF4-FFF2-40B4-BE49-F238E27FC236}">
-                <a16:creationId xmlns:a16="http://schemas.microsoft.com/office/drawing/2014/main" id="{C121868B-4562-4FC2-B39B-D63C67E73A55}"/>
-              </a:ext>
-            </a:extLst>
-          </p:cNvPr>
+          <p:cNvPr id="9" name="Picture 8"/>
           <p:cNvPicPr>
             <a:picLocks noChangeAspect="1"/>
           </p:cNvPicPr>
@@ -4285,20 +4521,44 @@
         </p:blipFill>
         <p:spPr>
           <a:xfrm>
-            <a:off x="293148" y="1530220"/>
-            <a:ext cx="2748235" cy="4991878"/>
+            <a:off x="544901" y="1418824"/>
+            <a:ext cx="2849867" cy="5127788"/>
           </a:xfrm>
           <a:prstGeom prst="rect">
             <a:avLst/>
           </a:prstGeom>
         </p:spPr>
       </p:pic>
-      <p:sp>
-        <p:nvSpPr>
-          <p:cNvPr id="4" name="Rectangle 3">
+      <p:pic>
+        <p:nvPicPr>
+          <p:cNvPr id="10" name="Picture 9"/>
+          <p:cNvPicPr>
+            <a:picLocks noChangeAspect="1"/>
+          </p:cNvPicPr>
+          <p:nvPr/>
+        </p:nvPicPr>
+        <p:blipFill>
+          <a:blip r:embed="rId3"/>
+          <a:stretch>
+            <a:fillRect/>
+          </a:stretch>
+        </p:blipFill>
+        <p:spPr>
+          <a:xfrm>
+            <a:off x="1015044" y="4768133"/>
+            <a:ext cx="654075" cy="636397"/>
+          </a:xfrm>
+          <a:prstGeom prst="rect">
+            <a:avLst/>
+          </a:prstGeom>
+        </p:spPr>
+      </p:pic>
+      <p:sp>
+        <p:nvSpPr>
+          <p:cNvPr id="2" name="Rectangle 1">
             <a:extLst>
               <a:ext uri="{FF2B5EF4-FFF2-40B4-BE49-F238E27FC236}">
-                <a16:creationId xmlns:a16="http://schemas.microsoft.com/office/drawing/2014/main" id="{4FE56A71-558A-14A2-D451-5F04130FB961}"/>
+                <a16:creationId xmlns:a16="http://schemas.microsoft.com/office/drawing/2014/main" id="{A626BE00-405A-4B10-AE3D-72CC571AE9B0}"/>
               </a:ext>
             </a:extLst>
           </p:cNvPr>
@@ -4307,7 +4567,7 @@
         </p:nvSpPr>
         <p:spPr>
           <a:xfrm>
-            <a:off x="0" y="0"/>
+            <a:off x="0" y="109057"/>
             <a:ext cx="4093827" cy="1073791"/>
           </a:xfrm>
           <a:prstGeom prst="rect">
@@ -4349,1120 +4609,8 @@
                 <a:ea typeface="+mj-ea"/>
                 <a:cs typeface="+mj-cs"/>
               </a:rPr>
-              <a:t>Map</a:t>
-            </a:r>
-          </a:p>
-        </p:txBody>
-      </p:sp>
-      <p:sp>
-        <p:nvSpPr>
-          <p:cNvPr id="6" name="TextBox 5">
-            <a:extLst>
-              <a:ext uri="{FF2B5EF4-FFF2-40B4-BE49-F238E27FC236}">
-                <a16:creationId xmlns:a16="http://schemas.microsoft.com/office/drawing/2014/main" id="{7DC632F1-DAC9-3762-B0D5-5EB1F45A30D9}"/>
-              </a:ext>
-            </a:extLst>
-          </p:cNvPr>
-          <p:cNvSpPr txBox="1"/>
-          <p:nvPr/>
-        </p:nvSpPr>
-        <p:spPr>
-          <a:xfrm>
-            <a:off x="4356285" y="2413597"/>
-            <a:ext cx="6097554" cy="880369"/>
-          </a:xfrm>
-          <a:prstGeom prst="rect">
-            <a:avLst/>
-          </a:prstGeom>
-          <a:noFill/>
-        </p:spPr>
-        <p:txBody>
-          <a:bodyPr wrap="square">
-            <a:spAutoFit/>
-          </a:bodyPr>
-          <a:lstStyle/>
-          <a:p>
-            <a:pPr>
-              <a:lnSpc>
-                <a:spcPct val="150000"/>
-              </a:lnSpc>
-              <a:buFont typeface="Wingdings" panose="05000000000000000000" pitchFamily="2" charset="2"/>
-              <a:buChar char="Ø"/>
-            </a:pPr>
-            <a:r>
-              <a:rPr lang="en-US" dirty="0"/>
-              <a:t> In this page, you will be able to see all of the current flights on an Area as well as the flight path, departure and arrival.</a:t>
-            </a:r>
-          </a:p>
-        </p:txBody>
-      </p:sp>
-      <p:pic>
-        <p:nvPicPr>
-          <p:cNvPr id="5" name="Picture 4">
-            <a:extLst>
-              <a:ext uri="{FF2B5EF4-FFF2-40B4-BE49-F238E27FC236}">
-                <a16:creationId xmlns:a16="http://schemas.microsoft.com/office/drawing/2014/main" id="{6B180564-6864-4385-8006-A6725EFC277A}"/>
-              </a:ext>
-            </a:extLst>
-          </p:cNvPr>
-          <p:cNvPicPr>
-            <a:picLocks noChangeAspect="1"/>
-          </p:cNvPicPr>
-          <p:nvPr/>
-        </p:nvPicPr>
-        <p:blipFill rotWithShape="1">
-          <a:blip r:embed="rId3"/>
-          <a:srcRect l="306" r="47855"/>
-          <a:stretch/>
-        </p:blipFill>
-        <p:spPr>
-          <a:xfrm>
-            <a:off x="435006" y="2663302"/>
-            <a:ext cx="2441360" cy="3488564"/>
-          </a:xfrm>
-          <a:prstGeom prst="rect">
-            <a:avLst/>
-          </a:prstGeom>
-        </p:spPr>
-      </p:pic>
-    </p:spTree>
-    <p:extLst>
-      <p:ext uri="{BB962C8B-B14F-4D97-AF65-F5344CB8AC3E}">
-        <p14:creationId xmlns:p14="http://schemas.microsoft.com/office/powerpoint/2010/main" val="38289646"/>
-      </p:ext>
-    </p:extLst>
-  </p:cSld>
-  <p:clrMapOvr>
-    <a:masterClrMapping/>
-  </p:clrMapOvr>
-</p:sld>
-</file>
-
-<file path=ppt/slides/slide12.xml><?xml version="1.0" encoding="utf-8"?>
-<p:sld xmlns:a="http://schemas.openxmlformats.org/drawingml/2006/main" xmlns:r="http://schemas.openxmlformats.org/officeDocument/2006/relationships" xmlns:p="http://schemas.openxmlformats.org/presentationml/2006/main">
-  <p:cSld>
-    <p:spTree>
-      <p:nvGrpSpPr>
-        <p:cNvPr id="1" name=""/>
-        <p:cNvGrpSpPr/>
-        <p:nvPr/>
-      </p:nvGrpSpPr>
-      <p:grpSpPr>
-        <a:xfrm>
-          <a:off x="0" y="0"/>
-          <a:ext cx="0" cy="0"/>
-          <a:chOff x="0" y="0"/>
-          <a:chExt cx="0" cy="0"/>
-        </a:xfrm>
-      </p:grpSpPr>
-      <p:sp>
-        <p:nvSpPr>
-          <p:cNvPr id="2" name="Title 1"/>
-          <p:cNvSpPr>
-            <a:spLocks noGrp="1"/>
-          </p:cNvSpPr>
-          <p:nvPr>
-            <p:ph type="title"/>
-          </p:nvPr>
-        </p:nvSpPr>
-        <p:spPr/>
-        <p:txBody>
-          <a:bodyPr/>
-          <a:lstStyle/>
-          <a:p>
-            <a:r>
-              <a:rPr lang="en-US" dirty="0"/>
-              <a:t>Additional Information</a:t>
-            </a:r>
-          </a:p>
-        </p:txBody>
-      </p:sp>
-      <p:sp>
-        <p:nvSpPr>
-          <p:cNvPr id="3" name="Content Placeholder 2"/>
-          <p:cNvSpPr>
-            <a:spLocks noGrp="1"/>
-          </p:cNvSpPr>
-          <p:nvPr>
-            <p:ph idx="1"/>
-          </p:nvPr>
-        </p:nvSpPr>
-        <p:spPr/>
-        <p:txBody>
-          <a:bodyPr/>
-          <a:lstStyle/>
-          <a:p>
-            <a:r>
-              <a:rPr lang="en-US" dirty="0"/>
-              <a:t>Number of Screen Flows: 8</a:t>
-            </a:r>
-          </a:p>
-          <a:p>
-            <a:r>
-              <a:rPr lang="en-US" dirty="0"/>
-              <a:t>Chosen Database: Firebase</a:t>
-            </a:r>
-          </a:p>
-          <a:p>
-            <a:r>
-              <a:rPr lang="en-US" dirty="0" err="1"/>
-              <a:t>GitHub</a:t>
-            </a:r>
-            <a:r>
-              <a:rPr lang="en-US" dirty="0"/>
-              <a:t> Link: </a:t>
-            </a:r>
-            <a:r>
-              <a:rPr lang="en-US" dirty="0">
-                <a:hlinkClick r:id="rId2"/>
-              </a:rPr>
-              <a:t>Project Aero Flights</a:t>
-            </a:r>
-            <a:endParaRPr lang="en-US" dirty="0"/>
-          </a:p>
-        </p:txBody>
-      </p:sp>
-    </p:spTree>
-    <p:extLst>
-      <p:ext uri="{BB962C8B-B14F-4D97-AF65-F5344CB8AC3E}">
-        <p14:creationId xmlns:p14="http://schemas.microsoft.com/office/powerpoint/2010/main" val="3539673659"/>
-      </p:ext>
-    </p:extLst>
-  </p:cSld>
-  <p:clrMapOvr>
-    <a:masterClrMapping/>
-  </p:clrMapOvr>
-</p:sld>
-</file>
-
-<file path=ppt/slides/slide2.xml><?xml version="1.0" encoding="utf-8"?>
-<p:sld xmlns:a="http://schemas.openxmlformats.org/drawingml/2006/main" xmlns:r="http://schemas.openxmlformats.org/officeDocument/2006/relationships" xmlns:p="http://schemas.openxmlformats.org/presentationml/2006/main">
-  <p:cSld>
-    <p:spTree>
-      <p:nvGrpSpPr>
-        <p:cNvPr id="1" name=""/>
-        <p:cNvGrpSpPr/>
-        <p:nvPr/>
-      </p:nvGrpSpPr>
-      <p:grpSpPr>
-        <a:xfrm>
-          <a:off x="0" y="0"/>
-          <a:ext cx="0" cy="0"/>
-          <a:chOff x="0" y="0"/>
-          <a:chExt cx="0" cy="0"/>
-        </a:xfrm>
-      </p:grpSpPr>
-      <p:sp>
-        <p:nvSpPr>
-          <p:cNvPr id="2" name="Title 1">
-            <a:extLst>
-              <a:ext uri="{FF2B5EF4-FFF2-40B4-BE49-F238E27FC236}">
-                <a16:creationId xmlns:a16="http://schemas.microsoft.com/office/drawing/2014/main" id="{C05A01AF-B615-45C0-94A3-E756C3674A53}"/>
-              </a:ext>
-            </a:extLst>
-          </p:cNvPr>
-          <p:cNvSpPr>
-            <a:spLocks noGrp="1"/>
-          </p:cNvSpPr>
-          <p:nvPr>
-            <p:ph type="title"/>
-          </p:nvPr>
-        </p:nvSpPr>
-        <p:spPr/>
-        <p:txBody>
-          <a:bodyPr/>
-          <a:lstStyle/>
-          <a:p>
-            <a:r>
-              <a:rPr lang="en-US" dirty="0"/>
-              <a:t>Description</a:t>
-            </a:r>
-          </a:p>
-        </p:txBody>
-      </p:sp>
-      <p:sp>
-        <p:nvSpPr>
-          <p:cNvPr id="3" name="Content Placeholder 2">
-            <a:extLst>
-              <a:ext uri="{FF2B5EF4-FFF2-40B4-BE49-F238E27FC236}">
-                <a16:creationId xmlns:a16="http://schemas.microsoft.com/office/drawing/2014/main" id="{2D710FC4-CFF3-45C7-B5A8-A478831D0001}"/>
-              </a:ext>
-            </a:extLst>
-          </p:cNvPr>
-          <p:cNvSpPr>
-            <a:spLocks noGrp="1"/>
-          </p:cNvSpPr>
-          <p:nvPr>
-            <p:ph idx="1"/>
-          </p:nvPr>
-        </p:nvSpPr>
-        <p:spPr/>
-        <p:txBody>
-          <a:bodyPr/>
-          <a:lstStyle/>
-          <a:p>
-            <a:pPr>
-              <a:buFont typeface="Wingdings" panose="05000000000000000000" pitchFamily="2" charset="2"/>
-              <a:buChar char="Ø"/>
-            </a:pPr>
-            <a:r>
-              <a:rPr lang="en-US" dirty="0"/>
-              <a:t> Our project is a mobile flight tracker application.</a:t>
-            </a:r>
-          </a:p>
-          <a:p>
-            <a:pPr marL="0" indent="0">
-              <a:buNone/>
-            </a:pPr>
-            <a:endParaRPr lang="en-US" dirty="0"/>
-          </a:p>
-          <a:p>
-            <a:pPr marL="0" indent="0">
-              <a:lnSpc>
-                <a:spcPct val="150000"/>
-              </a:lnSpc>
-              <a:buNone/>
-            </a:pPr>
-            <a:r>
-              <a:rPr lang="en-US" dirty="0"/>
-              <a:t>Key Features:</a:t>
-            </a:r>
-          </a:p>
-          <a:p>
-            <a:pPr lvl="1">
-              <a:lnSpc>
-                <a:spcPct val="200000"/>
-              </a:lnSpc>
-            </a:pPr>
-            <a:r>
-              <a:rPr lang="en-US" dirty="0"/>
-              <a:t>Track live flights on the map</a:t>
-            </a:r>
-          </a:p>
-          <a:p>
-            <a:pPr lvl="1">
-              <a:lnSpc>
-                <a:spcPct val="200000"/>
-              </a:lnSpc>
-            </a:pPr>
-            <a:r>
-              <a:rPr lang="en-US" dirty="0"/>
-              <a:t>View details and ticket prices</a:t>
-            </a:r>
-          </a:p>
-          <a:p>
-            <a:pPr lvl="1">
-              <a:lnSpc>
-                <a:spcPct val="200000"/>
-              </a:lnSpc>
-            </a:pPr>
-            <a:r>
-              <a:rPr lang="en-US" dirty="0"/>
-              <a:t>Book upcoming flights through the app</a:t>
-            </a:r>
-          </a:p>
-          <a:p>
-            <a:pPr lvl="1">
-              <a:lnSpc>
-                <a:spcPct val="200000"/>
-              </a:lnSpc>
-            </a:pPr>
-            <a:r>
-              <a:rPr lang="en-US" dirty="0"/>
-              <a:t>Search and Add your flights to your favorites</a:t>
-            </a:r>
-          </a:p>
-        </p:txBody>
-      </p:sp>
-    </p:spTree>
-    <p:extLst>
-      <p:ext uri="{BB962C8B-B14F-4D97-AF65-F5344CB8AC3E}">
-        <p14:creationId xmlns:p14="http://schemas.microsoft.com/office/powerpoint/2010/main" val="2960830441"/>
-      </p:ext>
-    </p:extLst>
-  </p:cSld>
-  <p:clrMapOvr>
-    <a:masterClrMapping/>
-  </p:clrMapOvr>
-</p:sld>
-</file>
-
-<file path=ppt/slides/slide3.xml><?xml version="1.0" encoding="utf-8"?>
-<p:sld xmlns:a="http://schemas.openxmlformats.org/drawingml/2006/main" xmlns:r="http://schemas.openxmlformats.org/officeDocument/2006/relationships" xmlns:p="http://schemas.openxmlformats.org/presentationml/2006/main">
-  <p:cSld>
-    <p:spTree>
-      <p:nvGrpSpPr>
-        <p:cNvPr id="1" name=""/>
-        <p:cNvGrpSpPr/>
-        <p:nvPr/>
-      </p:nvGrpSpPr>
-      <p:grpSpPr>
-        <a:xfrm>
-          <a:off x="0" y="0"/>
-          <a:ext cx="0" cy="0"/>
-          <a:chOff x="0" y="0"/>
-          <a:chExt cx="0" cy="0"/>
-        </a:xfrm>
-      </p:grpSpPr>
-      <p:sp>
-        <p:nvSpPr>
-          <p:cNvPr id="2" name="Rectangle 1">
-            <a:extLst>
-              <a:ext uri="{FF2B5EF4-FFF2-40B4-BE49-F238E27FC236}">
-                <a16:creationId xmlns:a16="http://schemas.microsoft.com/office/drawing/2014/main" id="{A626BE00-405A-4B10-AE3D-72CC571AE9B0}"/>
-              </a:ext>
-            </a:extLst>
-          </p:cNvPr>
-          <p:cNvSpPr/>
-          <p:nvPr/>
-        </p:nvSpPr>
-        <p:spPr>
-          <a:xfrm>
-            <a:off x="0" y="109057"/>
-            <a:ext cx="4093827" cy="1073791"/>
-          </a:xfrm>
-          <a:prstGeom prst="rect">
-            <a:avLst/>
-          </a:prstGeom>
-          <a:ln>
-            <a:solidFill>
-              <a:schemeClr val="bg1"/>
-            </a:solidFill>
-          </a:ln>
-        </p:spPr>
-        <p:style>
-          <a:lnRef idx="2">
-            <a:schemeClr val="accent1">
-              <a:shade val="50000"/>
-            </a:schemeClr>
-          </a:lnRef>
-          <a:fillRef idx="1">
-            <a:schemeClr val="accent1"/>
-          </a:fillRef>
-          <a:effectRef idx="0">
-            <a:schemeClr val="accent1"/>
-          </a:effectRef>
-          <a:fontRef idx="minor">
-            <a:schemeClr val="lt1"/>
-          </a:fontRef>
-        </p:style>
-        <p:txBody>
-          <a:bodyPr rtlCol="0" anchor="ctr"/>
-          <a:lstStyle/>
-          <a:p>
-            <a:pPr algn="ctr"/>
-            <a:r>
-              <a:rPr lang="en-US" sz="3600" spc="-60" dirty="0">
-                <a:solidFill>
-                  <a:srgbClr val="FFFFFF"/>
-                </a:solidFill>
-                <a:latin typeface="+mj-lt"/>
-                <a:ea typeface="+mj-ea"/>
-                <a:cs typeface="+mj-cs"/>
-              </a:rPr>
-              <a:t>Mock-up</a:t>
-            </a:r>
-          </a:p>
-        </p:txBody>
-      </p:sp>
-      <p:pic>
-        <p:nvPicPr>
-          <p:cNvPr id="1026" name="Picture 2" descr="Image"/>
-          <p:cNvPicPr>
-            <a:picLocks noChangeAspect="1" noChangeArrowheads="1"/>
-          </p:cNvPicPr>
-          <p:nvPr/>
-        </p:nvPicPr>
-        <p:blipFill>
-          <a:blip r:embed="rId2">
-            <a:extLst>
-              <a:ext uri="{28A0092B-C50C-407E-A947-70E740481C1C}">
-                <a14:useLocalDpi xmlns:a14="http://schemas.microsoft.com/office/drawing/2010/main" val="0"/>
-              </a:ext>
-            </a:extLst>
-          </a:blip>
-          <a:srcRect/>
-          <a:stretch>
-            <a:fillRect/>
-          </a:stretch>
-        </p:blipFill>
-        <p:spPr bwMode="auto">
-          <a:xfrm>
-            <a:off x="851319" y="2497751"/>
-            <a:ext cx="1259738" cy="2234824"/>
-          </a:xfrm>
-          <a:prstGeom prst="rect">
-            <a:avLst/>
-          </a:prstGeom>
-          <a:noFill/>
-          <a:extLst>
-            <a:ext uri="{909E8E84-426E-40DD-AFC4-6F175D3DCCD1}">
-              <a14:hiddenFill xmlns:a14="http://schemas.microsoft.com/office/drawing/2010/main">
-                <a:solidFill>
-                  <a:srgbClr val="FFFFFF"/>
-                </a:solidFill>
-              </a14:hiddenFill>
-            </a:ext>
-          </a:extLst>
-        </p:spPr>
-      </p:pic>
-      <p:pic>
-        <p:nvPicPr>
-          <p:cNvPr id="1032" name="Picture 8" descr="Image"/>
-          <p:cNvPicPr>
-            <a:picLocks noChangeAspect="1" noChangeArrowheads="1"/>
-          </p:cNvPicPr>
-          <p:nvPr/>
-        </p:nvPicPr>
-        <p:blipFill>
-          <a:blip r:embed="rId3">
-            <a:extLst>
-              <a:ext uri="{28A0092B-C50C-407E-A947-70E740481C1C}">
-                <a14:useLocalDpi xmlns:a14="http://schemas.microsoft.com/office/drawing/2010/main" val="0"/>
-              </a:ext>
-            </a:extLst>
-          </a:blip>
-          <a:srcRect/>
-          <a:stretch>
-            <a:fillRect/>
-          </a:stretch>
-        </p:blipFill>
-        <p:spPr bwMode="auto">
-          <a:xfrm>
-            <a:off x="2155082" y="2488263"/>
-            <a:ext cx="1215719" cy="2253799"/>
-          </a:xfrm>
-          <a:prstGeom prst="rect">
-            <a:avLst/>
-          </a:prstGeom>
-          <a:noFill/>
-          <a:extLst>
-            <a:ext uri="{909E8E84-426E-40DD-AFC4-6F175D3DCCD1}">
-              <a14:hiddenFill xmlns:a14="http://schemas.microsoft.com/office/drawing/2010/main">
-                <a:solidFill>
-                  <a:srgbClr val="FFFFFF"/>
-                </a:solidFill>
-              </a14:hiddenFill>
-            </a:ext>
-          </a:extLst>
-        </p:spPr>
-      </p:pic>
-      <p:pic>
-        <p:nvPicPr>
-          <p:cNvPr id="1034" name="Picture 10" descr="Image"/>
-          <p:cNvPicPr>
-            <a:picLocks noChangeAspect="1" noChangeArrowheads="1"/>
-          </p:cNvPicPr>
-          <p:nvPr/>
-        </p:nvPicPr>
-        <p:blipFill>
-          <a:blip r:embed="rId4">
-            <a:extLst>
-              <a:ext uri="{28A0092B-C50C-407E-A947-70E740481C1C}">
-                <a14:useLocalDpi xmlns:a14="http://schemas.microsoft.com/office/drawing/2010/main" val="0"/>
-              </a:ext>
-            </a:extLst>
-          </a:blip>
-          <a:srcRect/>
-          <a:stretch>
-            <a:fillRect/>
-          </a:stretch>
-        </p:blipFill>
-        <p:spPr bwMode="auto">
-          <a:xfrm>
-            <a:off x="3429430" y="2514592"/>
-            <a:ext cx="1246951" cy="2201139"/>
-          </a:xfrm>
-          <a:prstGeom prst="rect">
-            <a:avLst/>
-          </a:prstGeom>
-          <a:noFill/>
-          <a:extLst>
-            <a:ext uri="{909E8E84-426E-40DD-AFC4-6F175D3DCCD1}">
-              <a14:hiddenFill xmlns:a14="http://schemas.microsoft.com/office/drawing/2010/main">
-                <a:solidFill>
-                  <a:srgbClr val="FFFFFF"/>
-                </a:solidFill>
-              </a14:hiddenFill>
-            </a:ext>
-          </a:extLst>
-        </p:spPr>
-      </p:pic>
-      <p:pic>
-        <p:nvPicPr>
-          <p:cNvPr id="3" name="Picture 2"/>
-          <p:cNvPicPr>
-            <a:picLocks noChangeAspect="1"/>
-          </p:cNvPicPr>
-          <p:nvPr/>
-        </p:nvPicPr>
-        <p:blipFill>
-          <a:blip r:embed="rId5"/>
-          <a:stretch>
-            <a:fillRect/>
-          </a:stretch>
-        </p:blipFill>
-        <p:spPr>
-          <a:xfrm>
-            <a:off x="4676381" y="2488261"/>
-            <a:ext cx="1239794" cy="2253799"/>
-          </a:xfrm>
-          <a:prstGeom prst="rect">
-            <a:avLst/>
-          </a:prstGeom>
-        </p:spPr>
-      </p:pic>
-      <p:pic>
-        <p:nvPicPr>
-          <p:cNvPr id="5" name="Picture 4"/>
-          <p:cNvPicPr>
-            <a:picLocks noChangeAspect="1"/>
-          </p:cNvPicPr>
-          <p:nvPr/>
-        </p:nvPicPr>
-        <p:blipFill>
-          <a:blip r:embed="rId6">
-            <a:extLst>
-              <a:ext uri="{28A0092B-C50C-407E-A947-70E740481C1C}">
-                <a14:useLocalDpi xmlns:a14="http://schemas.microsoft.com/office/drawing/2010/main" val="0"/>
-              </a:ext>
-            </a:extLst>
-          </a:blip>
-          <a:stretch>
-            <a:fillRect/>
-          </a:stretch>
-        </p:blipFill>
-        <p:spPr>
-          <a:xfrm>
-            <a:off x="1272153" y="3273674"/>
-            <a:ext cx="478960" cy="426274"/>
-          </a:xfrm>
-          <a:prstGeom prst="rect">
-            <a:avLst/>
-          </a:prstGeom>
-        </p:spPr>
-      </p:pic>
-      <p:pic>
-        <p:nvPicPr>
-          <p:cNvPr id="8" name="Picture 7"/>
-          <p:cNvPicPr>
-            <a:picLocks noChangeAspect="1"/>
-          </p:cNvPicPr>
-          <p:nvPr/>
-        </p:nvPicPr>
-        <p:blipFill>
-          <a:blip r:embed="rId7"/>
-          <a:stretch>
-            <a:fillRect/>
-          </a:stretch>
-        </p:blipFill>
-        <p:spPr>
-          <a:xfrm>
-            <a:off x="5943405" y="2488260"/>
-            <a:ext cx="1252592" cy="2253799"/>
-          </a:xfrm>
-          <a:prstGeom prst="rect">
-            <a:avLst/>
-          </a:prstGeom>
-        </p:spPr>
-      </p:pic>
-      <p:sp>
-        <p:nvSpPr>
-          <p:cNvPr id="6" name="Rectangle 5"/>
-          <p:cNvSpPr/>
-          <p:nvPr/>
-        </p:nvSpPr>
-        <p:spPr>
-          <a:xfrm>
-            <a:off x="895344" y="4262768"/>
-            <a:ext cx="1232579" cy="261610"/>
-          </a:xfrm>
-          <a:prstGeom prst="rect">
-            <a:avLst/>
-          </a:prstGeom>
-        </p:spPr>
-        <p:txBody>
-          <a:bodyPr wrap="square">
-            <a:spAutoFit/>
-          </a:bodyPr>
-          <a:lstStyle/>
-          <a:p>
-            <a:pPr algn="ctr"/>
-            <a:r>
-              <a:rPr lang="en-US" sz="1100" dirty="0">
-                <a:solidFill>
-                  <a:schemeClr val="bg1"/>
-                </a:solidFill>
-                <a:latin typeface="bebas"/>
-              </a:rPr>
-              <a:t>Aero Flights</a:t>
-            </a:r>
-            <a:endParaRPr lang="en-US" sz="1100" dirty="0">
-              <a:solidFill>
-                <a:schemeClr val="bg1"/>
-              </a:solidFill>
-            </a:endParaRPr>
-          </a:p>
-        </p:txBody>
-      </p:sp>
-      <p:pic>
-        <p:nvPicPr>
-          <p:cNvPr id="16" name="Picture 15"/>
-          <p:cNvPicPr>
-            <a:picLocks noChangeAspect="1"/>
-          </p:cNvPicPr>
-          <p:nvPr/>
-        </p:nvPicPr>
-        <p:blipFill>
-          <a:blip r:embed="rId8"/>
-          <a:stretch>
-            <a:fillRect/>
-          </a:stretch>
-        </p:blipFill>
-        <p:spPr>
-          <a:xfrm>
-            <a:off x="6173076" y="3972810"/>
-            <a:ext cx="287483" cy="279713"/>
-          </a:xfrm>
-          <a:prstGeom prst="rect">
-            <a:avLst/>
-          </a:prstGeom>
-        </p:spPr>
-      </p:pic>
-      <p:sp>
-        <p:nvSpPr>
-          <p:cNvPr id="18" name="Rectangle 17"/>
-          <p:cNvSpPr/>
-          <p:nvPr/>
-        </p:nvSpPr>
-        <p:spPr>
-          <a:xfrm>
-            <a:off x="8656294" y="2514592"/>
-            <a:ext cx="1171978" cy="2201139"/>
-          </a:xfrm>
-          <a:prstGeom prst="rect">
-            <a:avLst/>
-          </a:prstGeom>
-        </p:spPr>
-        <p:style>
-          <a:lnRef idx="2">
-            <a:schemeClr val="accent1">
-              <a:shade val="50000"/>
-            </a:schemeClr>
-          </a:lnRef>
-          <a:fillRef idx="1">
-            <a:schemeClr val="accent1"/>
-          </a:fillRef>
-          <a:effectRef idx="0">
-            <a:schemeClr val="accent1"/>
-          </a:effectRef>
-          <a:fontRef idx="minor">
-            <a:schemeClr val="lt1"/>
-          </a:fontRef>
-        </p:style>
-        <p:txBody>
-          <a:bodyPr rtlCol="0" anchor="ctr"/>
-          <a:lstStyle/>
-          <a:p>
-            <a:pPr algn="ctr"/>
-            <a:r>
-              <a:rPr lang="en-US" dirty="0"/>
-              <a:t>Search</a:t>
-            </a:r>
-          </a:p>
-        </p:txBody>
-      </p:sp>
-      <p:sp>
-        <p:nvSpPr>
-          <p:cNvPr id="19" name="Rectangle 18"/>
-          <p:cNvSpPr/>
-          <p:nvPr/>
-        </p:nvSpPr>
-        <p:spPr>
-          <a:xfrm>
-            <a:off x="10010267" y="2527902"/>
-            <a:ext cx="1171978" cy="2201139"/>
-          </a:xfrm>
-          <a:prstGeom prst="rect">
-            <a:avLst/>
-          </a:prstGeom>
-        </p:spPr>
-        <p:style>
-          <a:lnRef idx="2">
-            <a:schemeClr val="accent1">
-              <a:shade val="50000"/>
-            </a:schemeClr>
-          </a:lnRef>
-          <a:fillRef idx="1">
-            <a:schemeClr val="accent1"/>
-          </a:fillRef>
-          <a:effectRef idx="0">
-            <a:schemeClr val="accent1"/>
-          </a:effectRef>
-          <a:fontRef idx="minor">
-            <a:schemeClr val="lt1"/>
-          </a:fontRef>
-        </p:style>
-        <p:txBody>
-          <a:bodyPr rtlCol="0" anchor="ctr"/>
-          <a:lstStyle/>
-          <a:p>
-            <a:pPr algn="ctr"/>
-            <a:r>
-              <a:rPr lang="en-US" dirty="0"/>
-              <a:t>Flight</a:t>
-            </a:r>
-          </a:p>
-        </p:txBody>
-      </p:sp>
-      <p:pic>
-        <p:nvPicPr>
-          <p:cNvPr id="4" name="Picture 3">
-            <a:extLst>
-              <a:ext uri="{FF2B5EF4-FFF2-40B4-BE49-F238E27FC236}">
-                <a16:creationId xmlns:a16="http://schemas.microsoft.com/office/drawing/2014/main" id="{105A300E-6CA6-437C-8C3F-2D6963D79B65}"/>
-              </a:ext>
-            </a:extLst>
-          </p:cNvPr>
-          <p:cNvPicPr>
-            <a:picLocks noChangeAspect="1"/>
-          </p:cNvPicPr>
-          <p:nvPr/>
-        </p:nvPicPr>
-        <p:blipFill>
-          <a:blip r:embed="rId9"/>
-          <a:stretch>
-            <a:fillRect/>
-          </a:stretch>
-        </p:blipFill>
-        <p:spPr>
-          <a:xfrm>
-            <a:off x="7276488" y="2432083"/>
-            <a:ext cx="1331471" cy="2326111"/>
-          </a:xfrm>
-          <a:prstGeom prst="rect">
-            <a:avLst/>
-          </a:prstGeom>
-        </p:spPr>
-      </p:pic>
-      <p:pic>
-        <p:nvPicPr>
-          <p:cNvPr id="7" name="Picture 6">
-            <a:extLst>
-              <a:ext uri="{FF2B5EF4-FFF2-40B4-BE49-F238E27FC236}">
-                <a16:creationId xmlns:a16="http://schemas.microsoft.com/office/drawing/2014/main" id="{BC0B33AA-1C1C-47F2-8BA7-E478997BB32C}"/>
-              </a:ext>
-            </a:extLst>
-          </p:cNvPr>
-          <p:cNvPicPr>
-            <a:picLocks noChangeAspect="1"/>
-          </p:cNvPicPr>
-          <p:nvPr/>
-        </p:nvPicPr>
-        <p:blipFill>
-          <a:blip r:embed="rId10"/>
-          <a:stretch>
-            <a:fillRect/>
-          </a:stretch>
-        </p:blipFill>
-        <p:spPr>
-          <a:xfrm>
-            <a:off x="10010267" y="2527902"/>
-            <a:ext cx="1297630" cy="2269836"/>
-          </a:xfrm>
-          <a:prstGeom prst="rect">
-            <a:avLst/>
-          </a:prstGeom>
-        </p:spPr>
-      </p:pic>
-      <p:pic>
-        <p:nvPicPr>
-          <p:cNvPr id="10" name="Picture 9">
-            <a:extLst>
-              <a:ext uri="{FF2B5EF4-FFF2-40B4-BE49-F238E27FC236}">
-                <a16:creationId xmlns:a16="http://schemas.microsoft.com/office/drawing/2014/main" id="{A7D7AD5D-161B-4EAC-9850-578BA68AB305}"/>
-              </a:ext>
-            </a:extLst>
-          </p:cNvPr>
-          <p:cNvPicPr>
-            <a:picLocks noChangeAspect="1"/>
-          </p:cNvPicPr>
-          <p:nvPr/>
-        </p:nvPicPr>
-        <p:blipFill>
-          <a:blip r:embed="rId11"/>
-          <a:stretch>
-            <a:fillRect/>
-          </a:stretch>
-        </p:blipFill>
-        <p:spPr>
-          <a:xfrm>
-            <a:off x="8644286" y="2467787"/>
-            <a:ext cx="1240329" cy="2308612"/>
-          </a:xfrm>
-          <a:prstGeom prst="rect">
-            <a:avLst/>
-          </a:prstGeom>
-        </p:spPr>
-      </p:pic>
-      <p:pic>
-        <p:nvPicPr>
-          <p:cNvPr id="17" name="Picture 16">
-            <a:extLst>
-              <a:ext uri="{FF2B5EF4-FFF2-40B4-BE49-F238E27FC236}">
-                <a16:creationId xmlns:a16="http://schemas.microsoft.com/office/drawing/2014/main" id="{E96F4988-CC9E-45F3-BEF9-F3092721032C}"/>
-              </a:ext>
-            </a:extLst>
-          </p:cNvPr>
-          <p:cNvPicPr>
-            <a:picLocks noChangeAspect="1"/>
-          </p:cNvPicPr>
-          <p:nvPr/>
-        </p:nvPicPr>
-        <p:blipFill>
-          <a:blip r:embed="rId12"/>
-          <a:stretch>
-            <a:fillRect/>
-          </a:stretch>
-        </p:blipFill>
-        <p:spPr>
-          <a:xfrm>
-            <a:off x="2314635" y="4112666"/>
-            <a:ext cx="896612" cy="173209"/>
-          </a:xfrm>
-          <a:prstGeom prst="rect">
-            <a:avLst/>
-          </a:prstGeom>
-        </p:spPr>
-      </p:pic>
-      <p:pic>
-        <p:nvPicPr>
-          <p:cNvPr id="20" name="Picture 19">
-            <a:extLst>
-              <a:ext uri="{FF2B5EF4-FFF2-40B4-BE49-F238E27FC236}">
-                <a16:creationId xmlns:a16="http://schemas.microsoft.com/office/drawing/2014/main" id="{260A1802-B775-4078-8DE0-FC9D60F5CA11}"/>
-              </a:ext>
-            </a:extLst>
-          </p:cNvPr>
-          <p:cNvPicPr>
-            <a:picLocks noChangeAspect="1"/>
-          </p:cNvPicPr>
-          <p:nvPr/>
-        </p:nvPicPr>
-        <p:blipFill>
-          <a:blip r:embed="rId13"/>
-          <a:stretch>
-            <a:fillRect/>
-          </a:stretch>
-        </p:blipFill>
-        <p:spPr>
-          <a:xfrm>
-            <a:off x="2307385" y="4319140"/>
-            <a:ext cx="899624" cy="168202"/>
-          </a:xfrm>
-          <a:prstGeom prst="rect">
-            <a:avLst/>
-          </a:prstGeom>
-        </p:spPr>
-      </p:pic>
-    </p:spTree>
-    <p:extLst>
-      <p:ext uri="{BB962C8B-B14F-4D97-AF65-F5344CB8AC3E}">
-        <p14:creationId xmlns:p14="http://schemas.microsoft.com/office/powerpoint/2010/main" val="1497556856"/>
-      </p:ext>
-    </p:extLst>
-  </p:cSld>
-  <p:clrMapOvr>
-    <a:masterClrMapping/>
-  </p:clrMapOvr>
-</p:sld>
-</file>
-
-<file path=ppt/slides/slide4.xml><?xml version="1.0" encoding="utf-8"?>
-<p:sld xmlns:a="http://schemas.openxmlformats.org/drawingml/2006/main" xmlns:r="http://schemas.openxmlformats.org/officeDocument/2006/relationships" xmlns:p="http://schemas.openxmlformats.org/presentationml/2006/main">
-  <p:cSld>
-    <p:spTree>
-      <p:nvGrpSpPr>
-        <p:cNvPr id="1" name=""/>
-        <p:cNvGrpSpPr/>
-        <p:nvPr/>
-      </p:nvGrpSpPr>
-      <p:grpSpPr>
-        <a:xfrm>
-          <a:off x="0" y="0"/>
-          <a:ext cx="0" cy="0"/>
-          <a:chOff x="0" y="0"/>
-          <a:chExt cx="0" cy="0"/>
-        </a:xfrm>
-      </p:grpSpPr>
-      <p:sp>
-        <p:nvSpPr>
-          <p:cNvPr id="2" name="Rectangle 1">
-            <a:extLst>
-              <a:ext uri="{FF2B5EF4-FFF2-40B4-BE49-F238E27FC236}">
-                <a16:creationId xmlns:a16="http://schemas.microsoft.com/office/drawing/2014/main" id="{A626BE00-405A-4B10-AE3D-72CC571AE9B0}"/>
-              </a:ext>
-            </a:extLst>
-          </p:cNvPr>
-          <p:cNvSpPr/>
-          <p:nvPr/>
-        </p:nvSpPr>
-        <p:spPr>
-          <a:xfrm>
-            <a:off x="0" y="109057"/>
-            <a:ext cx="4093827" cy="1073791"/>
-          </a:xfrm>
-          <a:prstGeom prst="rect">
-            <a:avLst/>
-          </a:prstGeom>
-          <a:ln>
-            <a:solidFill>
-              <a:schemeClr val="bg1"/>
-            </a:solidFill>
-          </a:ln>
-        </p:spPr>
-        <p:style>
-          <a:lnRef idx="2">
-            <a:schemeClr val="accent1">
-              <a:shade val="50000"/>
-            </a:schemeClr>
-          </a:lnRef>
-          <a:fillRef idx="1">
-            <a:schemeClr val="accent1"/>
-          </a:fillRef>
-          <a:effectRef idx="0">
-            <a:schemeClr val="accent1"/>
-          </a:effectRef>
-          <a:fontRef idx="minor">
-            <a:schemeClr val="lt1"/>
-          </a:fontRef>
-        </p:style>
-        <p:txBody>
-          <a:bodyPr rtlCol="0" anchor="ctr"/>
-          <a:lstStyle/>
-          <a:p>
-            <a:pPr algn="ctr"/>
-            <a:r>
-              <a:rPr lang="en-US" sz="3600" spc="-60" dirty="0">
-                <a:solidFill>
-                  <a:srgbClr val="FFFFFF"/>
-                </a:solidFill>
-                <a:latin typeface="+mj-lt"/>
-                <a:ea typeface="+mj-ea"/>
-                <a:cs typeface="+mj-cs"/>
-              </a:rPr>
-              <a:t>Launch</a:t>
-            </a:r>
-          </a:p>
-        </p:txBody>
-      </p:sp>
-      <p:pic>
-        <p:nvPicPr>
-          <p:cNvPr id="3" name="Picture 2" descr="Image"/>
-          <p:cNvPicPr>
-            <a:picLocks noChangeAspect="1" noChangeArrowheads="1"/>
-          </p:cNvPicPr>
-          <p:nvPr/>
-        </p:nvPicPr>
-        <p:blipFill>
-          <a:blip r:embed="rId2">
-            <a:extLst>
-              <a:ext uri="{28A0092B-C50C-407E-A947-70E740481C1C}">
-                <a14:useLocalDpi xmlns:a14="http://schemas.microsoft.com/office/drawing/2010/main" val="0"/>
-              </a:ext>
-            </a:extLst>
-          </a:blip>
-          <a:srcRect/>
-          <a:stretch>
-            <a:fillRect/>
-          </a:stretch>
-        </p:blipFill>
-        <p:spPr bwMode="auto">
-          <a:xfrm>
-            <a:off x="564715" y="1433226"/>
-            <a:ext cx="2901815" cy="5147932"/>
-          </a:xfrm>
-          <a:prstGeom prst="rect">
-            <a:avLst/>
-          </a:prstGeom>
-          <a:noFill/>
-          <a:extLst>
-            <a:ext uri="{909E8E84-426E-40DD-AFC4-6F175D3DCCD1}">
-              <a14:hiddenFill xmlns:a14="http://schemas.microsoft.com/office/drawing/2010/main">
-                <a:solidFill>
-                  <a:srgbClr val="FFFFFF"/>
-                </a:solidFill>
-              </a14:hiddenFill>
-            </a:ext>
-          </a:extLst>
-        </p:spPr>
-      </p:pic>
-      <p:pic>
-        <p:nvPicPr>
-          <p:cNvPr id="4" name="Picture 3"/>
-          <p:cNvPicPr>
-            <a:picLocks noChangeAspect="1"/>
-          </p:cNvPicPr>
-          <p:nvPr/>
-        </p:nvPicPr>
-        <p:blipFill>
-          <a:blip r:embed="rId3">
-            <a:extLst>
-              <a:ext uri="{28A0092B-C50C-407E-A947-70E740481C1C}">
-                <a14:useLocalDpi xmlns:a14="http://schemas.microsoft.com/office/drawing/2010/main" val="0"/>
-              </a:ext>
-            </a:extLst>
-          </a:blip>
-          <a:stretch>
-            <a:fillRect/>
-          </a:stretch>
-        </p:blipFill>
-        <p:spPr>
-          <a:xfrm>
-            <a:off x="1495269" y="3066718"/>
-            <a:ext cx="1103288" cy="981925"/>
-          </a:xfrm>
-          <a:prstGeom prst="rect">
-            <a:avLst/>
-          </a:prstGeom>
-        </p:spPr>
-      </p:pic>
-      <p:sp>
-        <p:nvSpPr>
-          <p:cNvPr id="5" name="Rectangle 4"/>
-          <p:cNvSpPr/>
-          <p:nvPr/>
-        </p:nvSpPr>
-        <p:spPr>
-          <a:xfrm>
-            <a:off x="595995" y="5682134"/>
-            <a:ext cx="2839254" cy="369332"/>
-          </a:xfrm>
-          <a:prstGeom prst="rect">
-            <a:avLst/>
-          </a:prstGeom>
-        </p:spPr>
-        <p:txBody>
-          <a:bodyPr wrap="square">
-            <a:spAutoFit/>
-          </a:bodyPr>
-          <a:lstStyle/>
-          <a:p>
-            <a:pPr algn="ctr"/>
-            <a:r>
-              <a:rPr lang="en-US" dirty="0">
-                <a:solidFill>
-                  <a:schemeClr val="bg1"/>
-                </a:solidFill>
-                <a:latin typeface="bebas"/>
-              </a:rPr>
-              <a:t>Aero Flights</a:t>
-            </a:r>
-            <a:endParaRPr lang="en-US" dirty="0">
-              <a:solidFill>
-                <a:schemeClr val="bg1"/>
-              </a:solidFill>
-            </a:endParaRPr>
+              <a:t>Favorites</a:t>
+            </a:r>
           </a:p>
         </p:txBody>
       </p:sp>
@@ -5737,14 +4885,22 @@
             </a:pPr>
             <a:r>
               <a:rPr lang="en-US" dirty="0"/>
-              <a:t> Launch Page of our app showcasing custom-made logo in the middle and name at the bottom.</a:t>
-            </a:r>
-          </a:p>
-        </p:txBody>
-      </p:sp>
-      <p:sp>
-        <p:nvSpPr>
-          <p:cNvPr id="8" name="Rectangle 7"/>
+              <a:t> View and Add your favorite flights with their corresponding price to your favorites list. Click on </a:t>
+            </a:r>
+            <a:r>
+              <a:rPr lang="en-US" i="1" dirty="0"/>
+              <a:t>more details </a:t>
+            </a:r>
+            <a:r>
+              <a:rPr lang="en-US" dirty="0"/>
+              <a:t>to find out more information on that flight.</a:t>
+            </a:r>
+          </a:p>
+        </p:txBody>
+      </p:sp>
+      <p:sp>
+        <p:nvSpPr>
+          <p:cNvPr id="7" name="Rectangle 6"/>
           <p:cNvSpPr/>
           <p:nvPr/>
         </p:nvSpPr>
@@ -5799,7 +4955,7 @@
     </p:spTree>
     <p:extLst>
       <p:ext uri="{BB962C8B-B14F-4D97-AF65-F5344CB8AC3E}">
-        <p14:creationId xmlns:p14="http://schemas.microsoft.com/office/powerpoint/2010/main" val="555553828"/>
+        <p14:creationId xmlns:p14="http://schemas.microsoft.com/office/powerpoint/2010/main" val="3202117995"/>
       </p:ext>
     </p:extLst>
   </p:cSld>
@@ -5809,7 +4965,7 @@
 </p:sld>
 </file>
 
-<file path=ppt/slides/slide5.xml><?xml version="1.0" encoding="utf-8"?>
+<file path=ppt/slides/slide12.xml><?xml version="1.0" encoding="utf-8"?>
 <p:sld xmlns:a="http://schemas.openxmlformats.org/drawingml/2006/main" xmlns:r="http://schemas.openxmlformats.org/officeDocument/2006/relationships" xmlns:p="http://schemas.openxmlformats.org/presentationml/2006/main">
   <p:cSld>
     <p:spTree>
@@ -5826,12 +4982,42 @@
           <a:chExt cx="0" cy="0"/>
         </a:xfrm>
       </p:grpSpPr>
-      <p:sp>
-        <p:nvSpPr>
-          <p:cNvPr id="2" name="Rectangle 1">
+      <p:pic>
+        <p:nvPicPr>
+          <p:cNvPr id="3" name="Picture 2">
             <a:extLst>
               <a:ext uri="{FF2B5EF4-FFF2-40B4-BE49-F238E27FC236}">
-                <a16:creationId xmlns:a16="http://schemas.microsoft.com/office/drawing/2014/main" id="{A626BE00-405A-4B10-AE3D-72CC571AE9B0}"/>
+                <a16:creationId xmlns:a16="http://schemas.microsoft.com/office/drawing/2014/main" id="{E52EF390-DD06-03DD-0BD8-6F44A70D5463}"/>
+              </a:ext>
+            </a:extLst>
+          </p:cNvPr>
+          <p:cNvPicPr>
+            <a:picLocks noChangeAspect="1"/>
+          </p:cNvPicPr>
+          <p:nvPr/>
+        </p:nvPicPr>
+        <p:blipFill>
+          <a:blip r:embed="rId2"/>
+          <a:stretch>
+            <a:fillRect/>
+          </a:stretch>
+        </p:blipFill>
+        <p:spPr>
+          <a:xfrm>
+            <a:off x="293148" y="1530220"/>
+            <a:ext cx="2719016" cy="4991878"/>
+          </a:xfrm>
+          <a:prstGeom prst="rect">
+            <a:avLst/>
+          </a:prstGeom>
+        </p:spPr>
+      </p:pic>
+      <p:sp>
+        <p:nvSpPr>
+          <p:cNvPr id="4" name="Rectangle 3">
+            <a:extLst>
+              <a:ext uri="{FF2B5EF4-FFF2-40B4-BE49-F238E27FC236}">
+                <a16:creationId xmlns:a16="http://schemas.microsoft.com/office/drawing/2014/main" id="{4FE56A71-558A-14A2-D451-5F04130FB961}"/>
               </a:ext>
             </a:extLst>
           </p:cNvPr>
@@ -5882,8 +5068,1372 @@
                 <a:ea typeface="+mj-ea"/>
                 <a:cs typeface="+mj-cs"/>
               </a:rPr>
-              <a:t>Login</a:t>
-            </a:r>
+              <a:t>Search Bar</a:t>
+            </a:r>
+          </a:p>
+        </p:txBody>
+      </p:sp>
+      <p:sp>
+        <p:nvSpPr>
+          <p:cNvPr id="6" name="TextBox 5">
+            <a:extLst>
+              <a:ext uri="{FF2B5EF4-FFF2-40B4-BE49-F238E27FC236}">
+                <a16:creationId xmlns:a16="http://schemas.microsoft.com/office/drawing/2014/main" id="{7DC632F1-DAC9-3762-B0D5-5EB1F45A30D9}"/>
+              </a:ext>
+            </a:extLst>
+          </p:cNvPr>
+          <p:cNvSpPr txBox="1"/>
+          <p:nvPr/>
+        </p:nvSpPr>
+        <p:spPr>
+          <a:xfrm>
+            <a:off x="4356285" y="2413597"/>
+            <a:ext cx="6097554" cy="880369"/>
+          </a:xfrm>
+          <a:prstGeom prst="rect">
+            <a:avLst/>
+          </a:prstGeom>
+          <a:noFill/>
+        </p:spPr>
+        <p:txBody>
+          <a:bodyPr wrap="square">
+            <a:spAutoFit/>
+          </a:bodyPr>
+          <a:lstStyle/>
+          <a:p>
+            <a:pPr>
+              <a:lnSpc>
+                <a:spcPct val="150000"/>
+              </a:lnSpc>
+              <a:buFont typeface="Wingdings" panose="05000000000000000000" pitchFamily="2" charset="2"/>
+              <a:buChar char="Ø"/>
+            </a:pPr>
+            <a:r>
+              <a:rPr lang="en-US" dirty="0"/>
+              <a:t> In the search page, you will be able to search for a specific flight based on the destination, arrival, price, etc.</a:t>
+            </a:r>
+          </a:p>
+        </p:txBody>
+      </p:sp>
+      <p:pic>
+        <p:nvPicPr>
+          <p:cNvPr id="10" name="Picture 9" descr="Background pattern&#10;&#10;Description automatically generated">
+            <a:extLst>
+              <a:ext uri="{FF2B5EF4-FFF2-40B4-BE49-F238E27FC236}">
+                <a16:creationId xmlns:a16="http://schemas.microsoft.com/office/drawing/2014/main" id="{E8820601-D60A-B3F6-2650-791F12E3A475}"/>
+              </a:ext>
+            </a:extLst>
+          </p:cNvPr>
+          <p:cNvPicPr>
+            <a:picLocks noChangeAspect="1"/>
+          </p:cNvPicPr>
+          <p:nvPr/>
+        </p:nvPicPr>
+        <p:blipFill rotWithShape="1">
+          <a:blip r:embed="rId3"/>
+          <a:srcRect l="8405" t="36506" r="8607" b="35591"/>
+          <a:stretch/>
+        </p:blipFill>
+        <p:spPr>
+          <a:xfrm>
+            <a:off x="481762" y="2461682"/>
+            <a:ext cx="2382736" cy="464871"/>
+          </a:xfrm>
+          <a:prstGeom prst="rect">
+            <a:avLst/>
+          </a:prstGeom>
+        </p:spPr>
+      </p:pic>
+      <p:pic>
+        <p:nvPicPr>
+          <p:cNvPr id="12" name="Picture 11">
+            <a:extLst>
+              <a:ext uri="{FF2B5EF4-FFF2-40B4-BE49-F238E27FC236}">
+                <a16:creationId xmlns:a16="http://schemas.microsoft.com/office/drawing/2014/main" id="{CBD1B3C5-7D2D-08E0-B846-02C176112B31}"/>
+              </a:ext>
+            </a:extLst>
+          </p:cNvPr>
+          <p:cNvPicPr>
+            <a:picLocks noChangeAspect="1"/>
+          </p:cNvPicPr>
+          <p:nvPr/>
+        </p:nvPicPr>
+        <p:blipFill>
+          <a:blip r:embed="rId4"/>
+          <a:stretch>
+            <a:fillRect/>
+          </a:stretch>
+        </p:blipFill>
+        <p:spPr>
+          <a:xfrm>
+            <a:off x="481762" y="3041490"/>
+            <a:ext cx="2286319" cy="2753109"/>
+          </a:xfrm>
+          <a:prstGeom prst="rect">
+            <a:avLst/>
+          </a:prstGeom>
+        </p:spPr>
+      </p:pic>
+    </p:spTree>
+    <p:extLst>
+      <p:ext uri="{BB962C8B-B14F-4D97-AF65-F5344CB8AC3E}">
+        <p14:creationId xmlns:p14="http://schemas.microsoft.com/office/powerpoint/2010/main" val="3867775663"/>
+      </p:ext>
+    </p:extLst>
+  </p:cSld>
+  <p:clrMapOvr>
+    <a:masterClrMapping/>
+  </p:clrMapOvr>
+</p:sld>
+</file>
+
+<file path=ppt/slides/slide13.xml><?xml version="1.0" encoding="utf-8"?>
+<p:sld xmlns:a="http://schemas.openxmlformats.org/drawingml/2006/main" xmlns:r="http://schemas.openxmlformats.org/officeDocument/2006/relationships" xmlns:p="http://schemas.openxmlformats.org/presentationml/2006/main">
+  <p:cSld>
+    <p:spTree>
+      <p:nvGrpSpPr>
+        <p:cNvPr id="1" name=""/>
+        <p:cNvGrpSpPr/>
+        <p:nvPr/>
+      </p:nvGrpSpPr>
+      <p:grpSpPr>
+        <a:xfrm>
+          <a:off x="0" y="0"/>
+          <a:ext cx="0" cy="0"/>
+          <a:chOff x="0" y="0"/>
+          <a:chExt cx="0" cy="0"/>
+        </a:xfrm>
+      </p:grpSpPr>
+      <p:pic>
+        <p:nvPicPr>
+          <p:cNvPr id="7" name="Picture 6">
+            <a:extLst>
+              <a:ext uri="{FF2B5EF4-FFF2-40B4-BE49-F238E27FC236}">
+                <a16:creationId xmlns:a16="http://schemas.microsoft.com/office/drawing/2014/main" id="{C121868B-4562-4FC2-B39B-D63C67E73A55}"/>
+              </a:ext>
+            </a:extLst>
+          </p:cNvPr>
+          <p:cNvPicPr>
+            <a:picLocks noChangeAspect="1"/>
+          </p:cNvPicPr>
+          <p:nvPr/>
+        </p:nvPicPr>
+        <p:blipFill>
+          <a:blip r:embed="rId2"/>
+          <a:stretch>
+            <a:fillRect/>
+          </a:stretch>
+        </p:blipFill>
+        <p:spPr>
+          <a:xfrm>
+            <a:off x="293148" y="1530220"/>
+            <a:ext cx="2748235" cy="4991878"/>
+          </a:xfrm>
+          <a:prstGeom prst="rect">
+            <a:avLst/>
+          </a:prstGeom>
+        </p:spPr>
+      </p:pic>
+      <p:sp>
+        <p:nvSpPr>
+          <p:cNvPr id="4" name="Rectangle 3">
+            <a:extLst>
+              <a:ext uri="{FF2B5EF4-FFF2-40B4-BE49-F238E27FC236}">
+                <a16:creationId xmlns:a16="http://schemas.microsoft.com/office/drawing/2014/main" id="{4FE56A71-558A-14A2-D451-5F04130FB961}"/>
+              </a:ext>
+            </a:extLst>
+          </p:cNvPr>
+          <p:cNvSpPr/>
+          <p:nvPr/>
+        </p:nvSpPr>
+        <p:spPr>
+          <a:xfrm>
+            <a:off x="0" y="0"/>
+            <a:ext cx="4093827" cy="1073791"/>
+          </a:xfrm>
+          <a:prstGeom prst="rect">
+            <a:avLst/>
+          </a:prstGeom>
+          <a:ln>
+            <a:solidFill>
+              <a:schemeClr val="bg1"/>
+            </a:solidFill>
+          </a:ln>
+        </p:spPr>
+        <p:style>
+          <a:lnRef idx="2">
+            <a:schemeClr val="accent1">
+              <a:shade val="50000"/>
+            </a:schemeClr>
+          </a:lnRef>
+          <a:fillRef idx="1">
+            <a:schemeClr val="accent1"/>
+          </a:fillRef>
+          <a:effectRef idx="0">
+            <a:schemeClr val="accent1"/>
+          </a:effectRef>
+          <a:fontRef idx="minor">
+            <a:schemeClr val="lt1"/>
+          </a:fontRef>
+        </p:style>
+        <p:txBody>
+          <a:bodyPr rtlCol="0" anchor="ctr"/>
+          <a:lstStyle/>
+          <a:p>
+            <a:pPr algn="ctr"/>
+            <a:r>
+              <a:rPr lang="en-US" sz="3600" spc="-60" dirty="0">
+                <a:solidFill>
+                  <a:srgbClr val="FFFFFF"/>
+                </a:solidFill>
+                <a:latin typeface="+mj-lt"/>
+                <a:ea typeface="+mj-ea"/>
+                <a:cs typeface="+mj-cs"/>
+              </a:rPr>
+              <a:t>Map</a:t>
+            </a:r>
+          </a:p>
+        </p:txBody>
+      </p:sp>
+      <p:sp>
+        <p:nvSpPr>
+          <p:cNvPr id="6" name="TextBox 5">
+            <a:extLst>
+              <a:ext uri="{FF2B5EF4-FFF2-40B4-BE49-F238E27FC236}">
+                <a16:creationId xmlns:a16="http://schemas.microsoft.com/office/drawing/2014/main" id="{7DC632F1-DAC9-3762-B0D5-5EB1F45A30D9}"/>
+              </a:ext>
+            </a:extLst>
+          </p:cNvPr>
+          <p:cNvSpPr txBox="1"/>
+          <p:nvPr/>
+        </p:nvSpPr>
+        <p:spPr>
+          <a:xfrm>
+            <a:off x="4356285" y="2413597"/>
+            <a:ext cx="6097554" cy="880369"/>
+          </a:xfrm>
+          <a:prstGeom prst="rect">
+            <a:avLst/>
+          </a:prstGeom>
+          <a:noFill/>
+        </p:spPr>
+        <p:txBody>
+          <a:bodyPr wrap="square">
+            <a:spAutoFit/>
+          </a:bodyPr>
+          <a:lstStyle/>
+          <a:p>
+            <a:pPr>
+              <a:lnSpc>
+                <a:spcPct val="150000"/>
+              </a:lnSpc>
+              <a:buFont typeface="Wingdings" panose="05000000000000000000" pitchFamily="2" charset="2"/>
+              <a:buChar char="Ø"/>
+            </a:pPr>
+            <a:r>
+              <a:rPr lang="en-US" dirty="0"/>
+              <a:t> In this page, you will be able to see all of the current flights on an Area as well as the flight path, departure and arrival.</a:t>
+            </a:r>
+          </a:p>
+        </p:txBody>
+      </p:sp>
+      <p:pic>
+        <p:nvPicPr>
+          <p:cNvPr id="5" name="Picture 4">
+            <a:extLst>
+              <a:ext uri="{FF2B5EF4-FFF2-40B4-BE49-F238E27FC236}">
+                <a16:creationId xmlns:a16="http://schemas.microsoft.com/office/drawing/2014/main" id="{6B180564-6864-4385-8006-A6725EFC277A}"/>
+              </a:ext>
+            </a:extLst>
+          </p:cNvPr>
+          <p:cNvPicPr>
+            <a:picLocks noChangeAspect="1"/>
+          </p:cNvPicPr>
+          <p:nvPr/>
+        </p:nvPicPr>
+        <p:blipFill rotWithShape="1">
+          <a:blip r:embed="rId3"/>
+          <a:srcRect l="306" r="47855"/>
+          <a:stretch/>
+        </p:blipFill>
+        <p:spPr>
+          <a:xfrm>
+            <a:off x="435006" y="2663302"/>
+            <a:ext cx="2441360" cy="3488564"/>
+          </a:xfrm>
+          <a:prstGeom prst="rect">
+            <a:avLst/>
+          </a:prstGeom>
+        </p:spPr>
+      </p:pic>
+    </p:spTree>
+    <p:extLst>
+      <p:ext uri="{BB962C8B-B14F-4D97-AF65-F5344CB8AC3E}">
+        <p14:creationId xmlns:p14="http://schemas.microsoft.com/office/powerpoint/2010/main" val="38289646"/>
+      </p:ext>
+    </p:extLst>
+  </p:cSld>
+  <p:clrMapOvr>
+    <a:masterClrMapping/>
+  </p:clrMapOvr>
+</p:sld>
+</file>
+
+<file path=ppt/slides/slide14.xml><?xml version="1.0" encoding="utf-8"?>
+<p:sld xmlns:a="http://schemas.openxmlformats.org/drawingml/2006/main" xmlns:r="http://schemas.openxmlformats.org/officeDocument/2006/relationships" xmlns:p="http://schemas.openxmlformats.org/presentationml/2006/main">
+  <p:cSld>
+    <p:spTree>
+      <p:nvGrpSpPr>
+        <p:cNvPr id="1" name=""/>
+        <p:cNvGrpSpPr/>
+        <p:nvPr/>
+      </p:nvGrpSpPr>
+      <p:grpSpPr>
+        <a:xfrm>
+          <a:off x="0" y="0"/>
+          <a:ext cx="0" cy="0"/>
+          <a:chOff x="0" y="0"/>
+          <a:chExt cx="0" cy="0"/>
+        </a:xfrm>
+      </p:grpSpPr>
+      <p:sp>
+        <p:nvSpPr>
+          <p:cNvPr id="2" name="Title 1"/>
+          <p:cNvSpPr>
+            <a:spLocks noGrp="1"/>
+          </p:cNvSpPr>
+          <p:nvPr>
+            <p:ph type="title"/>
+          </p:nvPr>
+        </p:nvSpPr>
+        <p:spPr/>
+        <p:txBody>
+          <a:bodyPr/>
+          <a:lstStyle/>
+          <a:p>
+            <a:r>
+              <a:rPr lang="en-US" dirty="0"/>
+              <a:t>Additional Information</a:t>
+            </a:r>
+          </a:p>
+        </p:txBody>
+      </p:sp>
+      <p:sp>
+        <p:nvSpPr>
+          <p:cNvPr id="3" name="Content Placeholder 2"/>
+          <p:cNvSpPr>
+            <a:spLocks noGrp="1"/>
+          </p:cNvSpPr>
+          <p:nvPr>
+            <p:ph idx="1"/>
+          </p:nvPr>
+        </p:nvSpPr>
+        <p:spPr/>
+        <p:txBody>
+          <a:bodyPr/>
+          <a:lstStyle/>
+          <a:p>
+            <a:r>
+              <a:rPr lang="en-US" dirty="0"/>
+              <a:t>Number of Screen Flows: 9</a:t>
+            </a:r>
+          </a:p>
+          <a:p>
+            <a:r>
+              <a:rPr lang="en-US" dirty="0"/>
+              <a:t>Chosen Database: Firebase</a:t>
+            </a:r>
+          </a:p>
+          <a:p>
+            <a:r>
+              <a:rPr lang="en-US" dirty="0" err="1"/>
+              <a:t>GitHub</a:t>
+            </a:r>
+            <a:r>
+              <a:rPr lang="en-US" dirty="0"/>
+              <a:t> Link: </a:t>
+            </a:r>
+            <a:r>
+              <a:rPr lang="en-US" dirty="0">
+                <a:hlinkClick r:id="rId2"/>
+              </a:rPr>
+              <a:t>Project Aero Flights</a:t>
+            </a:r>
+            <a:endParaRPr lang="en-US" dirty="0"/>
+          </a:p>
+        </p:txBody>
+      </p:sp>
+    </p:spTree>
+    <p:extLst>
+      <p:ext uri="{BB962C8B-B14F-4D97-AF65-F5344CB8AC3E}">
+        <p14:creationId xmlns:p14="http://schemas.microsoft.com/office/powerpoint/2010/main" val="3539673659"/>
+      </p:ext>
+    </p:extLst>
+  </p:cSld>
+  <p:clrMapOvr>
+    <a:masterClrMapping/>
+  </p:clrMapOvr>
+</p:sld>
+</file>
+
+<file path=ppt/slides/slide2.xml><?xml version="1.0" encoding="utf-8"?>
+<p:sld xmlns:a="http://schemas.openxmlformats.org/drawingml/2006/main" xmlns:r="http://schemas.openxmlformats.org/officeDocument/2006/relationships" xmlns:p="http://schemas.openxmlformats.org/presentationml/2006/main">
+  <p:cSld>
+    <p:spTree>
+      <p:nvGrpSpPr>
+        <p:cNvPr id="1" name=""/>
+        <p:cNvGrpSpPr/>
+        <p:nvPr/>
+      </p:nvGrpSpPr>
+      <p:grpSpPr>
+        <a:xfrm>
+          <a:off x="0" y="0"/>
+          <a:ext cx="0" cy="0"/>
+          <a:chOff x="0" y="0"/>
+          <a:chExt cx="0" cy="0"/>
+        </a:xfrm>
+      </p:grpSpPr>
+      <p:sp>
+        <p:nvSpPr>
+          <p:cNvPr id="2" name="Title 1">
+            <a:extLst>
+              <a:ext uri="{FF2B5EF4-FFF2-40B4-BE49-F238E27FC236}">
+                <a16:creationId xmlns:a16="http://schemas.microsoft.com/office/drawing/2014/main" id="{C05A01AF-B615-45C0-94A3-E756C3674A53}"/>
+              </a:ext>
+            </a:extLst>
+          </p:cNvPr>
+          <p:cNvSpPr>
+            <a:spLocks noGrp="1"/>
+          </p:cNvSpPr>
+          <p:nvPr>
+            <p:ph type="title"/>
+          </p:nvPr>
+        </p:nvSpPr>
+        <p:spPr/>
+        <p:txBody>
+          <a:bodyPr/>
+          <a:lstStyle/>
+          <a:p>
+            <a:r>
+              <a:rPr lang="en-US" dirty="0"/>
+              <a:t>Description</a:t>
+            </a:r>
+          </a:p>
+        </p:txBody>
+      </p:sp>
+      <p:sp>
+        <p:nvSpPr>
+          <p:cNvPr id="3" name="Content Placeholder 2">
+            <a:extLst>
+              <a:ext uri="{FF2B5EF4-FFF2-40B4-BE49-F238E27FC236}">
+                <a16:creationId xmlns:a16="http://schemas.microsoft.com/office/drawing/2014/main" id="{2D710FC4-CFF3-45C7-B5A8-A478831D0001}"/>
+              </a:ext>
+            </a:extLst>
+          </p:cNvPr>
+          <p:cNvSpPr>
+            <a:spLocks noGrp="1"/>
+          </p:cNvSpPr>
+          <p:nvPr>
+            <p:ph idx="1"/>
+          </p:nvPr>
+        </p:nvSpPr>
+        <p:spPr/>
+        <p:txBody>
+          <a:bodyPr/>
+          <a:lstStyle/>
+          <a:p>
+            <a:pPr>
+              <a:buFont typeface="Wingdings" panose="05000000000000000000" pitchFamily="2" charset="2"/>
+              <a:buChar char="Ø"/>
+            </a:pPr>
+            <a:r>
+              <a:rPr lang="en-US" dirty="0"/>
+              <a:t> Our project is a mobile flight tracker application.</a:t>
+            </a:r>
+          </a:p>
+          <a:p>
+            <a:pPr marL="0" indent="0">
+              <a:buNone/>
+            </a:pPr>
+            <a:endParaRPr lang="en-US" dirty="0"/>
+          </a:p>
+          <a:p>
+            <a:pPr marL="0" indent="0">
+              <a:lnSpc>
+                <a:spcPct val="150000"/>
+              </a:lnSpc>
+              <a:buNone/>
+            </a:pPr>
+            <a:r>
+              <a:rPr lang="en-US" dirty="0"/>
+              <a:t>Key Features:</a:t>
+            </a:r>
+          </a:p>
+          <a:p>
+            <a:pPr lvl="1">
+              <a:lnSpc>
+                <a:spcPct val="200000"/>
+              </a:lnSpc>
+            </a:pPr>
+            <a:r>
+              <a:rPr lang="en-US" dirty="0"/>
+              <a:t>Track live flights on the map</a:t>
+            </a:r>
+          </a:p>
+          <a:p>
+            <a:pPr lvl="1">
+              <a:lnSpc>
+                <a:spcPct val="200000"/>
+              </a:lnSpc>
+            </a:pPr>
+            <a:r>
+              <a:rPr lang="en-US" dirty="0"/>
+              <a:t>View details and ticket prices</a:t>
+            </a:r>
+          </a:p>
+          <a:p>
+            <a:pPr lvl="1">
+              <a:lnSpc>
+                <a:spcPct val="200000"/>
+              </a:lnSpc>
+            </a:pPr>
+            <a:r>
+              <a:rPr lang="en-US" dirty="0"/>
+              <a:t>Book upcoming flights through the app</a:t>
+            </a:r>
+          </a:p>
+          <a:p>
+            <a:pPr lvl="1">
+              <a:lnSpc>
+                <a:spcPct val="200000"/>
+              </a:lnSpc>
+            </a:pPr>
+            <a:r>
+              <a:rPr lang="en-US" dirty="0"/>
+              <a:t>Search and Add your flights to your favorites</a:t>
+            </a:r>
+          </a:p>
+        </p:txBody>
+      </p:sp>
+    </p:spTree>
+    <p:extLst>
+      <p:ext uri="{BB962C8B-B14F-4D97-AF65-F5344CB8AC3E}">
+        <p14:creationId xmlns:p14="http://schemas.microsoft.com/office/powerpoint/2010/main" val="2960830441"/>
+      </p:ext>
+    </p:extLst>
+  </p:cSld>
+  <p:clrMapOvr>
+    <a:masterClrMapping/>
+  </p:clrMapOvr>
+</p:sld>
+</file>
+
+<file path=ppt/slides/slide3.xml><?xml version="1.0" encoding="utf-8"?>
+<p:sld xmlns:a="http://schemas.openxmlformats.org/drawingml/2006/main" xmlns:r="http://schemas.openxmlformats.org/officeDocument/2006/relationships" xmlns:p="http://schemas.openxmlformats.org/presentationml/2006/main">
+  <p:cSld>
+    <p:spTree>
+      <p:nvGrpSpPr>
+        <p:cNvPr id="1" name=""/>
+        <p:cNvGrpSpPr/>
+        <p:nvPr/>
+      </p:nvGrpSpPr>
+      <p:grpSpPr>
+        <a:xfrm>
+          <a:off x="0" y="0"/>
+          <a:ext cx="0" cy="0"/>
+          <a:chOff x="0" y="0"/>
+          <a:chExt cx="0" cy="0"/>
+        </a:xfrm>
+      </p:grpSpPr>
+      <p:sp>
+        <p:nvSpPr>
+          <p:cNvPr id="2" name="Rectangle 1">
+            <a:extLst>
+              <a:ext uri="{FF2B5EF4-FFF2-40B4-BE49-F238E27FC236}">
+                <a16:creationId xmlns:a16="http://schemas.microsoft.com/office/drawing/2014/main" id="{A626BE00-405A-4B10-AE3D-72CC571AE9B0}"/>
+              </a:ext>
+            </a:extLst>
+          </p:cNvPr>
+          <p:cNvSpPr/>
+          <p:nvPr/>
+        </p:nvSpPr>
+        <p:spPr>
+          <a:xfrm>
+            <a:off x="0" y="109057"/>
+            <a:ext cx="4093827" cy="1073791"/>
+          </a:xfrm>
+          <a:prstGeom prst="rect">
+            <a:avLst/>
+          </a:prstGeom>
+          <a:ln>
+            <a:solidFill>
+              <a:schemeClr val="bg1"/>
+            </a:solidFill>
+          </a:ln>
+        </p:spPr>
+        <p:style>
+          <a:lnRef idx="2">
+            <a:schemeClr val="accent1">
+              <a:shade val="50000"/>
+            </a:schemeClr>
+          </a:lnRef>
+          <a:fillRef idx="1">
+            <a:schemeClr val="accent1"/>
+          </a:fillRef>
+          <a:effectRef idx="0">
+            <a:schemeClr val="accent1"/>
+          </a:effectRef>
+          <a:fontRef idx="minor">
+            <a:schemeClr val="lt1"/>
+          </a:fontRef>
+        </p:style>
+        <p:txBody>
+          <a:bodyPr rtlCol="0" anchor="ctr"/>
+          <a:lstStyle/>
+          <a:p>
+            <a:pPr algn="ctr"/>
+            <a:r>
+              <a:rPr lang="en-US" sz="3600" spc="-60" dirty="0">
+                <a:solidFill>
+                  <a:srgbClr val="FFFFFF"/>
+                </a:solidFill>
+                <a:latin typeface="+mj-lt"/>
+                <a:ea typeface="+mj-ea"/>
+                <a:cs typeface="+mj-cs"/>
+              </a:rPr>
+              <a:t>Mock-up</a:t>
+            </a:r>
+          </a:p>
+        </p:txBody>
+      </p:sp>
+      <p:pic>
+        <p:nvPicPr>
+          <p:cNvPr id="1026" name="Picture 2" descr="Image"/>
+          <p:cNvPicPr>
+            <a:picLocks noChangeAspect="1" noChangeArrowheads="1"/>
+          </p:cNvPicPr>
+          <p:nvPr/>
+        </p:nvPicPr>
+        <p:blipFill>
+          <a:blip r:embed="rId2">
+            <a:extLst>
+              <a:ext uri="{28A0092B-C50C-407E-A947-70E740481C1C}">
+                <a14:useLocalDpi xmlns:a14="http://schemas.microsoft.com/office/drawing/2010/main" val="0"/>
+              </a:ext>
+            </a:extLst>
+          </a:blip>
+          <a:srcRect/>
+          <a:stretch>
+            <a:fillRect/>
+          </a:stretch>
+        </p:blipFill>
+        <p:spPr bwMode="auto">
+          <a:xfrm>
+            <a:off x="851319" y="2000449"/>
+            <a:ext cx="1259738" cy="2234824"/>
+          </a:xfrm>
+          <a:prstGeom prst="rect">
+            <a:avLst/>
+          </a:prstGeom>
+          <a:noFill/>
+          <a:extLst>
+            <a:ext uri="{909E8E84-426E-40DD-AFC4-6F175D3DCCD1}">
+              <a14:hiddenFill xmlns:a14="http://schemas.microsoft.com/office/drawing/2010/main">
+                <a:solidFill>
+                  <a:srgbClr val="FFFFFF"/>
+                </a:solidFill>
+              </a14:hiddenFill>
+            </a:ext>
+          </a:extLst>
+        </p:spPr>
+      </p:pic>
+      <p:pic>
+        <p:nvPicPr>
+          <p:cNvPr id="1032" name="Picture 8" descr="Image"/>
+          <p:cNvPicPr>
+            <a:picLocks noChangeAspect="1" noChangeArrowheads="1"/>
+          </p:cNvPicPr>
+          <p:nvPr/>
+        </p:nvPicPr>
+        <p:blipFill>
+          <a:blip r:embed="rId3">
+            <a:extLst>
+              <a:ext uri="{28A0092B-C50C-407E-A947-70E740481C1C}">
+                <a14:useLocalDpi xmlns:a14="http://schemas.microsoft.com/office/drawing/2010/main" val="0"/>
+              </a:ext>
+            </a:extLst>
+          </a:blip>
+          <a:srcRect/>
+          <a:stretch>
+            <a:fillRect/>
+          </a:stretch>
+        </p:blipFill>
+        <p:spPr bwMode="auto">
+          <a:xfrm>
+            <a:off x="2155082" y="1990961"/>
+            <a:ext cx="1215719" cy="2253799"/>
+          </a:xfrm>
+          <a:prstGeom prst="rect">
+            <a:avLst/>
+          </a:prstGeom>
+          <a:noFill/>
+          <a:extLst>
+            <a:ext uri="{909E8E84-426E-40DD-AFC4-6F175D3DCCD1}">
+              <a14:hiddenFill xmlns:a14="http://schemas.microsoft.com/office/drawing/2010/main">
+                <a:solidFill>
+                  <a:srgbClr val="FFFFFF"/>
+                </a:solidFill>
+              </a14:hiddenFill>
+            </a:ext>
+          </a:extLst>
+        </p:spPr>
+      </p:pic>
+      <p:pic>
+        <p:nvPicPr>
+          <p:cNvPr id="1034" name="Picture 10" descr="Image"/>
+          <p:cNvPicPr>
+            <a:picLocks noChangeAspect="1" noChangeArrowheads="1"/>
+          </p:cNvPicPr>
+          <p:nvPr/>
+        </p:nvPicPr>
+        <p:blipFill>
+          <a:blip r:embed="rId4">
+            <a:extLst>
+              <a:ext uri="{28A0092B-C50C-407E-A947-70E740481C1C}">
+                <a14:useLocalDpi xmlns:a14="http://schemas.microsoft.com/office/drawing/2010/main" val="0"/>
+              </a:ext>
+            </a:extLst>
+          </a:blip>
+          <a:srcRect/>
+          <a:stretch>
+            <a:fillRect/>
+          </a:stretch>
+        </p:blipFill>
+        <p:spPr bwMode="auto">
+          <a:xfrm>
+            <a:off x="3429430" y="2017290"/>
+            <a:ext cx="1246951" cy="2201139"/>
+          </a:xfrm>
+          <a:prstGeom prst="rect">
+            <a:avLst/>
+          </a:prstGeom>
+          <a:noFill/>
+          <a:extLst>
+            <a:ext uri="{909E8E84-426E-40DD-AFC4-6F175D3DCCD1}">
+              <a14:hiddenFill xmlns:a14="http://schemas.microsoft.com/office/drawing/2010/main">
+                <a:solidFill>
+                  <a:srgbClr val="FFFFFF"/>
+                </a:solidFill>
+              </a14:hiddenFill>
+            </a:ext>
+          </a:extLst>
+        </p:spPr>
+      </p:pic>
+      <p:pic>
+        <p:nvPicPr>
+          <p:cNvPr id="3" name="Picture 2"/>
+          <p:cNvPicPr>
+            <a:picLocks noChangeAspect="1"/>
+          </p:cNvPicPr>
+          <p:nvPr/>
+        </p:nvPicPr>
+        <p:blipFill>
+          <a:blip r:embed="rId5"/>
+          <a:stretch>
+            <a:fillRect/>
+          </a:stretch>
+        </p:blipFill>
+        <p:spPr>
+          <a:xfrm>
+            <a:off x="4676381" y="1990959"/>
+            <a:ext cx="1239794" cy="2253799"/>
+          </a:xfrm>
+          <a:prstGeom prst="rect">
+            <a:avLst/>
+          </a:prstGeom>
+        </p:spPr>
+      </p:pic>
+      <p:pic>
+        <p:nvPicPr>
+          <p:cNvPr id="5" name="Picture 4"/>
+          <p:cNvPicPr>
+            <a:picLocks noChangeAspect="1"/>
+          </p:cNvPicPr>
+          <p:nvPr/>
+        </p:nvPicPr>
+        <p:blipFill>
+          <a:blip r:embed="rId6">
+            <a:extLst>
+              <a:ext uri="{28A0092B-C50C-407E-A947-70E740481C1C}">
+                <a14:useLocalDpi xmlns:a14="http://schemas.microsoft.com/office/drawing/2010/main" val="0"/>
+              </a:ext>
+            </a:extLst>
+          </a:blip>
+          <a:stretch>
+            <a:fillRect/>
+          </a:stretch>
+        </p:blipFill>
+        <p:spPr>
+          <a:xfrm>
+            <a:off x="1272153" y="2776372"/>
+            <a:ext cx="478960" cy="426274"/>
+          </a:xfrm>
+          <a:prstGeom prst="rect">
+            <a:avLst/>
+          </a:prstGeom>
+        </p:spPr>
+      </p:pic>
+      <p:pic>
+        <p:nvPicPr>
+          <p:cNvPr id="8" name="Picture 7"/>
+          <p:cNvPicPr>
+            <a:picLocks noChangeAspect="1"/>
+          </p:cNvPicPr>
+          <p:nvPr/>
+        </p:nvPicPr>
+        <p:blipFill>
+          <a:blip r:embed="rId7"/>
+          <a:stretch>
+            <a:fillRect/>
+          </a:stretch>
+        </p:blipFill>
+        <p:spPr>
+          <a:xfrm>
+            <a:off x="5943405" y="1990958"/>
+            <a:ext cx="1252592" cy="2253799"/>
+          </a:xfrm>
+          <a:prstGeom prst="rect">
+            <a:avLst/>
+          </a:prstGeom>
+        </p:spPr>
+      </p:pic>
+      <p:sp>
+        <p:nvSpPr>
+          <p:cNvPr id="6" name="Rectangle 5"/>
+          <p:cNvSpPr/>
+          <p:nvPr/>
+        </p:nvSpPr>
+        <p:spPr>
+          <a:xfrm>
+            <a:off x="895344" y="3765466"/>
+            <a:ext cx="1232579" cy="261610"/>
+          </a:xfrm>
+          <a:prstGeom prst="rect">
+            <a:avLst/>
+          </a:prstGeom>
+        </p:spPr>
+        <p:txBody>
+          <a:bodyPr wrap="square">
+            <a:spAutoFit/>
+          </a:bodyPr>
+          <a:lstStyle/>
+          <a:p>
+            <a:pPr algn="ctr"/>
+            <a:r>
+              <a:rPr lang="en-US" sz="1100" dirty="0">
+                <a:solidFill>
+                  <a:schemeClr val="bg1"/>
+                </a:solidFill>
+                <a:latin typeface="bebas"/>
+              </a:rPr>
+              <a:t>Aero Flights</a:t>
+            </a:r>
+            <a:endParaRPr lang="en-US" sz="1100" dirty="0">
+              <a:solidFill>
+                <a:schemeClr val="bg1"/>
+              </a:solidFill>
+            </a:endParaRPr>
+          </a:p>
+        </p:txBody>
+      </p:sp>
+      <p:pic>
+        <p:nvPicPr>
+          <p:cNvPr id="16" name="Picture 15"/>
+          <p:cNvPicPr>
+            <a:picLocks noChangeAspect="1"/>
+          </p:cNvPicPr>
+          <p:nvPr/>
+        </p:nvPicPr>
+        <p:blipFill>
+          <a:blip r:embed="rId8"/>
+          <a:stretch>
+            <a:fillRect/>
+          </a:stretch>
+        </p:blipFill>
+        <p:spPr>
+          <a:xfrm>
+            <a:off x="6173076" y="3475508"/>
+            <a:ext cx="287483" cy="279713"/>
+          </a:xfrm>
+          <a:prstGeom prst="rect">
+            <a:avLst/>
+          </a:prstGeom>
+        </p:spPr>
+      </p:pic>
+      <p:sp>
+        <p:nvSpPr>
+          <p:cNvPr id="18" name="Rectangle 17"/>
+          <p:cNvSpPr/>
+          <p:nvPr/>
+        </p:nvSpPr>
+        <p:spPr>
+          <a:xfrm>
+            <a:off x="8656294" y="2017290"/>
+            <a:ext cx="1171978" cy="2201139"/>
+          </a:xfrm>
+          <a:prstGeom prst="rect">
+            <a:avLst/>
+          </a:prstGeom>
+        </p:spPr>
+        <p:style>
+          <a:lnRef idx="2">
+            <a:schemeClr val="accent1">
+              <a:shade val="50000"/>
+            </a:schemeClr>
+          </a:lnRef>
+          <a:fillRef idx="1">
+            <a:schemeClr val="accent1"/>
+          </a:fillRef>
+          <a:effectRef idx="0">
+            <a:schemeClr val="accent1"/>
+          </a:effectRef>
+          <a:fontRef idx="minor">
+            <a:schemeClr val="lt1"/>
+          </a:fontRef>
+        </p:style>
+        <p:txBody>
+          <a:bodyPr rtlCol="0" anchor="ctr"/>
+          <a:lstStyle/>
+          <a:p>
+            <a:pPr algn="ctr"/>
+            <a:r>
+              <a:rPr lang="en-US" dirty="0"/>
+              <a:t>Search</a:t>
+            </a:r>
+          </a:p>
+        </p:txBody>
+      </p:sp>
+      <p:sp>
+        <p:nvSpPr>
+          <p:cNvPr id="19" name="Rectangle 18"/>
+          <p:cNvSpPr/>
+          <p:nvPr/>
+        </p:nvSpPr>
+        <p:spPr>
+          <a:xfrm>
+            <a:off x="10010267" y="2030600"/>
+            <a:ext cx="1171978" cy="2201139"/>
+          </a:xfrm>
+          <a:prstGeom prst="rect">
+            <a:avLst/>
+          </a:prstGeom>
+        </p:spPr>
+        <p:style>
+          <a:lnRef idx="2">
+            <a:schemeClr val="accent1">
+              <a:shade val="50000"/>
+            </a:schemeClr>
+          </a:lnRef>
+          <a:fillRef idx="1">
+            <a:schemeClr val="accent1"/>
+          </a:fillRef>
+          <a:effectRef idx="0">
+            <a:schemeClr val="accent1"/>
+          </a:effectRef>
+          <a:fontRef idx="minor">
+            <a:schemeClr val="lt1"/>
+          </a:fontRef>
+        </p:style>
+        <p:txBody>
+          <a:bodyPr rtlCol="0" anchor="ctr"/>
+          <a:lstStyle/>
+          <a:p>
+            <a:pPr algn="ctr"/>
+            <a:r>
+              <a:rPr lang="en-US" dirty="0"/>
+              <a:t>Flight</a:t>
+            </a:r>
+          </a:p>
+        </p:txBody>
+      </p:sp>
+      <p:pic>
+        <p:nvPicPr>
+          <p:cNvPr id="4" name="Picture 3">
+            <a:extLst>
+              <a:ext uri="{FF2B5EF4-FFF2-40B4-BE49-F238E27FC236}">
+                <a16:creationId xmlns:a16="http://schemas.microsoft.com/office/drawing/2014/main" id="{105A300E-6CA6-437C-8C3F-2D6963D79B65}"/>
+              </a:ext>
+            </a:extLst>
+          </p:cNvPr>
+          <p:cNvPicPr>
+            <a:picLocks noChangeAspect="1"/>
+          </p:cNvPicPr>
+          <p:nvPr/>
+        </p:nvPicPr>
+        <p:blipFill>
+          <a:blip r:embed="rId9"/>
+          <a:stretch>
+            <a:fillRect/>
+          </a:stretch>
+        </p:blipFill>
+        <p:spPr>
+          <a:xfrm>
+            <a:off x="7276488" y="1934781"/>
+            <a:ext cx="1331471" cy="2326111"/>
+          </a:xfrm>
+          <a:prstGeom prst="rect">
+            <a:avLst/>
+          </a:prstGeom>
+        </p:spPr>
+      </p:pic>
+      <p:pic>
+        <p:nvPicPr>
+          <p:cNvPr id="7" name="Picture 6">
+            <a:extLst>
+              <a:ext uri="{FF2B5EF4-FFF2-40B4-BE49-F238E27FC236}">
+                <a16:creationId xmlns:a16="http://schemas.microsoft.com/office/drawing/2014/main" id="{BC0B33AA-1C1C-47F2-8BA7-E478997BB32C}"/>
+              </a:ext>
+            </a:extLst>
+          </p:cNvPr>
+          <p:cNvPicPr>
+            <a:picLocks noChangeAspect="1"/>
+          </p:cNvPicPr>
+          <p:nvPr/>
+        </p:nvPicPr>
+        <p:blipFill>
+          <a:blip r:embed="rId10"/>
+          <a:stretch>
+            <a:fillRect/>
+          </a:stretch>
+        </p:blipFill>
+        <p:spPr>
+          <a:xfrm>
+            <a:off x="9994225" y="1982474"/>
+            <a:ext cx="1297630" cy="2269836"/>
+          </a:xfrm>
+          <a:prstGeom prst="rect">
+            <a:avLst/>
+          </a:prstGeom>
+        </p:spPr>
+      </p:pic>
+      <p:pic>
+        <p:nvPicPr>
+          <p:cNvPr id="10" name="Picture 9">
+            <a:extLst>
+              <a:ext uri="{FF2B5EF4-FFF2-40B4-BE49-F238E27FC236}">
+                <a16:creationId xmlns:a16="http://schemas.microsoft.com/office/drawing/2014/main" id="{A7D7AD5D-161B-4EAC-9850-578BA68AB305}"/>
+              </a:ext>
+            </a:extLst>
+          </p:cNvPr>
+          <p:cNvPicPr>
+            <a:picLocks noChangeAspect="1"/>
+          </p:cNvPicPr>
+          <p:nvPr/>
+        </p:nvPicPr>
+        <p:blipFill>
+          <a:blip r:embed="rId11"/>
+          <a:stretch>
+            <a:fillRect/>
+          </a:stretch>
+        </p:blipFill>
+        <p:spPr>
+          <a:xfrm>
+            <a:off x="8644286" y="1970485"/>
+            <a:ext cx="1240329" cy="2308612"/>
+          </a:xfrm>
+          <a:prstGeom prst="rect">
+            <a:avLst/>
+          </a:prstGeom>
+        </p:spPr>
+      </p:pic>
+      <p:pic>
+        <p:nvPicPr>
+          <p:cNvPr id="17" name="Picture 16">
+            <a:extLst>
+              <a:ext uri="{FF2B5EF4-FFF2-40B4-BE49-F238E27FC236}">
+                <a16:creationId xmlns:a16="http://schemas.microsoft.com/office/drawing/2014/main" id="{E96F4988-CC9E-45F3-BEF9-F3092721032C}"/>
+              </a:ext>
+            </a:extLst>
+          </p:cNvPr>
+          <p:cNvPicPr>
+            <a:picLocks noChangeAspect="1"/>
+          </p:cNvPicPr>
+          <p:nvPr/>
+        </p:nvPicPr>
+        <p:blipFill>
+          <a:blip r:embed="rId12"/>
+          <a:stretch>
+            <a:fillRect/>
+          </a:stretch>
+        </p:blipFill>
+        <p:spPr>
+          <a:xfrm>
+            <a:off x="2314635" y="3615364"/>
+            <a:ext cx="896612" cy="173209"/>
+          </a:xfrm>
+          <a:prstGeom prst="rect">
+            <a:avLst/>
+          </a:prstGeom>
+        </p:spPr>
+      </p:pic>
+      <p:pic>
+        <p:nvPicPr>
+          <p:cNvPr id="20" name="Picture 19">
+            <a:extLst>
+              <a:ext uri="{FF2B5EF4-FFF2-40B4-BE49-F238E27FC236}">
+                <a16:creationId xmlns:a16="http://schemas.microsoft.com/office/drawing/2014/main" id="{260A1802-B775-4078-8DE0-FC9D60F5CA11}"/>
+              </a:ext>
+            </a:extLst>
+          </p:cNvPr>
+          <p:cNvPicPr>
+            <a:picLocks noChangeAspect="1"/>
+          </p:cNvPicPr>
+          <p:nvPr/>
+        </p:nvPicPr>
+        <p:blipFill>
+          <a:blip r:embed="rId13"/>
+          <a:stretch>
+            <a:fillRect/>
+          </a:stretch>
+        </p:blipFill>
+        <p:spPr>
+          <a:xfrm>
+            <a:off x="2307385" y="3821838"/>
+            <a:ext cx="899624" cy="168202"/>
+          </a:xfrm>
+          <a:prstGeom prst="rect">
+            <a:avLst/>
+          </a:prstGeom>
+        </p:spPr>
+      </p:pic>
+      <p:pic>
+        <p:nvPicPr>
+          <p:cNvPr id="21" name="Picture 20">
+            <a:extLst>
+              <a:ext uri="{FF2B5EF4-FFF2-40B4-BE49-F238E27FC236}">
+                <a16:creationId xmlns:a16="http://schemas.microsoft.com/office/drawing/2014/main" id="{C4090601-2278-434A-8577-490BCC0967F0}"/>
+              </a:ext>
+            </a:extLst>
+          </p:cNvPr>
+          <p:cNvPicPr>
+            <a:picLocks noChangeAspect="1"/>
+          </p:cNvPicPr>
+          <p:nvPr/>
+        </p:nvPicPr>
+        <p:blipFill>
+          <a:blip r:embed="rId14"/>
+          <a:stretch>
+            <a:fillRect/>
+          </a:stretch>
+        </p:blipFill>
+        <p:spPr>
+          <a:xfrm>
+            <a:off x="9949095" y="4218429"/>
+            <a:ext cx="1472459" cy="2398481"/>
+          </a:xfrm>
+          <a:prstGeom prst="rect">
+            <a:avLst/>
+          </a:prstGeom>
+        </p:spPr>
+      </p:pic>
+    </p:spTree>
+    <p:extLst>
+      <p:ext uri="{BB962C8B-B14F-4D97-AF65-F5344CB8AC3E}">
+        <p14:creationId xmlns:p14="http://schemas.microsoft.com/office/powerpoint/2010/main" val="1497556856"/>
+      </p:ext>
+    </p:extLst>
+  </p:cSld>
+  <p:clrMapOvr>
+    <a:masterClrMapping/>
+  </p:clrMapOvr>
+</p:sld>
+</file>
+
+<file path=ppt/slides/slide4.xml><?xml version="1.0" encoding="utf-8"?>
+<p:sld xmlns:a="http://schemas.openxmlformats.org/drawingml/2006/main" xmlns:r="http://schemas.openxmlformats.org/officeDocument/2006/relationships" xmlns:p="http://schemas.openxmlformats.org/presentationml/2006/main">
+  <p:cSld>
+    <p:spTree>
+      <p:nvGrpSpPr>
+        <p:cNvPr id="1" name=""/>
+        <p:cNvGrpSpPr/>
+        <p:nvPr/>
+      </p:nvGrpSpPr>
+      <p:grpSpPr>
+        <a:xfrm>
+          <a:off x="0" y="0"/>
+          <a:ext cx="0" cy="0"/>
+          <a:chOff x="0" y="0"/>
+          <a:chExt cx="0" cy="0"/>
+        </a:xfrm>
+      </p:grpSpPr>
+      <p:sp>
+        <p:nvSpPr>
+          <p:cNvPr id="2" name="Rectangle 1">
+            <a:extLst>
+              <a:ext uri="{FF2B5EF4-FFF2-40B4-BE49-F238E27FC236}">
+                <a16:creationId xmlns:a16="http://schemas.microsoft.com/office/drawing/2014/main" id="{A626BE00-405A-4B10-AE3D-72CC571AE9B0}"/>
+              </a:ext>
+            </a:extLst>
+          </p:cNvPr>
+          <p:cNvSpPr/>
+          <p:nvPr/>
+        </p:nvSpPr>
+        <p:spPr>
+          <a:xfrm>
+            <a:off x="0" y="109057"/>
+            <a:ext cx="4093827" cy="1073791"/>
+          </a:xfrm>
+          <a:prstGeom prst="rect">
+            <a:avLst/>
+          </a:prstGeom>
+          <a:ln>
+            <a:solidFill>
+              <a:schemeClr val="bg1"/>
+            </a:solidFill>
+          </a:ln>
+        </p:spPr>
+        <p:style>
+          <a:lnRef idx="2">
+            <a:schemeClr val="accent1">
+              <a:shade val="50000"/>
+            </a:schemeClr>
+          </a:lnRef>
+          <a:fillRef idx="1">
+            <a:schemeClr val="accent1"/>
+          </a:fillRef>
+          <a:effectRef idx="0">
+            <a:schemeClr val="accent1"/>
+          </a:effectRef>
+          <a:fontRef idx="minor">
+            <a:schemeClr val="lt1"/>
+          </a:fontRef>
+        </p:style>
+        <p:txBody>
+          <a:bodyPr rtlCol="0" anchor="ctr"/>
+          <a:lstStyle/>
+          <a:p>
+            <a:pPr algn="ctr"/>
+            <a:r>
+              <a:rPr lang="en-US" sz="3600" spc="-60" dirty="0">
+                <a:solidFill>
+                  <a:srgbClr val="FFFFFF"/>
+                </a:solidFill>
+                <a:latin typeface="+mj-lt"/>
+                <a:ea typeface="+mj-ea"/>
+                <a:cs typeface="+mj-cs"/>
+              </a:rPr>
+              <a:t>Launch</a:t>
+            </a:r>
+          </a:p>
+        </p:txBody>
+      </p:sp>
+      <p:pic>
+        <p:nvPicPr>
+          <p:cNvPr id="3" name="Picture 2" descr="Image"/>
+          <p:cNvPicPr>
+            <a:picLocks noChangeAspect="1" noChangeArrowheads="1"/>
+          </p:cNvPicPr>
+          <p:nvPr/>
+        </p:nvPicPr>
+        <p:blipFill>
+          <a:blip r:embed="rId2">
+            <a:extLst>
+              <a:ext uri="{28A0092B-C50C-407E-A947-70E740481C1C}">
+                <a14:useLocalDpi xmlns:a14="http://schemas.microsoft.com/office/drawing/2010/main" val="0"/>
+              </a:ext>
+            </a:extLst>
+          </a:blip>
+          <a:srcRect/>
+          <a:stretch>
+            <a:fillRect/>
+          </a:stretch>
+        </p:blipFill>
+        <p:spPr bwMode="auto">
+          <a:xfrm>
+            <a:off x="564715" y="1433226"/>
+            <a:ext cx="2901815" cy="5147932"/>
+          </a:xfrm>
+          <a:prstGeom prst="rect">
+            <a:avLst/>
+          </a:prstGeom>
+          <a:noFill/>
+          <a:extLst>
+            <a:ext uri="{909E8E84-426E-40DD-AFC4-6F175D3DCCD1}">
+              <a14:hiddenFill xmlns:a14="http://schemas.microsoft.com/office/drawing/2010/main">
+                <a:solidFill>
+                  <a:srgbClr val="FFFFFF"/>
+                </a:solidFill>
+              </a14:hiddenFill>
+            </a:ext>
+          </a:extLst>
+        </p:spPr>
+      </p:pic>
+      <p:pic>
+        <p:nvPicPr>
+          <p:cNvPr id="4" name="Picture 3"/>
+          <p:cNvPicPr>
+            <a:picLocks noChangeAspect="1"/>
+          </p:cNvPicPr>
+          <p:nvPr/>
+        </p:nvPicPr>
+        <p:blipFill>
+          <a:blip r:embed="rId3">
+            <a:extLst>
+              <a:ext uri="{28A0092B-C50C-407E-A947-70E740481C1C}">
+                <a14:useLocalDpi xmlns:a14="http://schemas.microsoft.com/office/drawing/2010/main" val="0"/>
+              </a:ext>
+            </a:extLst>
+          </a:blip>
+          <a:stretch>
+            <a:fillRect/>
+          </a:stretch>
+        </p:blipFill>
+        <p:spPr>
+          <a:xfrm>
+            <a:off x="1495269" y="3066718"/>
+            <a:ext cx="1103288" cy="981925"/>
+          </a:xfrm>
+          <a:prstGeom prst="rect">
+            <a:avLst/>
+          </a:prstGeom>
+        </p:spPr>
+      </p:pic>
+      <p:sp>
+        <p:nvSpPr>
+          <p:cNvPr id="5" name="Rectangle 4"/>
+          <p:cNvSpPr/>
+          <p:nvPr/>
+        </p:nvSpPr>
+        <p:spPr>
+          <a:xfrm>
+            <a:off x="595995" y="5682134"/>
+            <a:ext cx="2839254" cy="369332"/>
+          </a:xfrm>
+          <a:prstGeom prst="rect">
+            <a:avLst/>
+          </a:prstGeom>
+        </p:spPr>
+        <p:txBody>
+          <a:bodyPr wrap="square">
+            <a:spAutoFit/>
+          </a:bodyPr>
+          <a:lstStyle/>
+          <a:p>
+            <a:pPr algn="ctr"/>
+            <a:r>
+              <a:rPr lang="en-US" dirty="0">
+                <a:solidFill>
+                  <a:schemeClr val="bg1"/>
+                </a:solidFill>
+                <a:latin typeface="bebas"/>
+              </a:rPr>
+              <a:t>Aero Flights</a:t>
+            </a:r>
+            <a:endParaRPr lang="en-US" dirty="0">
+              <a:solidFill>
+                <a:schemeClr val="bg1"/>
+              </a:solidFill>
+            </a:endParaRPr>
           </a:p>
         </p:txBody>
       </p:sp>
@@ -6158,14 +6708,14 @@
             </a:pPr>
             <a:r>
               <a:rPr lang="en-US" dirty="0"/>
-              <a:t> Sign In to your account with matching email and password. If they do not have an account, they can Register.</a:t>
-            </a:r>
-          </a:p>
-        </p:txBody>
-      </p:sp>
-      <p:sp>
-        <p:nvSpPr>
-          <p:cNvPr id="7" name="Rectangle 6"/>
+              <a:t> Launch Page of our app showcasing custom-made logo in the middle and name at the bottom.</a:t>
+            </a:r>
+          </a:p>
+        </p:txBody>
+      </p:sp>
+      <p:sp>
+        <p:nvSpPr>
+          <p:cNvPr id="8" name="Rectangle 7"/>
           <p:cNvSpPr/>
           <p:nvPr/>
         </p:nvSpPr>
@@ -6217,111 +6767,10 @@
           </a:p>
         </p:txBody>
       </p:sp>
-      <p:pic>
-        <p:nvPicPr>
-          <p:cNvPr id="8" name="Picture 8" descr="Image"/>
-          <p:cNvPicPr>
-            <a:picLocks noChangeAspect="1" noChangeArrowheads="1"/>
-          </p:cNvPicPr>
-          <p:nvPr/>
-        </p:nvPicPr>
-        <p:blipFill>
-          <a:blip r:embed="rId2">
-            <a:extLst>
-              <a:ext uri="{28A0092B-C50C-407E-A947-70E740481C1C}">
-                <a14:useLocalDpi xmlns:a14="http://schemas.microsoft.com/office/drawing/2010/main" val="0"/>
-              </a:ext>
-            </a:extLst>
-          </a:blip>
-          <a:srcRect/>
-          <a:stretch>
-            <a:fillRect/>
-          </a:stretch>
-        </p:blipFill>
-        <p:spPr bwMode="auto">
-          <a:xfrm>
-            <a:off x="657004" y="1390030"/>
-            <a:ext cx="2779817" cy="5153452"/>
-          </a:xfrm>
-          <a:prstGeom prst="rect">
-            <a:avLst/>
-          </a:prstGeom>
-          <a:noFill/>
-          <a:extLst>
-            <a:ext uri="{909E8E84-426E-40DD-AFC4-6F175D3DCCD1}">
-              <a14:hiddenFill xmlns:a14="http://schemas.microsoft.com/office/drawing/2010/main">
-                <a:solidFill>
-                  <a:srgbClr val="FFFFFF"/>
-                </a:solidFill>
-              </a14:hiddenFill>
-            </a:ext>
-          </a:extLst>
-        </p:spPr>
-      </p:pic>
-      <p:pic>
-        <p:nvPicPr>
-          <p:cNvPr id="9" name="Picture 8">
-            <a:extLst>
-              <a:ext uri="{FF2B5EF4-FFF2-40B4-BE49-F238E27FC236}">
-                <a16:creationId xmlns:a16="http://schemas.microsoft.com/office/drawing/2014/main" id="{5351B10D-5B96-4542-8C10-AD13511DC630}"/>
-              </a:ext>
-            </a:extLst>
-          </p:cNvPr>
-          <p:cNvPicPr>
-            <a:picLocks noChangeAspect="1"/>
-          </p:cNvPicPr>
-          <p:nvPr/>
-        </p:nvPicPr>
-        <p:blipFill>
-          <a:blip r:embed="rId3"/>
-          <a:stretch>
-            <a:fillRect/>
-          </a:stretch>
-        </p:blipFill>
-        <p:spPr>
-          <a:xfrm>
-            <a:off x="1224238" y="5652996"/>
-            <a:ext cx="1645348" cy="307629"/>
-          </a:xfrm>
-          <a:prstGeom prst="rect">
-            <a:avLst/>
-          </a:prstGeom>
-        </p:spPr>
-      </p:pic>
-      <p:pic>
-        <p:nvPicPr>
-          <p:cNvPr id="10" name="Picture 9">
-            <a:extLst>
-              <a:ext uri="{FF2B5EF4-FFF2-40B4-BE49-F238E27FC236}">
-                <a16:creationId xmlns:a16="http://schemas.microsoft.com/office/drawing/2014/main" id="{1F8AAB25-703A-4187-BFF1-5386A8DE4449}"/>
-              </a:ext>
-            </a:extLst>
-          </p:cNvPr>
-          <p:cNvPicPr>
-            <a:picLocks noChangeAspect="1"/>
-          </p:cNvPicPr>
-          <p:nvPr/>
-        </p:nvPicPr>
-        <p:blipFill>
-          <a:blip r:embed="rId4"/>
-          <a:stretch>
-            <a:fillRect/>
-          </a:stretch>
-        </p:blipFill>
-        <p:spPr>
-          <a:xfrm>
-            <a:off x="1224238" y="5286888"/>
-            <a:ext cx="1645348" cy="317851"/>
-          </a:xfrm>
-          <a:prstGeom prst="rect">
-            <a:avLst/>
-          </a:prstGeom>
-        </p:spPr>
-      </p:pic>
     </p:spTree>
     <p:extLst>
       <p:ext uri="{BB962C8B-B14F-4D97-AF65-F5344CB8AC3E}">
-        <p14:creationId xmlns:p14="http://schemas.microsoft.com/office/powerpoint/2010/main" val="2674299156"/>
+        <p14:creationId xmlns:p14="http://schemas.microsoft.com/office/powerpoint/2010/main" val="555553828"/>
       </p:ext>
     </p:extLst>
   </p:cSld>
@@ -6331,7 +6780,7 @@
 </p:sld>
 </file>
 
-<file path=ppt/slides/slide6.xml><?xml version="1.0" encoding="utf-8"?>
+<file path=ppt/slides/slide5.xml><?xml version="1.0" encoding="utf-8"?>
 <p:sld xmlns:a="http://schemas.openxmlformats.org/drawingml/2006/main" xmlns:r="http://schemas.openxmlformats.org/officeDocument/2006/relationships" xmlns:p="http://schemas.openxmlformats.org/presentationml/2006/main">
   <p:cSld>
     <p:spTree>
@@ -6348,47 +6797,6 @@
           <a:chExt cx="0" cy="0"/>
         </a:xfrm>
       </p:grpSpPr>
-      <p:pic>
-        <p:nvPicPr>
-          <p:cNvPr id="9" name="Picture 10" descr="Image"/>
-          <p:cNvPicPr>
-            <a:picLocks noChangeAspect="1" noChangeArrowheads="1"/>
-          </p:cNvPicPr>
-          <p:nvPr/>
-        </p:nvPicPr>
-        <p:blipFill>
-          <a:blip r:embed="rId2">
-            <a:extLst>
-              <a:ext uri="{28A0092B-C50C-407E-A947-70E740481C1C}">
-                <a14:useLocalDpi xmlns:a14="http://schemas.microsoft.com/office/drawing/2010/main" val="0"/>
-              </a:ext>
-            </a:extLst>
-          </a:blip>
-          <a:srcRect/>
-          <a:stretch>
-            <a:fillRect/>
-          </a:stretch>
-        </p:blipFill>
-        <p:spPr bwMode="auto">
-          <a:xfrm>
-            <a:off x="533689" y="1418824"/>
-            <a:ext cx="2903132" cy="5124658"/>
-          </a:xfrm>
-          <a:prstGeom prst="rect">
-            <a:avLst/>
-          </a:prstGeom>
-          <a:noFill/>
-          <a:extLst>
-            <a:ext uri="{909E8E84-426E-40DD-AFC4-6F175D3DCCD1}">
-              <a14:hiddenFill xmlns:a14="http://schemas.microsoft.com/office/drawing/2010/main">
-                <a:solidFill>
-                  <a:srgbClr val="FFFFFF"/>
-                </a:solidFill>
-              </a14:hiddenFill>
-            </a:ext>
-          </a:extLst>
-        </p:spPr>
-      </p:pic>
       <p:sp>
         <p:nvSpPr>
           <p:cNvPr id="2" name="Rectangle 1">
@@ -6445,7 +6853,7 @@
                 <a:ea typeface="+mj-ea"/>
                 <a:cs typeface="+mj-cs"/>
               </a:rPr>
-              <a:t>Register</a:t>
+              <a:t>Login</a:t>
             </a:r>
           </a:p>
         </p:txBody>
@@ -6721,7 +7129,7 @@
             </a:pPr>
             <a:r>
               <a:rPr lang="en-US" dirty="0"/>
-              <a:t> Register and create a new account if they do not have one already. If they already have an account, they can log in. This information is later stored in our Firebase database.</a:t>
+              <a:t> Sign In to your account with matching email and password. If they do not have an account, they can Register.</a:t>
             </a:r>
           </a:p>
         </p:txBody>
@@ -6780,10 +7188,111 @@
           </a:p>
         </p:txBody>
       </p:sp>
+      <p:pic>
+        <p:nvPicPr>
+          <p:cNvPr id="8" name="Picture 8" descr="Image"/>
+          <p:cNvPicPr>
+            <a:picLocks noChangeAspect="1" noChangeArrowheads="1"/>
+          </p:cNvPicPr>
+          <p:nvPr/>
+        </p:nvPicPr>
+        <p:blipFill>
+          <a:blip r:embed="rId2">
+            <a:extLst>
+              <a:ext uri="{28A0092B-C50C-407E-A947-70E740481C1C}">
+                <a14:useLocalDpi xmlns:a14="http://schemas.microsoft.com/office/drawing/2010/main" val="0"/>
+              </a:ext>
+            </a:extLst>
+          </a:blip>
+          <a:srcRect/>
+          <a:stretch>
+            <a:fillRect/>
+          </a:stretch>
+        </p:blipFill>
+        <p:spPr bwMode="auto">
+          <a:xfrm>
+            <a:off x="657004" y="1390030"/>
+            <a:ext cx="2779817" cy="5153452"/>
+          </a:xfrm>
+          <a:prstGeom prst="rect">
+            <a:avLst/>
+          </a:prstGeom>
+          <a:noFill/>
+          <a:extLst>
+            <a:ext uri="{909E8E84-426E-40DD-AFC4-6F175D3DCCD1}">
+              <a14:hiddenFill xmlns:a14="http://schemas.microsoft.com/office/drawing/2010/main">
+                <a:solidFill>
+                  <a:srgbClr val="FFFFFF"/>
+                </a:solidFill>
+              </a14:hiddenFill>
+            </a:ext>
+          </a:extLst>
+        </p:spPr>
+      </p:pic>
+      <p:pic>
+        <p:nvPicPr>
+          <p:cNvPr id="9" name="Picture 8">
+            <a:extLst>
+              <a:ext uri="{FF2B5EF4-FFF2-40B4-BE49-F238E27FC236}">
+                <a16:creationId xmlns:a16="http://schemas.microsoft.com/office/drawing/2014/main" id="{5351B10D-5B96-4542-8C10-AD13511DC630}"/>
+              </a:ext>
+            </a:extLst>
+          </p:cNvPr>
+          <p:cNvPicPr>
+            <a:picLocks noChangeAspect="1"/>
+          </p:cNvPicPr>
+          <p:nvPr/>
+        </p:nvPicPr>
+        <p:blipFill>
+          <a:blip r:embed="rId3"/>
+          <a:stretch>
+            <a:fillRect/>
+          </a:stretch>
+        </p:blipFill>
+        <p:spPr>
+          <a:xfrm>
+            <a:off x="1224238" y="5652996"/>
+            <a:ext cx="1645348" cy="307629"/>
+          </a:xfrm>
+          <a:prstGeom prst="rect">
+            <a:avLst/>
+          </a:prstGeom>
+        </p:spPr>
+      </p:pic>
+      <p:pic>
+        <p:nvPicPr>
+          <p:cNvPr id="10" name="Picture 9">
+            <a:extLst>
+              <a:ext uri="{FF2B5EF4-FFF2-40B4-BE49-F238E27FC236}">
+                <a16:creationId xmlns:a16="http://schemas.microsoft.com/office/drawing/2014/main" id="{1F8AAB25-703A-4187-BFF1-5386A8DE4449}"/>
+              </a:ext>
+            </a:extLst>
+          </p:cNvPr>
+          <p:cNvPicPr>
+            <a:picLocks noChangeAspect="1"/>
+          </p:cNvPicPr>
+          <p:nvPr/>
+        </p:nvPicPr>
+        <p:blipFill>
+          <a:blip r:embed="rId4"/>
+          <a:stretch>
+            <a:fillRect/>
+          </a:stretch>
+        </p:blipFill>
+        <p:spPr>
+          <a:xfrm>
+            <a:off x="1224238" y="5286888"/>
+            <a:ext cx="1645348" cy="317851"/>
+          </a:xfrm>
+          <a:prstGeom prst="rect">
+            <a:avLst/>
+          </a:prstGeom>
+        </p:spPr>
+      </p:pic>
     </p:spTree>
     <p:extLst>
       <p:ext uri="{BB962C8B-B14F-4D97-AF65-F5344CB8AC3E}">
-        <p14:creationId xmlns:p14="http://schemas.microsoft.com/office/powerpoint/2010/main" val="3647199527"/>
+        <p14:creationId xmlns:p14="http://schemas.microsoft.com/office/powerpoint/2010/main" val="2674299156"/>
       </p:ext>
     </p:extLst>
   </p:cSld>
@@ -6793,7 +7302,7 @@
 </p:sld>
 </file>
 
-<file path=ppt/slides/slide7.xml><?xml version="1.0" encoding="utf-8"?>
+<file path=ppt/slides/slide6.xml><?xml version="1.0" encoding="utf-8"?>
 <p:sld xmlns:a="http://schemas.openxmlformats.org/drawingml/2006/main" xmlns:r="http://schemas.openxmlformats.org/officeDocument/2006/relationships" xmlns:p="http://schemas.openxmlformats.org/presentationml/2006/main">
   <p:cSld>
     <p:spTree>
@@ -6812,26 +7321,43 @@
       </p:grpSpPr>
       <p:pic>
         <p:nvPicPr>
-          <p:cNvPr id="8" name="Picture 7"/>
+          <p:cNvPr id="9" name="Picture 10" descr="Image"/>
           <p:cNvPicPr>
-            <a:picLocks noChangeAspect="1"/>
+            <a:picLocks noChangeAspect="1" noChangeArrowheads="1"/>
           </p:cNvPicPr>
           <p:nvPr/>
         </p:nvPicPr>
         <p:blipFill>
-          <a:blip r:embed="rId2"/>
+          <a:blip r:embed="rId2">
+            <a:extLst>
+              <a:ext uri="{28A0092B-C50C-407E-A947-70E740481C1C}">
+                <a14:useLocalDpi xmlns:a14="http://schemas.microsoft.com/office/drawing/2010/main" val="0"/>
+              </a:ext>
+            </a:extLst>
+          </a:blip>
+          <a:srcRect/>
           <a:stretch>
             <a:fillRect/>
           </a:stretch>
         </p:blipFill>
-        <p:spPr>
-          <a:xfrm>
-            <a:off x="575742" y="1418824"/>
-            <a:ext cx="2819026" cy="5124657"/>
+        <p:spPr bwMode="auto">
+          <a:xfrm>
+            <a:off x="533689" y="1418824"/>
+            <a:ext cx="2903132" cy="5124658"/>
           </a:xfrm>
           <a:prstGeom prst="rect">
             <a:avLst/>
           </a:prstGeom>
+          <a:noFill/>
+          <a:extLst>
+            <a:ext uri="{909E8E84-426E-40DD-AFC4-6F175D3DCCD1}">
+              <a14:hiddenFill xmlns:a14="http://schemas.microsoft.com/office/drawing/2010/main">
+                <a:solidFill>
+                  <a:srgbClr val="FFFFFF"/>
+                </a:solidFill>
+              </a14:hiddenFill>
+            </a:ext>
+          </a:extLst>
         </p:spPr>
       </p:pic>
       <p:sp>
@@ -6890,7 +7416,7 @@
                 <a:ea typeface="+mj-ea"/>
                 <a:cs typeface="+mj-cs"/>
               </a:rPr>
-              <a:t>Profile</a:t>
+              <a:t>Register</a:t>
             </a:r>
           </a:p>
         </p:txBody>
@@ -7166,7 +7692,7 @@
             </a:pPr>
             <a:r>
               <a:rPr lang="en-US" dirty="0"/>
-              <a:t> View and Edit profile. Users can modify their existing username, email or password. Additionally, they can upload a profile picture.</a:t>
+              <a:t> Register and create a new account if they do not have one already. If they already have an account, they can log in. This information is later stored in our Firebase database.</a:t>
             </a:r>
           </a:p>
         </p:txBody>
@@ -7228,7 +7754,7 @@
     </p:spTree>
     <p:extLst>
       <p:ext uri="{BB962C8B-B14F-4D97-AF65-F5344CB8AC3E}">
-        <p14:creationId xmlns:p14="http://schemas.microsoft.com/office/powerpoint/2010/main" val="2750380373"/>
+        <p14:creationId xmlns:p14="http://schemas.microsoft.com/office/powerpoint/2010/main" val="3647199527"/>
       </p:ext>
     </p:extLst>
   </p:cSld>
@@ -7238,288 +7764,7 @@
 </p:sld>
 </file>
 
-<file path=ppt/slides/slide8.xml><?xml version="1.0" encoding="utf-8"?>
-<p:sld xmlns:a="http://schemas.openxmlformats.org/drawingml/2006/main" xmlns:r="http://schemas.openxmlformats.org/officeDocument/2006/relationships" xmlns:p="http://schemas.openxmlformats.org/presentationml/2006/main">
-  <p:cSld>
-    <p:spTree>
-      <p:nvGrpSpPr>
-        <p:cNvPr id="1" name=""/>
-        <p:cNvGrpSpPr/>
-        <p:nvPr/>
-      </p:nvGrpSpPr>
-      <p:grpSpPr>
-        <a:xfrm>
-          <a:off x="0" y="0"/>
-          <a:ext cx="0" cy="0"/>
-          <a:chOff x="0" y="0"/>
-          <a:chExt cx="0" cy="0"/>
-        </a:xfrm>
-      </p:grpSpPr>
-      <p:sp>
-        <p:nvSpPr>
-          <p:cNvPr id="2" name="Rectangle 1">
-            <a:extLst>
-              <a:ext uri="{FF2B5EF4-FFF2-40B4-BE49-F238E27FC236}">
-                <a16:creationId xmlns:a16="http://schemas.microsoft.com/office/drawing/2014/main" id="{F19E7644-FFBD-35F6-79DA-3407018C49CF}"/>
-              </a:ext>
-            </a:extLst>
-          </p:cNvPr>
-          <p:cNvSpPr/>
-          <p:nvPr/>
-        </p:nvSpPr>
-        <p:spPr>
-          <a:xfrm>
-            <a:off x="0" y="109057"/>
-            <a:ext cx="4093827" cy="1073791"/>
-          </a:xfrm>
-          <a:prstGeom prst="rect">
-            <a:avLst/>
-          </a:prstGeom>
-          <a:ln>
-            <a:solidFill>
-              <a:schemeClr val="bg1"/>
-            </a:solidFill>
-          </a:ln>
-        </p:spPr>
-        <p:style>
-          <a:lnRef idx="2">
-            <a:schemeClr val="accent1">
-              <a:shade val="50000"/>
-            </a:schemeClr>
-          </a:lnRef>
-          <a:fillRef idx="1">
-            <a:schemeClr val="accent1"/>
-          </a:fillRef>
-          <a:effectRef idx="0">
-            <a:schemeClr val="accent1"/>
-          </a:effectRef>
-          <a:fontRef idx="minor">
-            <a:schemeClr val="lt1"/>
-          </a:fontRef>
-        </p:style>
-        <p:txBody>
-          <a:bodyPr rtlCol="0" anchor="ctr"/>
-          <a:lstStyle/>
-          <a:p>
-            <a:pPr algn="ctr"/>
-            <a:r>
-              <a:rPr lang="en-US" sz="3600" spc="-60" dirty="0">
-                <a:solidFill>
-                  <a:srgbClr val="FFFFFF"/>
-                </a:solidFill>
-                <a:latin typeface="+mj-lt"/>
-                <a:ea typeface="+mj-ea"/>
-                <a:cs typeface="+mj-cs"/>
-              </a:rPr>
-              <a:t>Flights</a:t>
-            </a:r>
-          </a:p>
-        </p:txBody>
-      </p:sp>
-      <p:pic>
-        <p:nvPicPr>
-          <p:cNvPr id="4" name="Picture 3">
-            <a:extLst>
-              <a:ext uri="{FF2B5EF4-FFF2-40B4-BE49-F238E27FC236}">
-                <a16:creationId xmlns:a16="http://schemas.microsoft.com/office/drawing/2014/main" id="{0564CDA4-2171-E6CC-14F8-B28FE991CFAF}"/>
-              </a:ext>
-            </a:extLst>
-          </p:cNvPr>
-          <p:cNvPicPr>
-            <a:picLocks noChangeAspect="1"/>
-          </p:cNvPicPr>
-          <p:nvPr/>
-        </p:nvPicPr>
-        <p:blipFill>
-          <a:blip r:embed="rId2"/>
-          <a:stretch>
-            <a:fillRect/>
-          </a:stretch>
-        </p:blipFill>
-        <p:spPr>
-          <a:xfrm>
-            <a:off x="400460" y="1320330"/>
-            <a:ext cx="2585336" cy="4793310"/>
-          </a:xfrm>
-          <a:prstGeom prst="rect">
-            <a:avLst/>
-          </a:prstGeom>
-        </p:spPr>
-      </p:pic>
-      <p:pic>
-        <p:nvPicPr>
-          <p:cNvPr id="6" name="Picture 5">
-            <a:extLst>
-              <a:ext uri="{FF2B5EF4-FFF2-40B4-BE49-F238E27FC236}">
-                <a16:creationId xmlns:a16="http://schemas.microsoft.com/office/drawing/2014/main" id="{A1B62675-89F9-A84E-3F7F-3EB7A3DE2233}"/>
-              </a:ext>
-            </a:extLst>
-          </p:cNvPr>
-          <p:cNvPicPr>
-            <a:picLocks noChangeAspect="1"/>
-          </p:cNvPicPr>
-          <p:nvPr/>
-        </p:nvPicPr>
-        <p:blipFill>
-          <a:blip r:embed="rId3"/>
-          <a:stretch>
-            <a:fillRect/>
-          </a:stretch>
-        </p:blipFill>
-        <p:spPr>
-          <a:xfrm>
-            <a:off x="785381" y="4486426"/>
-            <a:ext cx="600159" cy="609685"/>
-          </a:xfrm>
-          <a:prstGeom prst="rect">
-            <a:avLst/>
-          </a:prstGeom>
-        </p:spPr>
-      </p:pic>
-      <p:pic>
-        <p:nvPicPr>
-          <p:cNvPr id="8" name="Picture 7">
-            <a:extLst>
-              <a:ext uri="{FF2B5EF4-FFF2-40B4-BE49-F238E27FC236}">
-                <a16:creationId xmlns:a16="http://schemas.microsoft.com/office/drawing/2014/main" id="{FA3A3B40-1FB9-FE91-AE57-B54EAC681D53}"/>
-              </a:ext>
-            </a:extLst>
-          </p:cNvPr>
-          <p:cNvPicPr>
-            <a:picLocks noChangeAspect="1"/>
-          </p:cNvPicPr>
-          <p:nvPr/>
-        </p:nvPicPr>
-        <p:blipFill rotWithShape="1">
-          <a:blip r:embed="rId3"/>
-          <a:srcRect b="12527"/>
-          <a:stretch/>
-        </p:blipFill>
-        <p:spPr>
-          <a:xfrm>
-            <a:off x="785380" y="5210266"/>
-            <a:ext cx="600159" cy="533309"/>
-          </a:xfrm>
-          <a:prstGeom prst="rect">
-            <a:avLst/>
-          </a:prstGeom>
-        </p:spPr>
-      </p:pic>
-      <p:pic>
-        <p:nvPicPr>
-          <p:cNvPr id="10" name="Picture 9">
-            <a:extLst>
-              <a:ext uri="{FF2B5EF4-FFF2-40B4-BE49-F238E27FC236}">
-                <a16:creationId xmlns:a16="http://schemas.microsoft.com/office/drawing/2014/main" id="{1038A4DD-9BE9-3781-F289-3BDBD8DA4F2E}"/>
-              </a:ext>
-            </a:extLst>
-          </p:cNvPr>
-          <p:cNvPicPr>
-            <a:picLocks noChangeAspect="1"/>
-          </p:cNvPicPr>
-          <p:nvPr/>
-        </p:nvPicPr>
-        <p:blipFill rotWithShape="1">
-          <a:blip r:embed="rId4"/>
-          <a:srcRect b="19947"/>
-          <a:stretch/>
-        </p:blipFill>
-        <p:spPr>
-          <a:xfrm>
-            <a:off x="1622982" y="5537670"/>
-            <a:ext cx="981212" cy="205905"/>
-          </a:xfrm>
-          <a:prstGeom prst="rect">
-            <a:avLst/>
-          </a:prstGeom>
-        </p:spPr>
-      </p:pic>
-      <p:pic>
-        <p:nvPicPr>
-          <p:cNvPr id="12" name="Picture 11">
-            <a:extLst>
-              <a:ext uri="{FF2B5EF4-FFF2-40B4-BE49-F238E27FC236}">
-                <a16:creationId xmlns:a16="http://schemas.microsoft.com/office/drawing/2014/main" id="{EB065E21-F4CB-BFB4-1B21-EBA0126FC713}"/>
-              </a:ext>
-            </a:extLst>
-          </p:cNvPr>
-          <p:cNvPicPr>
-            <a:picLocks noChangeAspect="1"/>
-          </p:cNvPicPr>
-          <p:nvPr/>
-        </p:nvPicPr>
-        <p:blipFill>
-          <a:blip r:embed="rId5"/>
-          <a:stretch>
-            <a:fillRect/>
-          </a:stretch>
-        </p:blipFill>
-        <p:spPr>
-          <a:xfrm>
-            <a:off x="1385539" y="5233593"/>
-            <a:ext cx="752580" cy="238158"/>
-          </a:xfrm>
-          <a:prstGeom prst="rect">
-            <a:avLst/>
-          </a:prstGeom>
-        </p:spPr>
-      </p:pic>
-      <p:sp>
-        <p:nvSpPr>
-          <p:cNvPr id="14" name="TextBox 13">
-            <a:extLst>
-              <a:ext uri="{FF2B5EF4-FFF2-40B4-BE49-F238E27FC236}">
-                <a16:creationId xmlns:a16="http://schemas.microsoft.com/office/drawing/2014/main" id="{8603D09F-6B27-991A-B12C-E50B26C91C40}"/>
-              </a:ext>
-            </a:extLst>
-          </p:cNvPr>
-          <p:cNvSpPr txBox="1"/>
-          <p:nvPr/>
-        </p:nvSpPr>
-        <p:spPr>
-          <a:xfrm>
-            <a:off x="4535680" y="2697744"/>
-            <a:ext cx="6097424" cy="880369"/>
-          </a:xfrm>
-          <a:prstGeom prst="rect">
-            <a:avLst/>
-          </a:prstGeom>
-          <a:noFill/>
-        </p:spPr>
-        <p:txBody>
-          <a:bodyPr wrap="square">
-            <a:spAutoFit/>
-          </a:bodyPr>
-          <a:lstStyle/>
-          <a:p>
-            <a:pPr>
-              <a:lnSpc>
-                <a:spcPct val="150000"/>
-              </a:lnSpc>
-              <a:buFont typeface="Wingdings" panose="05000000000000000000" pitchFamily="2" charset="2"/>
-              <a:buChar char="Ø"/>
-            </a:pPr>
-            <a:r>
-              <a:rPr lang="en-US" dirty="0"/>
-              <a:t> Browse through the flights that are in the hot for you page. You are also able to view the details as show in the mockup.</a:t>
-            </a:r>
-          </a:p>
-        </p:txBody>
-      </p:sp>
-    </p:spTree>
-    <p:extLst>
-      <p:ext uri="{BB962C8B-B14F-4D97-AF65-F5344CB8AC3E}">
-        <p14:creationId xmlns:p14="http://schemas.microsoft.com/office/powerpoint/2010/main" val="2794442424"/>
-      </p:ext>
-    </p:extLst>
-  </p:cSld>
-  <p:clrMapOvr>
-    <a:masterClrMapping/>
-  </p:clrMapOvr>
-</p:sld>
-</file>
-
-<file path=ppt/slides/slide9.xml><?xml version="1.0" encoding="utf-8"?>
+<file path=ppt/slides/slide7.xml><?xml version="1.0" encoding="utf-8"?>
 <p:sld xmlns:a="http://schemas.openxmlformats.org/drawingml/2006/main" xmlns:r="http://schemas.openxmlformats.org/officeDocument/2006/relationships" xmlns:p="http://schemas.openxmlformats.org/presentationml/2006/main">
   <p:cSld>
     <p:spTree>
@@ -7538,7 +7783,7 @@
       </p:grpSpPr>
       <p:pic>
         <p:nvPicPr>
-          <p:cNvPr id="9" name="Picture 8"/>
+          <p:cNvPr id="8" name="Picture 7"/>
           <p:cNvPicPr>
             <a:picLocks noChangeAspect="1"/>
           </p:cNvPicPr>
@@ -7552,32 +7797,8 @@
         </p:blipFill>
         <p:spPr>
           <a:xfrm>
-            <a:off x="544901" y="1418824"/>
-            <a:ext cx="2849867" cy="5127788"/>
-          </a:xfrm>
-          <a:prstGeom prst="rect">
-            <a:avLst/>
-          </a:prstGeom>
-        </p:spPr>
-      </p:pic>
-      <p:pic>
-        <p:nvPicPr>
-          <p:cNvPr id="10" name="Picture 9"/>
-          <p:cNvPicPr>
-            <a:picLocks noChangeAspect="1"/>
-          </p:cNvPicPr>
-          <p:nvPr/>
-        </p:nvPicPr>
-        <p:blipFill>
-          <a:blip r:embed="rId3"/>
-          <a:stretch>
-            <a:fillRect/>
-          </a:stretch>
-        </p:blipFill>
-        <p:spPr>
-          <a:xfrm>
-            <a:off x="1015044" y="4768133"/>
-            <a:ext cx="654075" cy="636397"/>
+            <a:off x="575742" y="1418824"/>
+            <a:ext cx="2819026" cy="5124657"/>
           </a:xfrm>
           <a:prstGeom prst="rect">
             <a:avLst/>
@@ -7640,7 +7861,7 @@
                 <a:ea typeface="+mj-ea"/>
                 <a:cs typeface="+mj-cs"/>
               </a:rPr>
-              <a:t>Favorites</a:t>
+              <a:t>Profile</a:t>
             </a:r>
           </a:p>
         </p:txBody>
@@ -7916,15 +8137,7 @@
             </a:pPr>
             <a:r>
               <a:rPr lang="en-US" dirty="0"/>
-              <a:t> View and Add your favorite flights with their corresponding price to your favorites list. Click on </a:t>
-            </a:r>
-            <a:r>
-              <a:rPr lang="en-US" i="1" dirty="0"/>
-              <a:t>more details </a:t>
-            </a:r>
-            <a:r>
-              <a:rPr lang="en-US" dirty="0"/>
-              <a:t>to find out more information on that flight.</a:t>
+              <a:t> View and Edit profile. Users can modify their existing username, email or password. Additionally, they can upload a profile picture.</a:t>
             </a:r>
           </a:p>
         </p:txBody>
@@ -7986,7 +8199,318 @@
     </p:spTree>
     <p:extLst>
       <p:ext uri="{BB962C8B-B14F-4D97-AF65-F5344CB8AC3E}">
-        <p14:creationId xmlns:p14="http://schemas.microsoft.com/office/powerpoint/2010/main" val="3202117995"/>
+        <p14:creationId xmlns:p14="http://schemas.microsoft.com/office/powerpoint/2010/main" val="2750380373"/>
+      </p:ext>
+    </p:extLst>
+  </p:cSld>
+  <p:clrMapOvr>
+    <a:masterClrMapping/>
+  </p:clrMapOvr>
+</p:sld>
+</file>
+
+<file path=ppt/slides/slide8.xml><?xml version="1.0" encoding="utf-8"?>
+<p:sld xmlns:a="http://schemas.openxmlformats.org/drawingml/2006/main" xmlns:r="http://schemas.openxmlformats.org/officeDocument/2006/relationships" xmlns:p="http://schemas.openxmlformats.org/presentationml/2006/main">
+  <p:cSld>
+    <p:spTree>
+      <p:nvGrpSpPr>
+        <p:cNvPr id="1" name=""/>
+        <p:cNvGrpSpPr/>
+        <p:nvPr/>
+      </p:nvGrpSpPr>
+      <p:grpSpPr>
+        <a:xfrm>
+          <a:off x="0" y="0"/>
+          <a:ext cx="0" cy="0"/>
+          <a:chOff x="0" y="0"/>
+          <a:chExt cx="0" cy="0"/>
+        </a:xfrm>
+      </p:grpSpPr>
+      <p:sp>
+        <p:nvSpPr>
+          <p:cNvPr id="2" name="Rectangle 1">
+            <a:extLst>
+              <a:ext uri="{FF2B5EF4-FFF2-40B4-BE49-F238E27FC236}">
+                <a16:creationId xmlns:a16="http://schemas.microsoft.com/office/drawing/2014/main" id="{F19E7644-FFBD-35F6-79DA-3407018C49CF}"/>
+              </a:ext>
+            </a:extLst>
+          </p:cNvPr>
+          <p:cNvSpPr/>
+          <p:nvPr/>
+        </p:nvSpPr>
+        <p:spPr>
+          <a:xfrm>
+            <a:off x="0" y="109057"/>
+            <a:ext cx="4093827" cy="1073791"/>
+          </a:xfrm>
+          <a:prstGeom prst="rect">
+            <a:avLst/>
+          </a:prstGeom>
+          <a:ln>
+            <a:solidFill>
+              <a:schemeClr val="bg1"/>
+            </a:solidFill>
+          </a:ln>
+        </p:spPr>
+        <p:style>
+          <a:lnRef idx="2">
+            <a:schemeClr val="accent1">
+              <a:shade val="50000"/>
+            </a:schemeClr>
+          </a:lnRef>
+          <a:fillRef idx="1">
+            <a:schemeClr val="accent1"/>
+          </a:fillRef>
+          <a:effectRef idx="0">
+            <a:schemeClr val="accent1"/>
+          </a:effectRef>
+          <a:fontRef idx="minor">
+            <a:schemeClr val="lt1"/>
+          </a:fontRef>
+        </p:style>
+        <p:txBody>
+          <a:bodyPr rtlCol="0" anchor="ctr"/>
+          <a:lstStyle/>
+          <a:p>
+            <a:pPr algn="ctr"/>
+            <a:r>
+              <a:rPr lang="en-US" sz="3600" spc="-60" dirty="0">
+                <a:solidFill>
+                  <a:srgbClr val="FFFFFF"/>
+                </a:solidFill>
+                <a:latin typeface="+mj-lt"/>
+                <a:ea typeface="+mj-ea"/>
+                <a:cs typeface="+mj-cs"/>
+              </a:rPr>
+              <a:t>Flights</a:t>
+            </a:r>
+          </a:p>
+        </p:txBody>
+      </p:sp>
+      <p:pic>
+        <p:nvPicPr>
+          <p:cNvPr id="4" name="Picture 3">
+            <a:extLst>
+              <a:ext uri="{FF2B5EF4-FFF2-40B4-BE49-F238E27FC236}">
+                <a16:creationId xmlns:a16="http://schemas.microsoft.com/office/drawing/2014/main" id="{0564CDA4-2171-E6CC-14F8-B28FE991CFAF}"/>
+              </a:ext>
+            </a:extLst>
+          </p:cNvPr>
+          <p:cNvPicPr>
+            <a:picLocks noChangeAspect="1"/>
+          </p:cNvPicPr>
+          <p:nvPr/>
+        </p:nvPicPr>
+        <p:blipFill>
+          <a:blip r:embed="rId2"/>
+          <a:stretch>
+            <a:fillRect/>
+          </a:stretch>
+        </p:blipFill>
+        <p:spPr>
+          <a:xfrm>
+            <a:off x="400460" y="1320330"/>
+            <a:ext cx="2585336" cy="4793310"/>
+          </a:xfrm>
+          <a:prstGeom prst="rect">
+            <a:avLst/>
+          </a:prstGeom>
+        </p:spPr>
+      </p:pic>
+      <p:pic>
+        <p:nvPicPr>
+          <p:cNvPr id="6" name="Picture 5">
+            <a:extLst>
+              <a:ext uri="{FF2B5EF4-FFF2-40B4-BE49-F238E27FC236}">
+                <a16:creationId xmlns:a16="http://schemas.microsoft.com/office/drawing/2014/main" id="{A1B62675-89F9-A84E-3F7F-3EB7A3DE2233}"/>
+              </a:ext>
+            </a:extLst>
+          </p:cNvPr>
+          <p:cNvPicPr>
+            <a:picLocks noChangeAspect="1"/>
+          </p:cNvPicPr>
+          <p:nvPr/>
+        </p:nvPicPr>
+        <p:blipFill>
+          <a:blip r:embed="rId3"/>
+          <a:stretch>
+            <a:fillRect/>
+          </a:stretch>
+        </p:blipFill>
+        <p:spPr>
+          <a:xfrm>
+            <a:off x="785381" y="4486426"/>
+            <a:ext cx="600159" cy="609685"/>
+          </a:xfrm>
+          <a:prstGeom prst="rect">
+            <a:avLst/>
+          </a:prstGeom>
+        </p:spPr>
+      </p:pic>
+      <p:pic>
+        <p:nvPicPr>
+          <p:cNvPr id="8" name="Picture 7">
+            <a:extLst>
+              <a:ext uri="{FF2B5EF4-FFF2-40B4-BE49-F238E27FC236}">
+                <a16:creationId xmlns:a16="http://schemas.microsoft.com/office/drawing/2014/main" id="{FA3A3B40-1FB9-FE91-AE57-B54EAC681D53}"/>
+              </a:ext>
+            </a:extLst>
+          </p:cNvPr>
+          <p:cNvPicPr>
+            <a:picLocks noChangeAspect="1"/>
+          </p:cNvPicPr>
+          <p:nvPr/>
+        </p:nvPicPr>
+        <p:blipFill rotWithShape="1">
+          <a:blip r:embed="rId3"/>
+          <a:srcRect b="12527"/>
+          <a:stretch/>
+        </p:blipFill>
+        <p:spPr>
+          <a:xfrm>
+            <a:off x="785380" y="5210266"/>
+            <a:ext cx="600159" cy="533309"/>
+          </a:xfrm>
+          <a:prstGeom prst="rect">
+            <a:avLst/>
+          </a:prstGeom>
+        </p:spPr>
+      </p:pic>
+      <p:pic>
+        <p:nvPicPr>
+          <p:cNvPr id="10" name="Picture 9">
+            <a:extLst>
+              <a:ext uri="{FF2B5EF4-FFF2-40B4-BE49-F238E27FC236}">
+                <a16:creationId xmlns:a16="http://schemas.microsoft.com/office/drawing/2014/main" id="{1038A4DD-9BE9-3781-F289-3BDBD8DA4F2E}"/>
+              </a:ext>
+            </a:extLst>
+          </p:cNvPr>
+          <p:cNvPicPr>
+            <a:picLocks noChangeAspect="1"/>
+          </p:cNvPicPr>
+          <p:nvPr/>
+        </p:nvPicPr>
+        <p:blipFill rotWithShape="1">
+          <a:blip r:embed="rId4"/>
+          <a:srcRect b="19947"/>
+          <a:stretch/>
+        </p:blipFill>
+        <p:spPr>
+          <a:xfrm>
+            <a:off x="1622982" y="5537670"/>
+            <a:ext cx="981212" cy="205905"/>
+          </a:xfrm>
+          <a:prstGeom prst="rect">
+            <a:avLst/>
+          </a:prstGeom>
+        </p:spPr>
+      </p:pic>
+      <p:pic>
+        <p:nvPicPr>
+          <p:cNvPr id="12" name="Picture 11">
+            <a:extLst>
+              <a:ext uri="{FF2B5EF4-FFF2-40B4-BE49-F238E27FC236}">
+                <a16:creationId xmlns:a16="http://schemas.microsoft.com/office/drawing/2014/main" id="{EB065E21-F4CB-BFB4-1B21-EBA0126FC713}"/>
+              </a:ext>
+            </a:extLst>
+          </p:cNvPr>
+          <p:cNvPicPr>
+            <a:picLocks noChangeAspect="1"/>
+          </p:cNvPicPr>
+          <p:nvPr/>
+        </p:nvPicPr>
+        <p:blipFill>
+          <a:blip r:embed="rId5"/>
+          <a:stretch>
+            <a:fillRect/>
+          </a:stretch>
+        </p:blipFill>
+        <p:spPr>
+          <a:xfrm>
+            <a:off x="1385539" y="5233593"/>
+            <a:ext cx="752580" cy="238158"/>
+          </a:xfrm>
+          <a:prstGeom prst="rect">
+            <a:avLst/>
+          </a:prstGeom>
+        </p:spPr>
+      </p:pic>
+      <p:sp>
+        <p:nvSpPr>
+          <p:cNvPr id="14" name="TextBox 13">
+            <a:extLst>
+              <a:ext uri="{FF2B5EF4-FFF2-40B4-BE49-F238E27FC236}">
+                <a16:creationId xmlns:a16="http://schemas.microsoft.com/office/drawing/2014/main" id="{8603D09F-6B27-991A-B12C-E50B26C91C40}"/>
+              </a:ext>
+            </a:extLst>
+          </p:cNvPr>
+          <p:cNvSpPr txBox="1"/>
+          <p:nvPr/>
+        </p:nvSpPr>
+        <p:spPr>
+          <a:xfrm>
+            <a:off x="4535680" y="2697744"/>
+            <a:ext cx="6097424" cy="880369"/>
+          </a:xfrm>
+          <a:prstGeom prst="rect">
+            <a:avLst/>
+          </a:prstGeom>
+          <a:noFill/>
+        </p:spPr>
+        <p:txBody>
+          <a:bodyPr wrap="square">
+            <a:spAutoFit/>
+          </a:bodyPr>
+          <a:lstStyle/>
+          <a:p>
+            <a:pPr>
+              <a:lnSpc>
+                <a:spcPct val="150000"/>
+              </a:lnSpc>
+              <a:buFont typeface="Wingdings" panose="05000000000000000000" pitchFamily="2" charset="2"/>
+              <a:buChar char="Ø"/>
+            </a:pPr>
+            <a:r>
+              <a:rPr lang="en-US" dirty="0"/>
+              <a:t> Browse through the flights that are in the hot for you page. You are also able to view the details as show in the mockup.</a:t>
+            </a:r>
+          </a:p>
+        </p:txBody>
+      </p:sp>
+    </p:spTree>
+    <p:extLst>
+      <p:ext uri="{BB962C8B-B14F-4D97-AF65-F5344CB8AC3E}">
+        <p14:creationId xmlns:p14="http://schemas.microsoft.com/office/powerpoint/2010/main" val="2794442424"/>
+      </p:ext>
+    </p:extLst>
+  </p:cSld>
+  <p:clrMapOvr>
+    <a:masterClrMapping/>
+  </p:clrMapOvr>
+</p:sld>
+</file>
+
+<file path=ppt/slides/slide9.xml><?xml version="1.0" encoding="utf-8"?>
+<p:sld xmlns:a="http://schemas.openxmlformats.org/drawingml/2006/main" xmlns:r="http://schemas.openxmlformats.org/officeDocument/2006/relationships" xmlns:p="http://schemas.openxmlformats.org/presentationml/2006/main">
+  <p:cSld>
+    <p:spTree>
+      <p:nvGrpSpPr>
+        <p:cNvPr id="1" name=""/>
+        <p:cNvGrpSpPr/>
+        <p:nvPr/>
+      </p:nvGrpSpPr>
+      <p:grpSpPr>
+        <a:xfrm>
+          <a:off x="0" y="0"/>
+          <a:ext cx="0" cy="0"/>
+          <a:chOff x="0" y="0"/>
+          <a:chExt cx="0" cy="0"/>
+        </a:xfrm>
+      </p:grpSpPr>
+    </p:spTree>
+    <p:extLst>
+      <p:ext uri="{BB962C8B-B14F-4D97-AF65-F5344CB8AC3E}">
+        <p14:creationId xmlns:p14="http://schemas.microsoft.com/office/powerpoint/2010/main" val="1899581721"/>
       </p:ext>
     </p:extLst>
   </p:cSld>
